--- a/FantaManager-Presentation.pptx
+++ b/FantaManager-Presentation.pptx
@@ -6,7 +6,7 @@
     <p:sldMasterId id="2147483660" r:id="rId2"/>
   </p:sldMasterIdLst>
   <p:notesMasterIdLst>
-    <p:notesMasterId r:id="rId10"/>
+    <p:notesMasterId r:id="rId11"/>
   </p:notesMasterIdLst>
   <p:sldIdLst>
     <p:sldId id="256" r:id="rId3"/>
@@ -16,6 +16,7 @@
     <p:sldId id="268" r:id="rId7"/>
     <p:sldId id="270" r:id="rId8"/>
     <p:sldId id="271" r:id="rId9"/>
+    <p:sldId id="272" r:id="rId10"/>
   </p:sldIdLst>
   <p:sldSz cx="12192000" cy="6858000"/>
   <p:notesSz cx="6858000" cy="9144000"/>
@@ -114,7 +115,65 @@
       </a:defRPr>
     </a:lvl9pPr>
   </p:defaultTextStyle>
+  <p:extLst>
+    <p:ext uri="{EFAFB233-063F-42B5-8137-9DF3F51BA10A}">
+      <p15:sldGuideLst xmlns:p15="http://schemas.microsoft.com/office/powerpoint/2012/main"/>
+    </p:ext>
+  </p:extLst>
 </p:presentation>
+</file>
+
+<file path=ppt/revisionInfo.xml><?xml version="1.0" encoding="utf-8"?>
+<p1510:revInfo xmlns:a="http://schemas.openxmlformats.org/drawingml/2006/main" xmlns:r="http://schemas.openxmlformats.org/officeDocument/2006/relationships" xmlns:p1510="http://schemas.microsoft.com/office/powerpoint/2015/10/main">
+  <p1510:revLst>
+    <p1510:client id="{667F6BFA-7D0F-4CF0-AB84-AE3216A44CD5}" v="1" dt="2023-01-25T11:42:01.540"/>
+  </p1510:revLst>
+</p1510:revInfo>
+</file>
+
+<file path=ppt/changesInfos/changesInfo1.xml><?xml version="1.0" encoding="utf-8"?>
+<pc:chgInfo xmlns:a="http://schemas.openxmlformats.org/drawingml/2006/main" xmlns:r="http://schemas.openxmlformats.org/officeDocument/2006/relationships" xmlns:ac="http://schemas.microsoft.com/office/drawing/2013/main/command" xmlns:pc="http://schemas.microsoft.com/office/powerpoint/2013/main/command">
+  <pc:docChgLst>
+    <pc:chgData name="matteo razzai" userId="6499bd5e56917ba5" providerId="LiveId" clId="{667F6BFA-7D0F-4CF0-AB84-AE3216A44CD5}"/>
+    <pc:docChg chg="undo custSel addSld modSld">
+      <pc:chgData name="matteo razzai" userId="6499bd5e56917ba5" providerId="LiveId" clId="{667F6BFA-7D0F-4CF0-AB84-AE3216A44CD5}" dt="2023-01-25T11:58:11.995" v="1447" actId="20577"/>
+      <pc:docMkLst>
+        <pc:docMk/>
+      </pc:docMkLst>
+      <pc:sldChg chg="addSp delSp modSp new mod">
+        <pc:chgData name="matteo razzai" userId="6499bd5e56917ba5" providerId="LiveId" clId="{667F6BFA-7D0F-4CF0-AB84-AE3216A44CD5}" dt="2023-01-25T11:58:11.995" v="1447" actId="20577"/>
+        <pc:sldMkLst>
+          <pc:docMk/>
+          <pc:sldMk cId="2029053212" sldId="272"/>
+        </pc:sldMkLst>
+        <pc:spChg chg="mod">
+          <ac:chgData name="matteo razzai" userId="6499bd5e56917ba5" providerId="LiveId" clId="{667F6BFA-7D0F-4CF0-AB84-AE3216A44CD5}" dt="2023-01-25T11:41:28.626" v="24" actId="1076"/>
+          <ac:spMkLst>
+            <pc:docMk/>
+            <pc:sldMk cId="2029053212" sldId="272"/>
+            <ac:spMk id="2" creationId="{D77EA7AC-07D6-132B-2BC7-A2086E7BD0A4}"/>
+          </ac:spMkLst>
+        </pc:spChg>
+        <pc:spChg chg="del">
+          <ac:chgData name="matteo razzai" userId="6499bd5e56917ba5" providerId="LiveId" clId="{667F6BFA-7D0F-4CF0-AB84-AE3216A44CD5}" dt="2023-01-25T11:41:33.010" v="25" actId="478"/>
+          <ac:spMkLst>
+            <pc:docMk/>
+            <pc:sldMk cId="2029053212" sldId="272"/>
+            <ac:spMk id="3" creationId="{69206D3B-199A-23F3-AEFB-14ADD58453B6}"/>
+          </ac:spMkLst>
+        </pc:spChg>
+        <pc:spChg chg="add del mod">
+          <ac:chgData name="matteo razzai" userId="6499bd5e56917ba5" providerId="LiveId" clId="{667F6BFA-7D0F-4CF0-AB84-AE3216A44CD5}" dt="2023-01-25T11:58:11.995" v="1447" actId="20577"/>
+          <ac:spMkLst>
+            <pc:docMk/>
+            <pc:sldMk cId="2029053212" sldId="272"/>
+            <ac:spMk id="4" creationId="{F056C9A9-6EEC-06A3-9B11-C9E5EB6226E3}"/>
+          </ac:spMkLst>
+        </pc:spChg>
+      </pc:sldChg>
+    </pc:docChg>
+  </pc:docChgLst>
+</pc:chgInfo>
 </file>
 
 <file path=ppt/notesMasters/notesMaster1.xml><?xml version="1.0" encoding="utf-8"?>
@@ -35095,6 +35154,1407 @@
     <p:extLst>
       <p:ext uri="{BB962C8B-B14F-4D97-AF65-F5344CB8AC3E}">
         <p14:creationId xmlns:p14="http://schemas.microsoft.com/office/powerpoint/2010/main" val="3988572551"/>
+      </p:ext>
+    </p:extLst>
+  </p:cSld>
+  <p:clrMapOvr>
+    <a:masterClrMapping/>
+  </p:clrMapOvr>
+</p:sld>
+</file>
+
+<file path=ppt/slides/slide8.xml><?xml version="1.0" encoding="utf-8"?>
+<p:sld xmlns:a="http://schemas.openxmlformats.org/drawingml/2006/main" xmlns:r="http://schemas.openxmlformats.org/officeDocument/2006/relationships" xmlns:p="http://schemas.openxmlformats.org/presentationml/2006/main">
+  <p:cSld>
+    <p:spTree>
+      <p:nvGrpSpPr>
+        <p:cNvPr id="1" name=""/>
+        <p:cNvGrpSpPr/>
+        <p:nvPr/>
+      </p:nvGrpSpPr>
+      <p:grpSpPr>
+        <a:xfrm>
+          <a:off x="0" y="0"/>
+          <a:ext cx="0" cy="0"/>
+          <a:chOff x="0" y="0"/>
+          <a:chExt cx="0" cy="0"/>
+        </a:xfrm>
+      </p:grpSpPr>
+      <p:sp>
+        <p:nvSpPr>
+          <p:cNvPr id="2" name="Titolo 1">
+            <a:extLst>
+              <a:ext uri="{FF2B5EF4-FFF2-40B4-BE49-F238E27FC236}">
+                <a16:creationId xmlns:a16="http://schemas.microsoft.com/office/drawing/2014/main" id="{D77EA7AC-07D6-132B-2BC7-A2086E7BD0A4}"/>
+              </a:ext>
+            </a:extLst>
+          </p:cNvPr>
+          <p:cNvSpPr>
+            <a:spLocks noGrp="1"/>
+          </p:cNvSpPr>
+          <p:nvPr>
+            <p:ph type="ctrTitle"/>
+          </p:nvPr>
+        </p:nvSpPr>
+        <p:spPr>
+          <a:xfrm>
+            <a:off x="718800" y="499496"/>
+            <a:ext cx="10754400" cy="520000"/>
+          </a:xfrm>
+        </p:spPr>
+        <p:txBody>
+          <a:bodyPr/>
+          <a:lstStyle/>
+          <a:p>
+            <a:r>
+              <a:rPr lang="it-IT" dirty="0" err="1"/>
+              <a:t>Main</a:t>
+            </a:r>
+            <a:r>
+              <a:rPr lang="it-IT" dirty="0"/>
+              <a:t> Queries on </a:t>
+            </a:r>
+            <a:r>
+              <a:rPr lang="it-IT" dirty="0" err="1"/>
+              <a:t>MongoDB</a:t>
+            </a:r>
+            <a:endParaRPr lang="it-IT" dirty="0"/>
+          </a:p>
+        </p:txBody>
+      </p:sp>
+      <p:sp>
+        <p:nvSpPr>
+          <p:cNvPr id="4" name="CasellaDiTesto 3">
+            <a:extLst>
+              <a:ext uri="{FF2B5EF4-FFF2-40B4-BE49-F238E27FC236}">
+                <a16:creationId xmlns:a16="http://schemas.microsoft.com/office/drawing/2014/main" id="{F056C9A9-6EEC-06A3-9B11-C9E5EB6226E3}"/>
+              </a:ext>
+            </a:extLst>
+          </p:cNvPr>
+          <p:cNvSpPr txBox="1"/>
+          <p:nvPr/>
+        </p:nvSpPr>
+        <p:spPr>
+          <a:xfrm>
+            <a:off x="139959" y="1019496"/>
+            <a:ext cx="12052041" cy="7218066"/>
+          </a:xfrm>
+          <a:prstGeom prst="rect">
+            <a:avLst/>
+          </a:prstGeom>
+          <a:noFill/>
+        </p:spPr>
+        <p:txBody>
+          <a:bodyPr wrap="square">
+            <a:spAutoFit/>
+          </a:bodyPr>
+          <a:lstStyle/>
+          <a:p>
+            <a:pPr marR="0" lvl="0" algn="l" defTabSz="914400" rtl="0" eaLnBrk="1" fontAlgn="auto" latinLnBrk="0" hangingPunct="1">
+              <a:lnSpc>
+                <a:spcPct val="107000"/>
+              </a:lnSpc>
+              <a:spcBef>
+                <a:spcPts val="0"/>
+              </a:spcBef>
+              <a:spcAft>
+                <a:spcPts val="0"/>
+              </a:spcAft>
+              <a:buClrTx/>
+              <a:buSzTx/>
+              <a:tabLst/>
+              <a:defRPr/>
+            </a:pPr>
+            <a:r>
+              <a:rPr kumimoji="0" lang="en-US" sz="2000" b="0" u="none" strike="noStrike" kern="1200" cap="none" spc="0" normalizeH="0" baseline="0" noProof="0" dirty="0">
+                <a:ln>
+                  <a:noFill/>
+                </a:ln>
+                <a:solidFill>
+                  <a:srgbClr val="005375"/>
+                </a:solidFill>
+                <a:effectLst/>
+                <a:uLnTx/>
+                <a:uFillTx/>
+                <a:latin typeface="Arial"/>
+                <a:ea typeface="Calibri" panose="020F0502020204030204" pitchFamily="34" charset="0"/>
+                <a:cs typeface="+mn-cs"/>
+              </a:rPr>
+              <a:t>Best User for each region</a:t>
+            </a:r>
+          </a:p>
+          <a:p>
+            <a:r>
+              <a:rPr lang="it-IT" sz="1400" b="0" dirty="0" err="1">
+                <a:solidFill>
+                  <a:schemeClr val="accent2"/>
+                </a:solidFill>
+                <a:effectLst/>
+                <a:latin typeface="Consolas" panose="020B0609020204030204" pitchFamily="49" charset="0"/>
+              </a:rPr>
+              <a:t>db.Users.aggregate</a:t>
+            </a:r>
+            <a:r>
+              <a:rPr lang="it-IT" sz="1400" b="0" dirty="0">
+                <a:solidFill>
+                  <a:schemeClr val="accent2"/>
+                </a:solidFill>
+                <a:effectLst/>
+                <a:latin typeface="Consolas" panose="020B0609020204030204" pitchFamily="49" charset="0"/>
+              </a:rPr>
+              <a:t>([{$sort:{points:1}},{$group:{_id:"$</a:t>
+            </a:r>
+            <a:r>
+              <a:rPr lang="it-IT" sz="1400" b="0" dirty="0" err="1">
+                <a:solidFill>
+                  <a:schemeClr val="accent2"/>
+                </a:solidFill>
+                <a:effectLst/>
+                <a:latin typeface="Consolas" panose="020B0609020204030204" pitchFamily="49" charset="0"/>
+              </a:rPr>
+              <a:t>region</a:t>
+            </a:r>
+            <a:r>
+              <a:rPr lang="it-IT" sz="1400" b="0" dirty="0">
+                <a:solidFill>
+                  <a:schemeClr val="accent2"/>
+                </a:solidFill>
+                <a:effectLst/>
+                <a:latin typeface="Consolas" panose="020B0609020204030204" pitchFamily="49" charset="0"/>
+              </a:rPr>
+              <a:t>",username:{$first:"$username"},credits:{$first:"$credits"},</a:t>
+            </a:r>
+          </a:p>
+          <a:p>
+            <a:r>
+              <a:rPr lang="it-IT" sz="1400" b="0" dirty="0">
+                <a:solidFill>
+                  <a:schemeClr val="accent2"/>
+                </a:solidFill>
+                <a:effectLst/>
+                <a:latin typeface="Consolas" panose="020B0609020204030204" pitchFamily="49" charset="0"/>
+              </a:rPr>
+              <a:t>points:{$first:"$points"},id:{$first:"$_id"}}},{$project:{_id:"$id",</a:t>
+            </a:r>
+            <a:r>
+              <a:rPr lang="it-IT" sz="1400" b="0" dirty="0" err="1">
+                <a:solidFill>
+                  <a:schemeClr val="accent2"/>
+                </a:solidFill>
+                <a:effectLst/>
+                <a:latin typeface="Consolas" panose="020B0609020204030204" pitchFamily="49" charset="0"/>
+              </a:rPr>
+              <a:t>region</a:t>
+            </a:r>
+            <a:r>
+              <a:rPr lang="it-IT" sz="1400" b="0" dirty="0">
+                <a:solidFill>
+                  <a:schemeClr val="accent2"/>
+                </a:solidFill>
+                <a:effectLst/>
+                <a:latin typeface="Consolas" panose="020B0609020204030204" pitchFamily="49" charset="0"/>
+              </a:rPr>
+              <a:t>:"$_</a:t>
+            </a:r>
+            <a:r>
+              <a:rPr lang="it-IT" sz="1400" b="0" dirty="0" err="1">
+                <a:solidFill>
+                  <a:schemeClr val="accent2"/>
+                </a:solidFill>
+                <a:effectLst/>
+                <a:latin typeface="Consolas" panose="020B0609020204030204" pitchFamily="49" charset="0"/>
+              </a:rPr>
+              <a:t>id",username</a:t>
+            </a:r>
+            <a:r>
+              <a:rPr lang="it-IT" sz="1400" b="0" dirty="0">
+                <a:solidFill>
+                  <a:schemeClr val="accent2"/>
+                </a:solidFill>
+                <a:effectLst/>
+                <a:latin typeface="Consolas" panose="020B0609020204030204" pitchFamily="49" charset="0"/>
+              </a:rPr>
+              <a:t>:"$</a:t>
+            </a:r>
+            <a:r>
+              <a:rPr lang="it-IT" sz="1400" b="0" dirty="0" err="1">
+                <a:solidFill>
+                  <a:schemeClr val="accent2"/>
+                </a:solidFill>
+                <a:effectLst/>
+                <a:latin typeface="Consolas" panose="020B0609020204030204" pitchFamily="49" charset="0"/>
+              </a:rPr>
+              <a:t>username",points</a:t>
+            </a:r>
+            <a:r>
+              <a:rPr lang="it-IT" sz="1400" b="0" dirty="0">
+                <a:solidFill>
+                  <a:schemeClr val="accent2"/>
+                </a:solidFill>
+                <a:effectLst/>
+                <a:latin typeface="Consolas" panose="020B0609020204030204" pitchFamily="49" charset="0"/>
+              </a:rPr>
+              <a:t>:"$points"}},{$sort:{points:-1}}]);</a:t>
+            </a:r>
+          </a:p>
+          <a:p>
+            <a:pPr marR="0" lvl="0" algn="l" defTabSz="914400" rtl="0" eaLnBrk="1" fontAlgn="auto" latinLnBrk="0" hangingPunct="1">
+              <a:lnSpc>
+                <a:spcPct val="107000"/>
+              </a:lnSpc>
+              <a:spcBef>
+                <a:spcPts val="0"/>
+              </a:spcBef>
+              <a:spcAft>
+                <a:spcPts val="0"/>
+              </a:spcAft>
+              <a:buClrTx/>
+              <a:buSzTx/>
+              <a:tabLst/>
+              <a:defRPr/>
+            </a:pPr>
+            <a:endParaRPr lang="en-US" sz="2000" dirty="0">
+              <a:solidFill>
+                <a:srgbClr val="005375"/>
+              </a:solidFill>
+              <a:latin typeface="Arial"/>
+              <a:ea typeface="Calibri" panose="020F0502020204030204" pitchFamily="34" charset="0"/>
+            </a:endParaRPr>
+          </a:p>
+          <a:p>
+            <a:pPr marR="0" lvl="0" algn="l" defTabSz="914400" rtl="0" eaLnBrk="1" fontAlgn="auto" latinLnBrk="0" hangingPunct="1">
+              <a:lnSpc>
+                <a:spcPct val="107000"/>
+              </a:lnSpc>
+              <a:spcBef>
+                <a:spcPts val="0"/>
+              </a:spcBef>
+              <a:spcAft>
+                <a:spcPts val="0"/>
+              </a:spcAft>
+              <a:buClrTx/>
+              <a:buSzTx/>
+              <a:tabLst/>
+              <a:defRPr/>
+            </a:pPr>
+            <a:r>
+              <a:rPr lang="en-US" sz="2000" dirty="0">
+                <a:solidFill>
+                  <a:srgbClr val="005375"/>
+                </a:solidFill>
+                <a:latin typeface="Arial"/>
+                <a:ea typeface="Calibri" panose="020F0502020204030204" pitchFamily="34" charset="0"/>
+              </a:rPr>
+              <a:t>Most offered/wanted footballer’s card in Trades</a:t>
+            </a:r>
+          </a:p>
+          <a:p>
+            <a:r>
+              <a:rPr lang="it-IT" sz="1400" dirty="0">
+                <a:solidFill>
+                  <a:schemeClr val="accent2"/>
+                </a:solidFill>
+                <a:latin typeface="Consolas" panose="020B0609020204030204" pitchFamily="49" charset="0"/>
+              </a:rPr>
+              <a:t> </a:t>
+            </a:r>
+            <a:r>
+              <a:rPr lang="it-IT" sz="1400" b="0" dirty="0" err="1">
+                <a:solidFill>
+                  <a:schemeClr val="accent2"/>
+                </a:solidFill>
+                <a:effectLst/>
+                <a:latin typeface="Consolas" panose="020B0609020204030204" pitchFamily="49" charset="0"/>
+              </a:rPr>
+              <a:t>db.Trades.aggregate</a:t>
+            </a:r>
+            <a:r>
+              <a:rPr lang="it-IT" sz="1400" b="0" dirty="0">
+                <a:solidFill>
+                  <a:schemeClr val="accent2"/>
+                </a:solidFill>
+                <a:effectLst/>
+                <a:latin typeface="Consolas" panose="020B0609020204030204" pitchFamily="49" charset="0"/>
+              </a:rPr>
+              <a:t>([{$match:{status:1}},{$</a:t>
+            </a:r>
+            <a:r>
+              <a:rPr lang="it-IT" sz="1400" b="0" dirty="0" err="1">
+                <a:solidFill>
+                  <a:schemeClr val="accent2"/>
+                </a:solidFill>
+                <a:effectLst/>
+                <a:latin typeface="Consolas" panose="020B0609020204030204" pitchFamily="49" charset="0"/>
+              </a:rPr>
+              <a:t>unwind</a:t>
+            </a:r>
+            <a:r>
+              <a:rPr lang="it-IT" sz="1400" b="0" dirty="0">
+                <a:solidFill>
+                  <a:schemeClr val="accent2"/>
+                </a:solidFill>
+                <a:effectLst/>
+                <a:latin typeface="Consolas" panose="020B0609020204030204" pitchFamily="49" charset="0"/>
+              </a:rPr>
+              <a:t>:"$</a:t>
+            </a:r>
+            <a:r>
+              <a:rPr lang="it-IT" sz="1400" b="0" dirty="0" err="1">
+                <a:solidFill>
+                  <a:schemeClr val="accent2"/>
+                </a:solidFill>
+                <a:effectLst/>
+                <a:latin typeface="Consolas" panose="020B0609020204030204" pitchFamily="49" charset="0"/>
+              </a:rPr>
+              <a:t>card_from</a:t>
+            </a:r>
+            <a:r>
+              <a:rPr lang="it-IT" sz="1400" b="0" dirty="0">
+                <a:solidFill>
+                  <a:schemeClr val="accent2"/>
+                </a:solidFill>
+                <a:effectLst/>
+                <a:latin typeface="Consolas" panose="020B0609020204030204" pitchFamily="49" charset="0"/>
+              </a:rPr>
+              <a:t>"},{$group:{_id:"$card_from",</a:t>
+            </a:r>
+            <a:r>
+              <a:rPr lang="it-IT" sz="1400" b="0" dirty="0" err="1">
+                <a:solidFill>
+                  <a:schemeClr val="accent2"/>
+                </a:solidFill>
+                <a:effectLst/>
+                <a:latin typeface="Consolas" panose="020B0609020204030204" pitchFamily="49" charset="0"/>
+              </a:rPr>
+              <a:t>count</a:t>
+            </a:r>
+            <a:r>
+              <a:rPr lang="it-IT" sz="1400" b="0" dirty="0">
+                <a:solidFill>
+                  <a:schemeClr val="accent2"/>
+                </a:solidFill>
+                <a:effectLst/>
+                <a:latin typeface="Consolas" panose="020B0609020204030204" pitchFamily="49" charset="0"/>
+              </a:rPr>
+              <a:t>:{$sum:1}}},</a:t>
+            </a:r>
+          </a:p>
+          <a:p>
+            <a:r>
+              <a:rPr lang="it-IT" sz="1400" b="0" dirty="0">
+                <a:solidFill>
+                  <a:schemeClr val="accent2"/>
+                </a:solidFill>
+                <a:effectLst/>
+                <a:latin typeface="Consolas" panose="020B0609020204030204" pitchFamily="49" charset="0"/>
+              </a:rPr>
+              <a:t> {$sort:{</a:t>
+            </a:r>
+            <a:r>
+              <a:rPr lang="it-IT" sz="1400" b="0" dirty="0" err="1">
+                <a:solidFill>
+                  <a:schemeClr val="accent2"/>
+                </a:solidFill>
+                <a:effectLst/>
+                <a:latin typeface="Consolas" panose="020B0609020204030204" pitchFamily="49" charset="0"/>
+              </a:rPr>
+              <a:t>count</a:t>
+            </a:r>
+            <a:r>
+              <a:rPr lang="it-IT" sz="1400" b="0" dirty="0">
+                <a:solidFill>
+                  <a:schemeClr val="accent2"/>
+                </a:solidFill>
+                <a:effectLst/>
+                <a:latin typeface="Consolas" panose="020B0609020204030204" pitchFamily="49" charset="0"/>
+              </a:rPr>
+              <a:t>:-1}},{$limit:20});</a:t>
+            </a:r>
+          </a:p>
+          <a:p>
+            <a:endParaRPr lang="it-IT" sz="1400" dirty="0">
+              <a:solidFill>
+                <a:schemeClr val="accent2"/>
+              </a:solidFill>
+              <a:latin typeface="Consolas" panose="020B0609020204030204" pitchFamily="49" charset="0"/>
+            </a:endParaRPr>
+          </a:p>
+          <a:p>
+            <a:pPr marR="0" lvl="0" algn="l" defTabSz="914400" rtl="0" eaLnBrk="1" fontAlgn="auto" latinLnBrk="0" hangingPunct="1">
+              <a:lnSpc>
+                <a:spcPct val="107000"/>
+              </a:lnSpc>
+              <a:spcBef>
+                <a:spcPts val="0"/>
+              </a:spcBef>
+              <a:spcAft>
+                <a:spcPts val="0"/>
+              </a:spcAft>
+              <a:buClrTx/>
+              <a:buSzTx/>
+              <a:tabLst/>
+              <a:defRPr/>
+            </a:pPr>
+            <a:r>
+              <a:rPr lang="it-IT" sz="1400" dirty="0">
+                <a:solidFill>
+                  <a:schemeClr val="accent2"/>
+                </a:solidFill>
+                <a:latin typeface="Consolas" panose="020B0609020204030204" pitchFamily="49" charset="0"/>
+              </a:rPr>
+              <a:t> </a:t>
+            </a:r>
+            <a:r>
+              <a:rPr lang="en-US" sz="2000" dirty="0">
+                <a:solidFill>
+                  <a:srgbClr val="005375"/>
+                </a:solidFill>
+                <a:latin typeface="Arial"/>
+              </a:rPr>
+              <a:t>Best Cards for matchday’s score obtained</a:t>
+            </a:r>
+          </a:p>
+          <a:p>
+            <a:r>
+              <a:rPr lang="it-IT" sz="1400" b="0" dirty="0">
+                <a:solidFill>
+                  <a:schemeClr val="accent2"/>
+                </a:solidFill>
+                <a:effectLst/>
+                <a:latin typeface="Consolas" panose="020B0609020204030204" pitchFamily="49" charset="0"/>
+              </a:rPr>
+              <a:t> </a:t>
+            </a:r>
+            <a:r>
+              <a:rPr lang="it-IT" sz="1400" b="0" dirty="0" err="1">
+                <a:solidFill>
+                  <a:schemeClr val="accent2"/>
+                </a:solidFill>
+                <a:effectLst/>
+                <a:latin typeface="Consolas" panose="020B0609020204030204" pitchFamily="49" charset="0"/>
+              </a:rPr>
+              <a:t>db.Cards.aggregate</a:t>
+            </a:r>
+            <a:r>
+              <a:rPr lang="it-IT" sz="1400" b="0" dirty="0">
+                <a:solidFill>
+                  <a:schemeClr val="accent2"/>
+                </a:solidFill>
+                <a:effectLst/>
+                <a:latin typeface="Consolas" panose="020B0609020204030204" pitchFamily="49" charset="0"/>
+              </a:rPr>
+              <a:t>([{$project:{"</a:t>
+            </a:r>
+            <a:r>
+              <a:rPr lang="it-IT" sz="1400" b="0" dirty="0" err="1">
+                <a:solidFill>
+                  <a:schemeClr val="accent2"/>
+                </a:solidFill>
+                <a:effectLst/>
+                <a:latin typeface="Consolas" panose="020B0609020204030204" pitchFamily="49" charset="0"/>
+              </a:rPr>
+              <a:t>statistics.matchday</a:t>
+            </a:r>
+            <a:r>
+              <a:rPr lang="it-IT" sz="1400" b="0" dirty="0">
+                <a:solidFill>
+                  <a:schemeClr val="accent2"/>
+                </a:solidFill>
+                <a:effectLst/>
+                <a:latin typeface="Consolas" panose="020B0609020204030204" pitchFamily="49" charset="0"/>
+              </a:rPr>
+              <a:t>":{$</a:t>
+            </a:r>
+            <a:r>
+              <a:rPr lang="it-IT" sz="1400" b="0" dirty="0" err="1">
+                <a:solidFill>
+                  <a:schemeClr val="accent2"/>
+                </a:solidFill>
+                <a:effectLst/>
+                <a:latin typeface="Consolas" panose="020B0609020204030204" pitchFamily="49" charset="0"/>
+              </a:rPr>
+              <a:t>objectToArray</a:t>
+            </a:r>
+            <a:r>
+              <a:rPr lang="it-IT" sz="1400" b="0" dirty="0">
+                <a:solidFill>
+                  <a:schemeClr val="accent2"/>
+                </a:solidFill>
+                <a:effectLst/>
+                <a:latin typeface="Consolas" panose="020B0609020204030204" pitchFamily="49" charset="0"/>
+              </a:rPr>
+              <a:t>:"$</a:t>
+            </a:r>
+            <a:r>
+              <a:rPr lang="it-IT" sz="1400" b="0" dirty="0" err="1">
+                <a:solidFill>
+                  <a:schemeClr val="accent2"/>
+                </a:solidFill>
+                <a:effectLst/>
+                <a:latin typeface="Consolas" panose="020B0609020204030204" pitchFamily="49" charset="0"/>
+              </a:rPr>
+              <a:t>statistics.matchday</a:t>
+            </a:r>
+            <a:r>
+              <a:rPr lang="it-IT" sz="1400" b="0" dirty="0">
+                <a:solidFill>
+                  <a:schemeClr val="accent2"/>
+                </a:solidFill>
+                <a:effectLst/>
+                <a:latin typeface="Consolas" panose="020B0609020204030204" pitchFamily="49" charset="0"/>
+              </a:rPr>
+              <a:t>"},</a:t>
+            </a:r>
+            <a:r>
+              <a:rPr lang="it-IT" sz="1400" b="0" dirty="0" err="1">
+                <a:solidFill>
+                  <a:schemeClr val="accent2"/>
+                </a:solidFill>
+                <a:effectLst/>
+                <a:latin typeface="Consolas" panose="020B0609020204030204" pitchFamily="49" charset="0"/>
+              </a:rPr>
+              <a:t>fullname</a:t>
+            </a:r>
+            <a:r>
+              <a:rPr lang="it-IT" sz="1400" b="0" dirty="0">
+                <a:solidFill>
+                  <a:schemeClr val="accent2"/>
+                </a:solidFill>
+                <a:effectLst/>
+                <a:latin typeface="Consolas" panose="020B0609020204030204" pitchFamily="49" charset="0"/>
+              </a:rPr>
+              <a:t>:"$</a:t>
+            </a:r>
+            <a:r>
+              <a:rPr lang="it-IT" sz="1400" b="0" dirty="0" err="1">
+                <a:solidFill>
+                  <a:schemeClr val="accent2"/>
+                </a:solidFill>
+                <a:effectLst/>
+                <a:latin typeface="Consolas" panose="020B0609020204030204" pitchFamily="49" charset="0"/>
+              </a:rPr>
+              <a:t>fullname</a:t>
+            </a:r>
+            <a:r>
+              <a:rPr lang="it-IT" sz="1400" b="0" dirty="0">
+                <a:solidFill>
+                  <a:schemeClr val="accent2"/>
+                </a:solidFill>
+                <a:effectLst/>
+                <a:latin typeface="Consolas" panose="020B0609020204030204" pitchFamily="49" charset="0"/>
+              </a:rPr>
+              <a:t>",</a:t>
+            </a:r>
+          </a:p>
+          <a:p>
+            <a:r>
+              <a:rPr lang="it-IT" sz="1400" b="0" dirty="0">
+                <a:solidFill>
+                  <a:schemeClr val="accent2"/>
+                </a:solidFill>
+                <a:effectLst/>
+                <a:latin typeface="Consolas" panose="020B0609020204030204" pitchFamily="49" charset="0"/>
+              </a:rPr>
+              <a:t> team:"$</a:t>
+            </a:r>
+            <a:r>
+              <a:rPr lang="it-IT" sz="1400" b="0" dirty="0" err="1">
+                <a:solidFill>
+                  <a:schemeClr val="accent2"/>
+                </a:solidFill>
+                <a:effectLst/>
+                <a:latin typeface="Consolas" panose="020B0609020204030204" pitchFamily="49" charset="0"/>
+              </a:rPr>
+              <a:t>team",credits</a:t>
+            </a:r>
+            <a:r>
+              <a:rPr lang="it-IT" sz="1400" b="0" dirty="0">
+                <a:solidFill>
+                  <a:schemeClr val="accent2"/>
+                </a:solidFill>
+                <a:effectLst/>
+                <a:latin typeface="Consolas" panose="020B0609020204030204" pitchFamily="49" charset="0"/>
+              </a:rPr>
+              <a:t>:"$</a:t>
+            </a:r>
+            <a:r>
+              <a:rPr lang="it-IT" sz="1400" b="0" dirty="0" err="1">
+                <a:solidFill>
+                  <a:schemeClr val="accent2"/>
+                </a:solidFill>
+                <a:effectLst/>
+                <a:latin typeface="Consolas" panose="020B0609020204030204" pitchFamily="49" charset="0"/>
+              </a:rPr>
+              <a:t>credits",position</a:t>
+            </a:r>
+            <a:r>
+              <a:rPr lang="it-IT" sz="1400" b="0" dirty="0">
+                <a:solidFill>
+                  <a:schemeClr val="accent2"/>
+                </a:solidFill>
+                <a:effectLst/>
+                <a:latin typeface="Consolas" panose="020B0609020204030204" pitchFamily="49" charset="0"/>
+              </a:rPr>
+              <a:t>:"$</a:t>
+            </a:r>
+            <a:r>
+              <a:rPr lang="it-IT" sz="1400" b="0" dirty="0" err="1">
+                <a:solidFill>
+                  <a:schemeClr val="accent2"/>
+                </a:solidFill>
+                <a:effectLst/>
+                <a:latin typeface="Consolas" panose="020B0609020204030204" pitchFamily="49" charset="0"/>
+              </a:rPr>
+              <a:t>position",_id</a:t>
+            </a:r>
+            <a:r>
+              <a:rPr lang="it-IT" sz="1400" b="0" dirty="0">
+                <a:solidFill>
+                  <a:schemeClr val="accent2"/>
+                </a:solidFill>
+                <a:effectLst/>
+                <a:latin typeface="Consolas" panose="020B0609020204030204" pitchFamily="49" charset="0"/>
+              </a:rPr>
+              <a:t>:"$_id"}},</a:t>
+            </a:r>
+          </a:p>
+          <a:p>
+            <a:r>
+              <a:rPr lang="it-IT" sz="1400" b="0" dirty="0">
+                <a:solidFill>
+                  <a:schemeClr val="accent2"/>
+                </a:solidFill>
+                <a:effectLst/>
+                <a:latin typeface="Consolas" panose="020B0609020204030204" pitchFamily="49" charset="0"/>
+              </a:rPr>
+              <a:t>{$match:{"</a:t>
+            </a:r>
+            <a:r>
+              <a:rPr lang="it-IT" sz="1400" b="0" dirty="0" err="1">
+                <a:solidFill>
+                  <a:schemeClr val="accent2"/>
+                </a:solidFill>
+                <a:effectLst/>
+                <a:latin typeface="Consolas" panose="020B0609020204030204" pitchFamily="49" charset="0"/>
+              </a:rPr>
+              <a:t>statistics.matchday.v.score-value.score</a:t>
+            </a:r>
+            <a:r>
+              <a:rPr lang="it-IT" sz="1400" b="0" dirty="0">
+                <a:solidFill>
+                  <a:schemeClr val="accent2"/>
+                </a:solidFill>
+                <a:effectLst/>
+                <a:latin typeface="Consolas" panose="020B0609020204030204" pitchFamily="49" charset="0"/>
+              </a:rPr>
+              <a:t>":{$gte:10}}},{$</a:t>
+            </a:r>
+            <a:r>
+              <a:rPr lang="it-IT" sz="1400" b="0" dirty="0" err="1">
+                <a:solidFill>
+                  <a:schemeClr val="accent2"/>
+                </a:solidFill>
+                <a:effectLst/>
+                <a:latin typeface="Consolas" panose="020B0609020204030204" pitchFamily="49" charset="0"/>
+              </a:rPr>
+              <a:t>unwind</a:t>
+            </a:r>
+            <a:r>
+              <a:rPr lang="it-IT" sz="1400" b="0" dirty="0">
+                <a:solidFill>
+                  <a:schemeClr val="accent2"/>
+                </a:solidFill>
+                <a:effectLst/>
+                <a:latin typeface="Consolas" panose="020B0609020204030204" pitchFamily="49" charset="0"/>
+              </a:rPr>
+              <a:t>:"$</a:t>
+            </a:r>
+            <a:r>
+              <a:rPr lang="it-IT" sz="1400" b="0" dirty="0" err="1">
+                <a:solidFill>
+                  <a:schemeClr val="accent2"/>
+                </a:solidFill>
+                <a:effectLst/>
+                <a:latin typeface="Consolas" panose="020B0609020204030204" pitchFamily="49" charset="0"/>
+              </a:rPr>
+              <a:t>statistics.matchday</a:t>
+            </a:r>
+            <a:r>
+              <a:rPr lang="it-IT" sz="1400" b="0" dirty="0">
+                <a:solidFill>
+                  <a:schemeClr val="accent2"/>
+                </a:solidFill>
+                <a:effectLst/>
+                <a:latin typeface="Consolas" panose="020B0609020204030204" pitchFamily="49" charset="0"/>
+              </a:rPr>
+              <a:t>"},</a:t>
+            </a:r>
+          </a:p>
+          <a:p>
+            <a:r>
+              <a:rPr lang="it-IT" sz="1400" b="0" dirty="0">
+                <a:solidFill>
+                  <a:schemeClr val="accent2"/>
+                </a:solidFill>
+                <a:effectLst/>
+                <a:latin typeface="Consolas" panose="020B0609020204030204" pitchFamily="49" charset="0"/>
+              </a:rPr>
+              <a:t> {$match:{"</a:t>
+            </a:r>
+            <a:r>
+              <a:rPr lang="it-IT" sz="1400" b="0" dirty="0" err="1">
+                <a:solidFill>
+                  <a:schemeClr val="accent2"/>
+                </a:solidFill>
+                <a:effectLst/>
+                <a:latin typeface="Consolas" panose="020B0609020204030204" pitchFamily="49" charset="0"/>
+              </a:rPr>
+              <a:t>statistics.matchday.v.score-value.score</a:t>
+            </a:r>
+            <a:r>
+              <a:rPr lang="it-IT" sz="1400" b="0" dirty="0">
+                <a:solidFill>
+                  <a:schemeClr val="accent2"/>
+                </a:solidFill>
+                <a:effectLst/>
+                <a:latin typeface="Consolas" panose="020B0609020204030204" pitchFamily="49" charset="0"/>
+              </a:rPr>
+              <a:t>":{$gte:10}}},</a:t>
+            </a:r>
+          </a:p>
+          <a:p>
+            <a:r>
+              <a:rPr lang="it-IT" sz="1400" b="0" dirty="0">
+                <a:solidFill>
+                  <a:schemeClr val="accent2"/>
+                </a:solidFill>
+                <a:effectLst/>
+                <a:latin typeface="Consolas" panose="020B0609020204030204" pitchFamily="49" charset="0"/>
+              </a:rPr>
+              <a:t> {$group:{_id:"$</a:t>
+            </a:r>
+            <a:r>
+              <a:rPr lang="it-IT" sz="1400" b="0" dirty="0" err="1">
+                <a:solidFill>
+                  <a:schemeClr val="accent2"/>
+                </a:solidFill>
+                <a:effectLst/>
+                <a:latin typeface="Consolas" panose="020B0609020204030204" pitchFamily="49" charset="0"/>
+              </a:rPr>
+              <a:t>fullname</a:t>
+            </a:r>
+            <a:r>
+              <a:rPr lang="it-IT" sz="1400" b="0" dirty="0">
+                <a:solidFill>
+                  <a:schemeClr val="accent2"/>
+                </a:solidFill>
+                <a:effectLst/>
+                <a:latin typeface="Consolas" panose="020B0609020204030204" pitchFamily="49" charset="0"/>
+              </a:rPr>
+              <a:t>",</a:t>
+            </a:r>
+            <a:r>
+              <a:rPr lang="it-IT" sz="1400" b="0" dirty="0" err="1">
+                <a:solidFill>
+                  <a:schemeClr val="accent2"/>
+                </a:solidFill>
+                <a:effectLst/>
+                <a:latin typeface="Consolas" panose="020B0609020204030204" pitchFamily="49" charset="0"/>
+              </a:rPr>
+              <a:t>count</a:t>
+            </a:r>
+            <a:r>
+              <a:rPr lang="it-IT" sz="1400" b="0" dirty="0">
+                <a:solidFill>
+                  <a:schemeClr val="accent2"/>
+                </a:solidFill>
+                <a:effectLst/>
+                <a:latin typeface="Consolas" panose="020B0609020204030204" pitchFamily="49" charset="0"/>
+              </a:rPr>
+              <a:t>:{$sum:1},</a:t>
+            </a:r>
+            <a:r>
+              <a:rPr lang="it-IT" sz="1400" b="0" dirty="0" err="1">
+                <a:solidFill>
+                  <a:schemeClr val="accent2"/>
+                </a:solidFill>
+                <a:effectLst/>
+                <a:latin typeface="Consolas" panose="020B0609020204030204" pitchFamily="49" charset="0"/>
+              </a:rPr>
+              <a:t>fullname</a:t>
+            </a:r>
+            <a:r>
+              <a:rPr lang="it-IT" sz="1400" b="0" dirty="0">
+                <a:solidFill>
+                  <a:schemeClr val="accent2"/>
+                </a:solidFill>
+                <a:effectLst/>
+                <a:latin typeface="Consolas" panose="020B0609020204030204" pitchFamily="49" charset="0"/>
+              </a:rPr>
+              <a:t>:{$first:"$</a:t>
+            </a:r>
+            <a:r>
+              <a:rPr lang="it-IT" sz="1400" b="0" dirty="0" err="1">
+                <a:solidFill>
+                  <a:schemeClr val="accent2"/>
+                </a:solidFill>
+                <a:effectLst/>
+                <a:latin typeface="Consolas" panose="020B0609020204030204" pitchFamily="49" charset="0"/>
+              </a:rPr>
+              <a:t>fullname</a:t>
+            </a:r>
+            <a:r>
+              <a:rPr lang="it-IT" sz="1400" b="0" dirty="0">
+                <a:solidFill>
+                  <a:schemeClr val="accent2"/>
+                </a:solidFill>
+                <a:effectLst/>
+                <a:latin typeface="Consolas" panose="020B0609020204030204" pitchFamily="49" charset="0"/>
+              </a:rPr>
+              <a:t>"},credits:{$first:"$credits"},</a:t>
+            </a:r>
+          </a:p>
+          <a:p>
+            <a:r>
+              <a:rPr lang="it-IT" sz="1400" b="0" dirty="0">
+                <a:solidFill>
+                  <a:schemeClr val="accent2"/>
+                </a:solidFill>
+                <a:effectLst/>
+                <a:latin typeface="Consolas" panose="020B0609020204030204" pitchFamily="49" charset="0"/>
+              </a:rPr>
+              <a:t> position:{$first:"$position"},id:{$first:"$_id"}}},{$sort:{</a:t>
+            </a:r>
+            <a:r>
+              <a:rPr lang="it-IT" sz="1400" b="0" dirty="0" err="1">
+                <a:solidFill>
+                  <a:schemeClr val="accent2"/>
+                </a:solidFill>
+                <a:effectLst/>
+                <a:latin typeface="Consolas" panose="020B0609020204030204" pitchFamily="49" charset="0"/>
+              </a:rPr>
+              <a:t>count</a:t>
+            </a:r>
+            <a:r>
+              <a:rPr lang="it-IT" sz="1400" b="0" dirty="0">
+                <a:solidFill>
+                  <a:schemeClr val="accent2"/>
+                </a:solidFill>
+                <a:effectLst/>
+                <a:latin typeface="Consolas" panose="020B0609020204030204" pitchFamily="49" charset="0"/>
+              </a:rPr>
+              <a:t>:-1}},{$limit:10},</a:t>
+            </a:r>
+          </a:p>
+          <a:p>
+            <a:r>
+              <a:rPr lang="it-IT" sz="1400" b="0" dirty="0">
+                <a:solidFill>
+                  <a:schemeClr val="accent2"/>
+                </a:solidFill>
+                <a:effectLst/>
+                <a:latin typeface="Consolas" panose="020B0609020204030204" pitchFamily="49" charset="0"/>
+              </a:rPr>
+              <a:t> {$project:{_id:"$id",</a:t>
+            </a:r>
+            <a:r>
+              <a:rPr lang="it-IT" sz="1400" b="0" dirty="0" err="1">
+                <a:solidFill>
+                  <a:schemeClr val="accent2"/>
+                </a:solidFill>
+                <a:effectLst/>
+                <a:latin typeface="Consolas" panose="020B0609020204030204" pitchFamily="49" charset="0"/>
+              </a:rPr>
+              <a:t>fullname</a:t>
+            </a:r>
+            <a:r>
+              <a:rPr lang="it-IT" sz="1400" b="0" dirty="0">
+                <a:solidFill>
+                  <a:schemeClr val="accent2"/>
+                </a:solidFill>
+                <a:effectLst/>
+                <a:latin typeface="Consolas" panose="020B0609020204030204" pitchFamily="49" charset="0"/>
+              </a:rPr>
+              <a:t>:"$</a:t>
+            </a:r>
+            <a:r>
+              <a:rPr lang="it-IT" sz="1400" b="0" dirty="0" err="1">
+                <a:solidFill>
+                  <a:schemeClr val="accent2"/>
+                </a:solidFill>
+                <a:effectLst/>
+                <a:latin typeface="Consolas" panose="020B0609020204030204" pitchFamily="49" charset="0"/>
+              </a:rPr>
+              <a:t>fullname</a:t>
+            </a:r>
+            <a:r>
+              <a:rPr lang="it-IT" sz="1400" b="0" dirty="0">
+                <a:solidFill>
+                  <a:schemeClr val="accent2"/>
+                </a:solidFill>
+                <a:effectLst/>
+                <a:latin typeface="Consolas" panose="020B0609020204030204" pitchFamily="49" charset="0"/>
+              </a:rPr>
+              <a:t>",team:"$</a:t>
+            </a:r>
+            <a:r>
+              <a:rPr lang="it-IT" sz="1400" b="0" dirty="0" err="1">
+                <a:solidFill>
+                  <a:schemeClr val="accent2"/>
+                </a:solidFill>
+                <a:effectLst/>
+                <a:latin typeface="Consolas" panose="020B0609020204030204" pitchFamily="49" charset="0"/>
+              </a:rPr>
+              <a:t>team",credits</a:t>
+            </a:r>
+            <a:r>
+              <a:rPr lang="it-IT" sz="1400" b="0" dirty="0">
+                <a:solidFill>
+                  <a:schemeClr val="accent2"/>
+                </a:solidFill>
+                <a:effectLst/>
+                <a:latin typeface="Consolas" panose="020B0609020204030204" pitchFamily="49" charset="0"/>
+              </a:rPr>
+              <a:t>:"$</a:t>
+            </a:r>
+            <a:r>
+              <a:rPr lang="it-IT" sz="1400" b="0" dirty="0" err="1">
+                <a:solidFill>
+                  <a:schemeClr val="accent2"/>
+                </a:solidFill>
+                <a:effectLst/>
+                <a:latin typeface="Consolas" panose="020B0609020204030204" pitchFamily="49" charset="0"/>
+              </a:rPr>
+              <a:t>credits",position</a:t>
+            </a:r>
+            <a:r>
+              <a:rPr lang="it-IT" sz="1400" b="0" dirty="0">
+                <a:solidFill>
+                  <a:schemeClr val="accent2"/>
+                </a:solidFill>
+                <a:effectLst/>
+                <a:latin typeface="Consolas" panose="020B0609020204030204" pitchFamily="49" charset="0"/>
+              </a:rPr>
+              <a:t>:"$position",</a:t>
+            </a:r>
+            <a:r>
+              <a:rPr lang="it-IT" sz="1400" b="0" dirty="0" err="1">
+                <a:solidFill>
+                  <a:schemeClr val="accent2"/>
+                </a:solidFill>
+                <a:effectLst/>
+                <a:latin typeface="Consolas" panose="020B0609020204030204" pitchFamily="49" charset="0"/>
+              </a:rPr>
+              <a:t>count</a:t>
+            </a:r>
+            <a:r>
+              <a:rPr lang="it-IT" sz="1400" b="0" dirty="0">
+                <a:solidFill>
+                  <a:schemeClr val="accent2"/>
+                </a:solidFill>
+                <a:effectLst/>
+                <a:latin typeface="Consolas" panose="020B0609020204030204" pitchFamily="49" charset="0"/>
+              </a:rPr>
+              <a:t>:"$</a:t>
+            </a:r>
+            <a:r>
+              <a:rPr lang="it-IT" sz="1400" b="0" dirty="0" err="1">
+                <a:solidFill>
+                  <a:schemeClr val="accent2"/>
+                </a:solidFill>
+                <a:effectLst/>
+                <a:latin typeface="Consolas" panose="020B0609020204030204" pitchFamily="49" charset="0"/>
+              </a:rPr>
+              <a:t>count</a:t>
+            </a:r>
+            <a:r>
+              <a:rPr lang="it-IT" sz="1400" b="0" dirty="0">
+                <a:solidFill>
+                  <a:schemeClr val="accent2"/>
+                </a:solidFill>
+                <a:effectLst/>
+                <a:latin typeface="Consolas" panose="020B0609020204030204" pitchFamily="49" charset="0"/>
+              </a:rPr>
+              <a:t>"}});</a:t>
+            </a:r>
+          </a:p>
+          <a:p>
+            <a:endParaRPr lang="en-US" sz="2000" dirty="0">
+              <a:solidFill>
+                <a:srgbClr val="005375"/>
+              </a:solidFill>
+              <a:latin typeface="Arial"/>
+              <a:ea typeface="Calibri" panose="020F0502020204030204" pitchFamily="34" charset="0"/>
+            </a:endParaRPr>
+          </a:p>
+          <a:p>
+            <a:pPr marR="0" lvl="0" algn="l" defTabSz="914400" rtl="0" eaLnBrk="1" fontAlgn="auto" latinLnBrk="0" hangingPunct="1">
+              <a:lnSpc>
+                <a:spcPct val="107000"/>
+              </a:lnSpc>
+              <a:spcBef>
+                <a:spcPts val="0"/>
+              </a:spcBef>
+              <a:spcAft>
+                <a:spcPts val="0"/>
+              </a:spcAft>
+              <a:buClrTx/>
+              <a:buSzTx/>
+              <a:tabLst/>
+              <a:defRPr/>
+            </a:pPr>
+            <a:r>
+              <a:rPr lang="en-US" sz="2000" dirty="0">
+                <a:solidFill>
+                  <a:srgbClr val="005375"/>
+                </a:solidFill>
+                <a:latin typeface="Arial"/>
+                <a:ea typeface="Calibri" panose="020F0502020204030204" pitchFamily="34" charset="0"/>
+              </a:rPr>
+              <a:t> Best Cards for Skill (general statistics field)</a:t>
+            </a:r>
+          </a:p>
+          <a:p>
+            <a:r>
+              <a:rPr lang="en-US" sz="1400" dirty="0">
+                <a:solidFill>
+                  <a:schemeClr val="accent2"/>
+                </a:solidFill>
+                <a:latin typeface="Arial"/>
+                <a:ea typeface="Calibri" panose="020F0502020204030204" pitchFamily="34" charset="0"/>
+              </a:rPr>
+              <a:t>  </a:t>
+            </a:r>
+            <a:r>
+              <a:rPr lang="it-IT" sz="1400" b="0" dirty="0" err="1">
+                <a:solidFill>
+                  <a:schemeClr val="accent2"/>
+                </a:solidFill>
+                <a:effectLst/>
+                <a:latin typeface="Consolas" panose="020B0609020204030204" pitchFamily="49" charset="0"/>
+              </a:rPr>
+              <a:t>db.Cards.aggregate</a:t>
+            </a:r>
+            <a:r>
+              <a:rPr lang="it-IT" sz="1400" b="0" dirty="0">
+                <a:solidFill>
+                  <a:schemeClr val="accent2"/>
+                </a:solidFill>
+                <a:effectLst/>
+                <a:latin typeface="Consolas" panose="020B0609020204030204" pitchFamily="49" charset="0"/>
+              </a:rPr>
+              <a:t>([{$sort:{"</a:t>
+            </a:r>
+            <a:r>
+              <a:rPr lang="it-IT" sz="1400" b="0" dirty="0" err="1">
+                <a:solidFill>
+                  <a:schemeClr val="accent2"/>
+                </a:solidFill>
+                <a:effectLst/>
+                <a:latin typeface="Consolas" panose="020B0609020204030204" pitchFamily="49" charset="0"/>
+              </a:rPr>
+              <a:t>general_statistics.shots_on</a:t>
+            </a:r>
+            <a:r>
+              <a:rPr lang="it-IT" sz="1400" b="0" dirty="0">
+                <a:solidFill>
+                  <a:schemeClr val="accent2"/>
+                </a:solidFill>
+                <a:effectLst/>
+                <a:latin typeface="Consolas" panose="020B0609020204030204" pitchFamily="49" charset="0"/>
+              </a:rPr>
+              <a:t>":-1}},{$group:{_</a:t>
+            </a:r>
+            <a:r>
+              <a:rPr lang="it-IT" sz="1400" b="0" dirty="0" err="1">
+                <a:solidFill>
+                  <a:schemeClr val="accent2"/>
+                </a:solidFill>
+                <a:effectLst/>
+                <a:latin typeface="Consolas" panose="020B0609020204030204" pitchFamily="49" charset="0"/>
+              </a:rPr>
+              <a:t>id:position</a:t>
+            </a:r>
+            <a:r>
+              <a:rPr lang="it-IT" sz="1400" b="0" dirty="0">
+                <a:solidFill>
+                  <a:schemeClr val="accent2"/>
+                </a:solidFill>
+                <a:effectLst/>
+                <a:latin typeface="Consolas" panose="020B0609020204030204" pitchFamily="49" charset="0"/>
+              </a:rPr>
+              <a:t>:"$position", team:"$team"},</a:t>
+            </a:r>
+          </a:p>
+          <a:p>
+            <a:r>
+              <a:rPr lang="it-IT" sz="1400" b="0" dirty="0">
+                <a:solidFill>
+                  <a:schemeClr val="accent2"/>
+                </a:solidFill>
+                <a:effectLst/>
+                <a:latin typeface="Consolas" panose="020B0609020204030204" pitchFamily="49" charset="0"/>
+              </a:rPr>
+              <a:t> </a:t>
+            </a:r>
+            <a:r>
+              <a:rPr lang="it-IT" sz="1400" b="0" dirty="0" err="1">
+                <a:solidFill>
+                  <a:schemeClr val="accent2"/>
+                </a:solidFill>
+                <a:effectLst/>
+                <a:latin typeface="Consolas" panose="020B0609020204030204" pitchFamily="49" charset="0"/>
+              </a:rPr>
+              <a:t>fullname</a:t>
+            </a:r>
+            <a:r>
+              <a:rPr lang="it-IT" sz="1400" b="0" dirty="0">
+                <a:solidFill>
+                  <a:schemeClr val="accent2"/>
+                </a:solidFill>
+                <a:effectLst/>
+                <a:latin typeface="Consolas" panose="020B0609020204030204" pitchFamily="49" charset="0"/>
+              </a:rPr>
+              <a:t>:{$first:"$</a:t>
+            </a:r>
+            <a:r>
+              <a:rPr lang="it-IT" sz="1400" b="0" dirty="0" err="1">
+                <a:solidFill>
+                  <a:schemeClr val="accent2"/>
+                </a:solidFill>
+                <a:effectLst/>
+                <a:latin typeface="Consolas" panose="020B0609020204030204" pitchFamily="49" charset="0"/>
+              </a:rPr>
+              <a:t>fullname</a:t>
+            </a:r>
+            <a:r>
+              <a:rPr lang="it-IT" sz="1400" b="0" dirty="0">
+                <a:solidFill>
+                  <a:schemeClr val="accent2"/>
+                </a:solidFill>
+                <a:effectLst/>
+                <a:latin typeface="Consolas" panose="020B0609020204030204" pitchFamily="49" charset="0"/>
+              </a:rPr>
+              <a:t>"},credits:{$first:"$credits"},position:{$first:"$position"},id:{$first:"$_id"},</a:t>
+            </a:r>
+          </a:p>
+          <a:p>
+            <a:r>
+              <a:rPr lang="it-IT" sz="1400" b="0" dirty="0">
+                <a:solidFill>
+                  <a:schemeClr val="accent2"/>
+                </a:solidFill>
+                <a:effectLst/>
+                <a:latin typeface="Consolas" panose="020B0609020204030204" pitchFamily="49" charset="0"/>
+              </a:rPr>
+              <a:t> team:{$first:"$team"},</a:t>
+            </a:r>
+            <a:r>
+              <a:rPr lang="it-IT" sz="1400" b="0" dirty="0" err="1">
+                <a:solidFill>
+                  <a:schemeClr val="accent2"/>
+                </a:solidFill>
+                <a:effectLst/>
+                <a:latin typeface="Consolas" panose="020B0609020204030204" pitchFamily="49" charset="0"/>
+              </a:rPr>
+              <a:t>shots_on</a:t>
+            </a:r>
+            <a:r>
+              <a:rPr lang="it-IT" sz="1400" b="0" dirty="0">
+                <a:solidFill>
+                  <a:schemeClr val="accent2"/>
+                </a:solidFill>
+                <a:effectLst/>
+                <a:latin typeface="Consolas" panose="020B0609020204030204" pitchFamily="49" charset="0"/>
+              </a:rPr>
+              <a:t>:{$first:"$</a:t>
+            </a:r>
+            <a:r>
+              <a:rPr lang="it-IT" sz="1400" b="0" dirty="0" err="1">
+                <a:solidFill>
+                  <a:schemeClr val="accent2"/>
+                </a:solidFill>
+                <a:effectLst/>
+                <a:latin typeface="Consolas" panose="020B0609020204030204" pitchFamily="49" charset="0"/>
+              </a:rPr>
+              <a:t>general_statistics.shots_on</a:t>
+            </a:r>
+            <a:r>
+              <a:rPr lang="it-IT" sz="1400" b="0" dirty="0">
+                <a:solidFill>
+                  <a:schemeClr val="accent2"/>
+                </a:solidFill>
+                <a:effectLst/>
+                <a:latin typeface="Consolas" panose="020B0609020204030204" pitchFamily="49" charset="0"/>
+              </a:rPr>
+              <a:t>"}}},{$project:{_id:"$id",fullname:1,team:1,</a:t>
+            </a:r>
+          </a:p>
+          <a:p>
+            <a:r>
+              <a:rPr lang="it-IT" sz="1400" b="0" dirty="0">
+                <a:solidFill>
+                  <a:schemeClr val="accent2"/>
+                </a:solidFill>
+                <a:effectLst/>
+                <a:latin typeface="Consolas" panose="020B0609020204030204" pitchFamily="49" charset="0"/>
+              </a:rPr>
+              <a:t> credits:1,position:1,shots_on:1}},{$sort:{</a:t>
+            </a:r>
+            <a:r>
+              <a:rPr lang="it-IT" sz="1400" b="0" dirty="0" err="1">
+                <a:solidFill>
+                  <a:schemeClr val="accent2"/>
+                </a:solidFill>
+                <a:effectLst/>
+                <a:latin typeface="Consolas" panose="020B0609020204030204" pitchFamily="49" charset="0"/>
+              </a:rPr>
+              <a:t>shots_on</a:t>
+            </a:r>
+            <a:r>
+              <a:rPr lang="it-IT" sz="1400" b="0" dirty="0">
+                <a:solidFill>
+                  <a:schemeClr val="accent2"/>
+                </a:solidFill>
+                <a:effectLst/>
+                <a:latin typeface="Consolas" panose="020B0609020204030204" pitchFamily="49" charset="0"/>
+              </a:rPr>
+              <a:t>:-</a:t>
+            </a:r>
+            <a:r>
+              <a:rPr lang="it-IT" sz="1400" b="0">
+                <a:solidFill>
+                  <a:schemeClr val="accent2"/>
+                </a:solidFill>
+                <a:effectLst/>
+                <a:latin typeface="Consolas" panose="020B0609020204030204" pitchFamily="49" charset="0"/>
+              </a:rPr>
+              <a:t>1}});</a:t>
+            </a:r>
+            <a:endParaRPr lang="it-IT" sz="1400" b="0" dirty="0">
+              <a:solidFill>
+                <a:schemeClr val="accent2"/>
+              </a:solidFill>
+              <a:effectLst/>
+              <a:latin typeface="Consolas" panose="020B0609020204030204" pitchFamily="49" charset="0"/>
+            </a:endParaRPr>
+          </a:p>
+          <a:p>
+            <a:pPr marR="0" lvl="0" algn="l" defTabSz="914400" rtl="0" eaLnBrk="1" fontAlgn="auto" latinLnBrk="0" hangingPunct="1">
+              <a:lnSpc>
+                <a:spcPct val="107000"/>
+              </a:lnSpc>
+              <a:spcBef>
+                <a:spcPts val="0"/>
+              </a:spcBef>
+              <a:spcAft>
+                <a:spcPts val="0"/>
+              </a:spcAft>
+              <a:buClrTx/>
+              <a:buSzTx/>
+              <a:tabLst/>
+              <a:defRPr/>
+            </a:pPr>
+            <a:endParaRPr lang="en-US" sz="2000" dirty="0">
+              <a:solidFill>
+                <a:srgbClr val="005375"/>
+              </a:solidFill>
+              <a:latin typeface="Arial"/>
+              <a:ea typeface="Calibri" panose="020F0502020204030204" pitchFamily="34" charset="0"/>
+            </a:endParaRPr>
+          </a:p>
+          <a:p>
+            <a:pPr marR="0" lvl="0" algn="l" defTabSz="914400" rtl="0" eaLnBrk="1" fontAlgn="auto" latinLnBrk="0" hangingPunct="1">
+              <a:lnSpc>
+                <a:spcPct val="107000"/>
+              </a:lnSpc>
+              <a:spcBef>
+                <a:spcPts val="0"/>
+              </a:spcBef>
+              <a:spcAft>
+                <a:spcPts val="0"/>
+              </a:spcAft>
+              <a:buClrTx/>
+              <a:buSzTx/>
+              <a:tabLst/>
+              <a:defRPr/>
+            </a:pPr>
+            <a:endParaRPr kumimoji="0" lang="en-US" sz="2000" b="0" u="none" strike="noStrike" kern="1200" cap="none" spc="0" normalizeH="0" baseline="0" noProof="0" dirty="0">
+              <a:ln>
+                <a:noFill/>
+              </a:ln>
+              <a:solidFill>
+                <a:srgbClr val="005375"/>
+              </a:solidFill>
+              <a:effectLst/>
+              <a:uLnTx/>
+              <a:uFillTx/>
+              <a:latin typeface="Arial"/>
+              <a:ea typeface="Calibri" panose="020F0502020204030204" pitchFamily="34" charset="0"/>
+              <a:cs typeface="+mn-cs"/>
+            </a:endParaRPr>
+          </a:p>
+          <a:p>
+            <a:pPr marR="0" lvl="0" algn="l" defTabSz="914400" rtl="0" eaLnBrk="1" fontAlgn="auto" latinLnBrk="0" hangingPunct="1">
+              <a:lnSpc>
+                <a:spcPct val="107000"/>
+              </a:lnSpc>
+              <a:spcBef>
+                <a:spcPts val="0"/>
+              </a:spcBef>
+              <a:spcAft>
+                <a:spcPts val="0"/>
+              </a:spcAft>
+              <a:buClrTx/>
+              <a:buSzTx/>
+              <a:tabLst/>
+              <a:defRPr/>
+            </a:pPr>
+            <a:endParaRPr lang="en-US" sz="2000" dirty="0">
+              <a:solidFill>
+                <a:srgbClr val="005375"/>
+              </a:solidFill>
+              <a:latin typeface="Arial"/>
+              <a:ea typeface="Calibri" panose="020F0502020204030204" pitchFamily="34" charset="0"/>
+            </a:endParaRPr>
+          </a:p>
+          <a:p>
+            <a:pPr marR="0" lvl="0" algn="l" defTabSz="914400" rtl="0" eaLnBrk="1" fontAlgn="auto" latinLnBrk="0" hangingPunct="1">
+              <a:lnSpc>
+                <a:spcPct val="107000"/>
+              </a:lnSpc>
+              <a:spcBef>
+                <a:spcPts val="0"/>
+              </a:spcBef>
+              <a:spcAft>
+                <a:spcPts val="0"/>
+              </a:spcAft>
+              <a:buClrTx/>
+              <a:buSzTx/>
+              <a:tabLst/>
+              <a:defRPr/>
+            </a:pPr>
+            <a:endParaRPr kumimoji="0" lang="en-US" sz="2000" b="0" u="none" strike="noStrike" kern="1200" cap="none" spc="0" normalizeH="0" baseline="0" noProof="0" dirty="0">
+              <a:ln>
+                <a:noFill/>
+              </a:ln>
+              <a:solidFill>
+                <a:srgbClr val="005375"/>
+              </a:solidFill>
+              <a:effectLst/>
+              <a:uLnTx/>
+              <a:uFillTx/>
+              <a:latin typeface="Arial"/>
+              <a:ea typeface="Calibri" panose="020F0502020204030204" pitchFamily="34" charset="0"/>
+              <a:cs typeface="+mn-cs"/>
+            </a:endParaRPr>
+          </a:p>
+        </p:txBody>
+      </p:sp>
+    </p:spTree>
+    <p:extLst>
+      <p:ext uri="{BB962C8B-B14F-4D97-AF65-F5344CB8AC3E}">
+        <p14:creationId xmlns:p14="http://schemas.microsoft.com/office/powerpoint/2010/main" val="2029053212"/>
       </p:ext>
     </p:extLst>
   </p:cSld>

--- a/FantaManager-Presentation.pptx
+++ b/FantaManager-Presentation.pptx
@@ -6,7 +6,7 @@
     <p:sldMasterId id="2147483660" r:id="rId2"/>
   </p:sldMasterIdLst>
   <p:notesMasterIdLst>
-    <p:notesMasterId r:id="rId11"/>
+    <p:notesMasterId r:id="rId12"/>
   </p:notesMasterIdLst>
   <p:sldIdLst>
     <p:sldId id="256" r:id="rId3"/>
@@ -17,6 +17,7 @@
     <p:sldId id="270" r:id="rId8"/>
     <p:sldId id="271" r:id="rId9"/>
     <p:sldId id="272" r:id="rId10"/>
+    <p:sldId id="273" r:id="rId11"/>
   </p:sldIdLst>
   <p:sldSz cx="12192000" cy="6858000"/>
   <p:notesSz cx="6858000" cy="9144000"/>
@@ -129,51 +130,6 @@
     <p1510:client id="{667F6BFA-7D0F-4CF0-AB84-AE3216A44CD5}" v="1" dt="2023-01-25T11:42:01.540"/>
   </p1510:revLst>
 </p1510:revInfo>
-</file>
-
-<file path=ppt/changesInfos/changesInfo1.xml><?xml version="1.0" encoding="utf-8"?>
-<pc:chgInfo xmlns:a="http://schemas.openxmlformats.org/drawingml/2006/main" xmlns:r="http://schemas.openxmlformats.org/officeDocument/2006/relationships" xmlns:ac="http://schemas.microsoft.com/office/drawing/2013/main/command" xmlns:pc="http://schemas.microsoft.com/office/powerpoint/2013/main/command">
-  <pc:docChgLst>
-    <pc:chgData name="matteo razzai" userId="6499bd5e56917ba5" providerId="LiveId" clId="{667F6BFA-7D0F-4CF0-AB84-AE3216A44CD5}"/>
-    <pc:docChg chg="undo custSel addSld modSld">
-      <pc:chgData name="matteo razzai" userId="6499bd5e56917ba5" providerId="LiveId" clId="{667F6BFA-7D0F-4CF0-AB84-AE3216A44CD5}" dt="2023-01-25T11:58:11.995" v="1447" actId="20577"/>
-      <pc:docMkLst>
-        <pc:docMk/>
-      </pc:docMkLst>
-      <pc:sldChg chg="addSp delSp modSp new mod">
-        <pc:chgData name="matteo razzai" userId="6499bd5e56917ba5" providerId="LiveId" clId="{667F6BFA-7D0F-4CF0-AB84-AE3216A44CD5}" dt="2023-01-25T11:58:11.995" v="1447" actId="20577"/>
-        <pc:sldMkLst>
-          <pc:docMk/>
-          <pc:sldMk cId="2029053212" sldId="272"/>
-        </pc:sldMkLst>
-        <pc:spChg chg="mod">
-          <ac:chgData name="matteo razzai" userId="6499bd5e56917ba5" providerId="LiveId" clId="{667F6BFA-7D0F-4CF0-AB84-AE3216A44CD5}" dt="2023-01-25T11:41:28.626" v="24" actId="1076"/>
-          <ac:spMkLst>
-            <pc:docMk/>
-            <pc:sldMk cId="2029053212" sldId="272"/>
-            <ac:spMk id="2" creationId="{D77EA7AC-07D6-132B-2BC7-A2086E7BD0A4}"/>
-          </ac:spMkLst>
-        </pc:spChg>
-        <pc:spChg chg="del">
-          <ac:chgData name="matteo razzai" userId="6499bd5e56917ba5" providerId="LiveId" clId="{667F6BFA-7D0F-4CF0-AB84-AE3216A44CD5}" dt="2023-01-25T11:41:33.010" v="25" actId="478"/>
-          <ac:spMkLst>
-            <pc:docMk/>
-            <pc:sldMk cId="2029053212" sldId="272"/>
-            <ac:spMk id="3" creationId="{69206D3B-199A-23F3-AEFB-14ADD58453B6}"/>
-          </ac:spMkLst>
-        </pc:spChg>
-        <pc:spChg chg="add del mod">
-          <ac:chgData name="matteo razzai" userId="6499bd5e56917ba5" providerId="LiveId" clId="{667F6BFA-7D0F-4CF0-AB84-AE3216A44CD5}" dt="2023-01-25T11:58:11.995" v="1447" actId="20577"/>
-          <ac:spMkLst>
-            <pc:docMk/>
-            <pc:sldMk cId="2029053212" sldId="272"/>
-            <ac:spMk id="4" creationId="{F056C9A9-6EEC-06A3-9B11-C9E5EB6226E3}"/>
-          </ac:spMkLst>
-        </pc:spChg>
-      </pc:sldChg>
-    </pc:docChg>
-  </pc:docChgLst>
-</pc:chgInfo>
 </file>
 
 <file path=ppt/notesMasters/notesMaster1.xml><?xml version="1.0" encoding="utf-8"?>
@@ -25538,8 +25494,8 @@
         </p:nvSpPr>
         <p:spPr>
           <a:xfrm>
-            <a:off x="2673997" y="2642600"/>
-            <a:ext cx="6844000" cy="2736800"/>
+            <a:off x="2673997" y="3429000"/>
+            <a:ext cx="6844000" cy="1607500"/>
           </a:xfrm>
           <a:prstGeom prst="rect">
             <a:avLst/>
@@ -25660,4217 +25616,6 @@
           </a:p>
         </p:txBody>
       </p:sp>
-      <p:grpSp>
-        <p:nvGrpSpPr>
-          <p:cNvPr id="158" name="Google Shape;158;p27"/>
-          <p:cNvGrpSpPr/>
-          <p:nvPr/>
-        </p:nvGrpSpPr>
-        <p:grpSpPr>
-          <a:xfrm>
-            <a:off x="6246375" y="1127432"/>
-            <a:ext cx="2850716" cy="3014661"/>
-            <a:chOff x="1332450" y="238125"/>
-            <a:chExt cx="4952600" cy="5237425"/>
-          </a:xfrm>
-        </p:grpSpPr>
-        <p:sp>
-          <p:nvSpPr>
-            <p:cNvPr id="159" name="Google Shape;159;p27"/>
-            <p:cNvSpPr/>
-            <p:nvPr/>
-          </p:nvSpPr>
-          <p:spPr>
-            <a:xfrm>
-              <a:off x="2085825" y="719725"/>
-              <a:ext cx="3445875" cy="4628150"/>
-            </a:xfrm>
-            <a:custGeom>
-              <a:avLst/>
-              <a:gdLst/>
-              <a:ahLst/>
-              <a:cxnLst/>
-              <a:rect l="l" t="t" r="r" b="b"/>
-              <a:pathLst>
-                <a:path w="137835" h="185126" extrusionOk="0">
-                  <a:moveTo>
-                    <a:pt x="68878" y="0"/>
-                  </a:moveTo>
-                  <a:lnTo>
-                    <a:pt x="0" y="34027"/>
-                  </a:lnTo>
-                  <a:lnTo>
-                    <a:pt x="23691" y="155760"/>
-                  </a:lnTo>
-                  <a:lnTo>
-                    <a:pt x="68955" y="185125"/>
-                  </a:lnTo>
-                  <a:lnTo>
-                    <a:pt x="114144" y="155761"/>
-                  </a:lnTo>
-                  <a:lnTo>
-                    <a:pt x="137835" y="34027"/>
-                  </a:lnTo>
-                  <a:lnTo>
-                    <a:pt x="68878" y="0"/>
-                  </a:lnTo>
-                  <a:close/>
-                </a:path>
-              </a:pathLst>
-            </a:custGeom>
-            <a:solidFill>
-              <a:srgbClr val="FFFFFF"/>
-            </a:solidFill>
-            <a:ln>
-              <a:noFill/>
-            </a:ln>
-          </p:spPr>
-          <p:txBody>
-            <a:bodyPr spcFirstLastPara="1" wrap="square" lIns="121900" tIns="121900" rIns="121900" bIns="121900" anchor="ctr" anchorCtr="0">
-              <a:noAutofit/>
-            </a:bodyPr>
-            <a:lstStyle/>
-            <a:p>
-              <a:pPr defTabSz="1219170">
-                <a:buClr>
-                  <a:srgbClr val="000000"/>
-                </a:buClr>
-              </a:pPr>
-              <a:endParaRPr sz="1867" kern="0">
-                <a:solidFill>
-                  <a:srgbClr val="000000"/>
-                </a:solidFill>
-                <a:latin typeface="Arial"/>
-                <a:cs typeface="Arial"/>
-                <a:sym typeface="Arial"/>
-              </a:endParaRPr>
-            </a:p>
-          </p:txBody>
-        </p:sp>
-        <p:sp>
-          <p:nvSpPr>
-            <p:cNvPr id="160" name="Google Shape;160;p27"/>
-            <p:cNvSpPr/>
-            <p:nvPr/>
-          </p:nvSpPr>
-          <p:spPr>
-            <a:xfrm>
-              <a:off x="2272300" y="970200"/>
-              <a:ext cx="3072925" cy="4127225"/>
-            </a:xfrm>
-            <a:custGeom>
-              <a:avLst/>
-              <a:gdLst/>
-              <a:ahLst/>
-              <a:cxnLst/>
-              <a:rect l="l" t="t" r="r" b="b"/>
-              <a:pathLst>
-                <a:path w="122917" h="165089" extrusionOk="0">
-                  <a:moveTo>
-                    <a:pt x="61424" y="0"/>
-                  </a:moveTo>
-                  <a:lnTo>
-                    <a:pt x="1" y="30344"/>
-                  </a:lnTo>
-                  <a:lnTo>
-                    <a:pt x="21127" y="138900"/>
-                  </a:lnTo>
-                  <a:lnTo>
-                    <a:pt x="61491" y="165088"/>
-                  </a:lnTo>
-                  <a:lnTo>
-                    <a:pt x="101790" y="138902"/>
-                  </a:lnTo>
-                  <a:lnTo>
-                    <a:pt x="122917" y="30345"/>
-                  </a:lnTo>
-                  <a:lnTo>
-                    <a:pt x="61424" y="0"/>
-                  </a:lnTo>
-                  <a:close/>
-                </a:path>
-              </a:pathLst>
-            </a:custGeom>
-            <a:solidFill>
-              <a:srgbClr val="005375"/>
-            </a:solidFill>
-            <a:ln>
-              <a:noFill/>
-            </a:ln>
-          </p:spPr>
-          <p:txBody>
-            <a:bodyPr spcFirstLastPara="1" wrap="square" lIns="121900" tIns="121900" rIns="121900" bIns="121900" anchor="ctr" anchorCtr="0">
-              <a:noAutofit/>
-            </a:bodyPr>
-            <a:lstStyle/>
-            <a:p>
-              <a:pPr defTabSz="1219170">
-                <a:buClr>
-                  <a:srgbClr val="000000"/>
-                </a:buClr>
-              </a:pPr>
-              <a:endParaRPr sz="1867" kern="0">
-                <a:solidFill>
-                  <a:srgbClr val="000000"/>
-                </a:solidFill>
-                <a:latin typeface="Arial"/>
-                <a:cs typeface="Arial"/>
-                <a:sym typeface="Arial"/>
-              </a:endParaRPr>
-            </a:p>
-          </p:txBody>
-        </p:sp>
-        <p:sp>
-          <p:nvSpPr>
-            <p:cNvPr id="161" name="Google Shape;161;p27"/>
-            <p:cNvSpPr/>
-            <p:nvPr/>
-          </p:nvSpPr>
-          <p:spPr>
-            <a:xfrm>
-              <a:off x="1922950" y="603975"/>
-              <a:ext cx="3771625" cy="4871575"/>
-            </a:xfrm>
-            <a:custGeom>
-              <a:avLst/>
-              <a:gdLst/>
-              <a:ahLst/>
-              <a:cxnLst/>
-              <a:rect l="l" t="t" r="r" b="b"/>
-              <a:pathLst>
-                <a:path w="150865" h="194863" extrusionOk="0">
-                  <a:moveTo>
-                    <a:pt x="75393" y="7851"/>
-                  </a:moveTo>
-                  <a:lnTo>
-                    <a:pt x="143184" y="40694"/>
-                  </a:lnTo>
-                  <a:lnTo>
-                    <a:pt x="119894" y="158192"/>
-                  </a:lnTo>
-                  <a:lnTo>
-                    <a:pt x="75469" y="186536"/>
-                  </a:lnTo>
-                  <a:lnTo>
-                    <a:pt x="30970" y="158190"/>
-                  </a:lnTo>
-                  <a:lnTo>
-                    <a:pt x="7679" y="40693"/>
-                  </a:lnTo>
-                  <a:lnTo>
-                    <a:pt x="75393" y="7851"/>
-                  </a:lnTo>
-                  <a:close/>
-                  <a:moveTo>
-                    <a:pt x="75392" y="1"/>
-                  </a:moveTo>
-                  <a:lnTo>
-                    <a:pt x="0" y="36568"/>
-                  </a:lnTo>
-                  <a:lnTo>
-                    <a:pt x="25005" y="162717"/>
-                  </a:lnTo>
-                  <a:lnTo>
-                    <a:pt x="75472" y="194863"/>
-                  </a:lnTo>
-                  <a:lnTo>
-                    <a:pt x="125859" y="162716"/>
-                  </a:lnTo>
-                  <a:lnTo>
-                    <a:pt x="150865" y="36565"/>
-                  </a:lnTo>
-                  <a:lnTo>
-                    <a:pt x="75392" y="1"/>
-                  </a:lnTo>
-                  <a:close/>
-                </a:path>
-              </a:pathLst>
-            </a:custGeom>
-            <a:solidFill>
-              <a:srgbClr val="00344A"/>
-            </a:solidFill>
-            <a:ln>
-              <a:noFill/>
-            </a:ln>
-          </p:spPr>
-          <p:txBody>
-            <a:bodyPr spcFirstLastPara="1" wrap="square" lIns="121900" tIns="121900" rIns="121900" bIns="121900" anchor="ctr" anchorCtr="0">
-              <a:noAutofit/>
-            </a:bodyPr>
-            <a:lstStyle/>
-            <a:p>
-              <a:pPr defTabSz="1219170">
-                <a:buClr>
-                  <a:srgbClr val="000000"/>
-                </a:buClr>
-              </a:pPr>
-              <a:endParaRPr sz="1867" kern="0">
-                <a:solidFill>
-                  <a:srgbClr val="000000"/>
-                </a:solidFill>
-                <a:latin typeface="Arial"/>
-                <a:cs typeface="Arial"/>
-                <a:sym typeface="Arial"/>
-              </a:endParaRPr>
-            </a:p>
-          </p:txBody>
-        </p:sp>
-        <p:sp>
-          <p:nvSpPr>
-            <p:cNvPr id="162" name="Google Shape;162;p27"/>
-            <p:cNvSpPr/>
-            <p:nvPr/>
-          </p:nvSpPr>
-          <p:spPr>
-            <a:xfrm>
-              <a:off x="2792325" y="310650"/>
-              <a:ext cx="2032850" cy="2200850"/>
-            </a:xfrm>
-            <a:custGeom>
-              <a:avLst/>
-              <a:gdLst/>
-              <a:ahLst/>
-              <a:cxnLst/>
-              <a:rect l="l" t="t" r="r" b="b"/>
-              <a:pathLst>
-                <a:path w="81314" h="88034" extrusionOk="0">
-                  <a:moveTo>
-                    <a:pt x="40657" y="0"/>
-                  </a:moveTo>
-                  <a:lnTo>
-                    <a:pt x="1" y="12910"/>
-                  </a:lnTo>
-                  <a:lnTo>
-                    <a:pt x="14887" y="88033"/>
-                  </a:lnTo>
-                  <a:lnTo>
-                    <a:pt x="40657" y="80516"/>
-                  </a:lnTo>
-                  <a:lnTo>
-                    <a:pt x="66427" y="88033"/>
-                  </a:lnTo>
-                  <a:lnTo>
-                    <a:pt x="81313" y="12910"/>
-                  </a:lnTo>
-                  <a:lnTo>
-                    <a:pt x="40657" y="0"/>
-                  </a:lnTo>
-                  <a:close/>
-                </a:path>
-              </a:pathLst>
-            </a:custGeom>
-            <a:solidFill>
-              <a:srgbClr val="FFFFFF"/>
-            </a:solidFill>
-            <a:ln>
-              <a:noFill/>
-            </a:ln>
-          </p:spPr>
-          <p:txBody>
-            <a:bodyPr spcFirstLastPara="1" wrap="square" lIns="121900" tIns="121900" rIns="121900" bIns="121900" anchor="ctr" anchorCtr="0">
-              <a:noAutofit/>
-            </a:bodyPr>
-            <a:lstStyle/>
-            <a:p>
-              <a:pPr defTabSz="1219170">
-                <a:buClr>
-                  <a:srgbClr val="000000"/>
-                </a:buClr>
-              </a:pPr>
-              <a:endParaRPr sz="1867" kern="0">
-                <a:solidFill>
-                  <a:srgbClr val="000000"/>
-                </a:solidFill>
-                <a:latin typeface="Arial"/>
-                <a:cs typeface="Arial"/>
-                <a:sym typeface="Arial"/>
-              </a:endParaRPr>
-            </a:p>
-          </p:txBody>
-        </p:sp>
-        <p:sp>
-          <p:nvSpPr>
-            <p:cNvPr id="163" name="Google Shape;163;p27"/>
-            <p:cNvSpPr/>
-            <p:nvPr/>
-          </p:nvSpPr>
-          <p:spPr>
-            <a:xfrm>
-              <a:off x="2751375" y="238125"/>
-              <a:ext cx="2114775" cy="2296275"/>
-            </a:xfrm>
-            <a:custGeom>
-              <a:avLst/>
-              <a:gdLst/>
-              <a:ahLst/>
-              <a:cxnLst/>
-              <a:rect l="l" t="t" r="r" b="b"/>
-              <a:pathLst>
-                <a:path w="84591" h="91851" extrusionOk="0">
-                  <a:moveTo>
-                    <a:pt x="42295" y="3018"/>
-                  </a:moveTo>
-                  <a:lnTo>
-                    <a:pt x="81312" y="16735"/>
-                  </a:lnTo>
-                  <a:lnTo>
-                    <a:pt x="66973" y="88258"/>
-                  </a:lnTo>
-                  <a:lnTo>
-                    <a:pt x="42295" y="81142"/>
-                  </a:lnTo>
-                  <a:lnTo>
-                    <a:pt x="17618" y="88257"/>
-                  </a:lnTo>
-                  <a:lnTo>
-                    <a:pt x="3278" y="16735"/>
-                  </a:lnTo>
-                  <a:lnTo>
-                    <a:pt x="42295" y="3018"/>
-                  </a:lnTo>
-                  <a:close/>
-                  <a:moveTo>
-                    <a:pt x="42295" y="0"/>
-                  </a:moveTo>
-                  <a:lnTo>
-                    <a:pt x="0" y="14870"/>
-                  </a:lnTo>
-                  <a:lnTo>
-                    <a:pt x="15434" y="91850"/>
-                  </a:lnTo>
-                  <a:lnTo>
-                    <a:pt x="42295" y="84104"/>
-                  </a:lnTo>
-                  <a:lnTo>
-                    <a:pt x="69157" y="91850"/>
-                  </a:lnTo>
-                  <a:lnTo>
-                    <a:pt x="84591" y="14870"/>
-                  </a:lnTo>
-                  <a:lnTo>
-                    <a:pt x="42295" y="0"/>
-                  </a:lnTo>
-                  <a:close/>
-                </a:path>
-              </a:pathLst>
-            </a:custGeom>
-            <a:solidFill>
-              <a:srgbClr val="00344A"/>
-            </a:solidFill>
-            <a:ln>
-              <a:noFill/>
-            </a:ln>
-          </p:spPr>
-          <p:txBody>
-            <a:bodyPr spcFirstLastPara="1" wrap="square" lIns="121900" tIns="121900" rIns="121900" bIns="121900" anchor="ctr" anchorCtr="0">
-              <a:noAutofit/>
-            </a:bodyPr>
-            <a:lstStyle/>
-            <a:p>
-              <a:pPr defTabSz="1219170">
-                <a:buClr>
-                  <a:srgbClr val="000000"/>
-                </a:buClr>
-              </a:pPr>
-              <a:endParaRPr sz="1867" kern="0">
-                <a:solidFill>
-                  <a:srgbClr val="000000"/>
-                </a:solidFill>
-                <a:latin typeface="Arial"/>
-                <a:cs typeface="Arial"/>
-                <a:sym typeface="Arial"/>
-              </a:endParaRPr>
-            </a:p>
-          </p:txBody>
-        </p:sp>
-        <p:sp>
-          <p:nvSpPr>
-            <p:cNvPr id="164" name="Google Shape;164;p27"/>
-            <p:cNvSpPr/>
-            <p:nvPr/>
-          </p:nvSpPr>
-          <p:spPr>
-            <a:xfrm>
-              <a:off x="2975625" y="455125"/>
-              <a:ext cx="1666250" cy="2037500"/>
-            </a:xfrm>
-            <a:custGeom>
-              <a:avLst/>
-              <a:gdLst/>
-              <a:ahLst/>
-              <a:cxnLst/>
-              <a:rect l="l" t="t" r="r" b="b"/>
-              <a:pathLst>
-                <a:path w="66650" h="81500" extrusionOk="0">
-                  <a:moveTo>
-                    <a:pt x="33325" y="1"/>
-                  </a:moveTo>
-                  <a:lnTo>
-                    <a:pt x="0" y="11952"/>
-                  </a:lnTo>
-                  <a:lnTo>
-                    <a:pt x="12979" y="81499"/>
-                  </a:lnTo>
-                  <a:lnTo>
-                    <a:pt x="33325" y="74539"/>
-                  </a:lnTo>
-                  <a:lnTo>
-                    <a:pt x="53670" y="81499"/>
-                  </a:lnTo>
-                  <a:lnTo>
-                    <a:pt x="66650" y="11952"/>
-                  </a:lnTo>
-                  <a:lnTo>
-                    <a:pt x="33325" y="1"/>
-                  </a:lnTo>
-                  <a:close/>
-                </a:path>
-              </a:pathLst>
-            </a:custGeom>
-            <a:solidFill>
-              <a:srgbClr val="00344A"/>
-            </a:solidFill>
-            <a:ln>
-              <a:noFill/>
-            </a:ln>
-          </p:spPr>
-          <p:txBody>
-            <a:bodyPr spcFirstLastPara="1" wrap="square" lIns="121900" tIns="121900" rIns="121900" bIns="121900" anchor="ctr" anchorCtr="0">
-              <a:noAutofit/>
-            </a:bodyPr>
-            <a:lstStyle/>
-            <a:p>
-              <a:pPr defTabSz="1219170">
-                <a:buClr>
-                  <a:srgbClr val="000000"/>
-                </a:buClr>
-              </a:pPr>
-              <a:endParaRPr sz="1867" kern="0">
-                <a:solidFill>
-                  <a:srgbClr val="000000"/>
-                </a:solidFill>
-                <a:latin typeface="Arial"/>
-                <a:cs typeface="Arial"/>
-                <a:sym typeface="Arial"/>
-              </a:endParaRPr>
-            </a:p>
-          </p:txBody>
-        </p:sp>
-        <p:sp>
-          <p:nvSpPr>
-            <p:cNvPr id="165" name="Google Shape;165;p27"/>
-            <p:cNvSpPr/>
-            <p:nvPr/>
-          </p:nvSpPr>
-          <p:spPr>
-            <a:xfrm>
-              <a:off x="2501525" y="1739600"/>
-              <a:ext cx="342600" cy="325850"/>
-            </a:xfrm>
-            <a:custGeom>
-              <a:avLst/>
-              <a:gdLst/>
-              <a:ahLst/>
-              <a:cxnLst/>
-              <a:rect l="l" t="t" r="r" b="b"/>
-              <a:pathLst>
-                <a:path w="13704" h="13034" extrusionOk="0">
-                  <a:moveTo>
-                    <a:pt x="6851" y="0"/>
-                  </a:moveTo>
-                  <a:lnTo>
-                    <a:pt x="5235" y="4979"/>
-                  </a:lnTo>
-                  <a:lnTo>
-                    <a:pt x="1" y="4979"/>
-                  </a:lnTo>
-                  <a:lnTo>
-                    <a:pt x="4235" y="8055"/>
-                  </a:lnTo>
-                  <a:lnTo>
-                    <a:pt x="2617" y="13033"/>
-                  </a:lnTo>
-                  <a:lnTo>
-                    <a:pt x="6851" y="9956"/>
-                  </a:lnTo>
-                  <a:lnTo>
-                    <a:pt x="11087" y="13033"/>
-                  </a:lnTo>
-                  <a:lnTo>
-                    <a:pt x="9469" y="8055"/>
-                  </a:lnTo>
-                  <a:lnTo>
-                    <a:pt x="13703" y="4979"/>
-                  </a:lnTo>
-                  <a:lnTo>
-                    <a:pt x="8469" y="4979"/>
-                  </a:lnTo>
-                  <a:lnTo>
-                    <a:pt x="6851" y="0"/>
-                  </a:lnTo>
-                  <a:close/>
-                </a:path>
-              </a:pathLst>
-            </a:custGeom>
-            <a:solidFill>
-              <a:srgbClr val="DC5641"/>
-            </a:solidFill>
-            <a:ln>
-              <a:noFill/>
-            </a:ln>
-          </p:spPr>
-          <p:txBody>
-            <a:bodyPr spcFirstLastPara="1" wrap="square" lIns="121900" tIns="121900" rIns="121900" bIns="121900" anchor="ctr" anchorCtr="0">
-              <a:noAutofit/>
-            </a:bodyPr>
-            <a:lstStyle/>
-            <a:p>
-              <a:pPr defTabSz="1219170">
-                <a:buClr>
-                  <a:srgbClr val="000000"/>
-                </a:buClr>
-              </a:pPr>
-              <a:endParaRPr sz="1867" kern="0">
-                <a:solidFill>
-                  <a:srgbClr val="000000"/>
-                </a:solidFill>
-                <a:latin typeface="Arial"/>
-                <a:cs typeface="Arial"/>
-                <a:sym typeface="Arial"/>
-              </a:endParaRPr>
-            </a:p>
-          </p:txBody>
-        </p:sp>
-        <p:sp>
-          <p:nvSpPr>
-            <p:cNvPr id="166" name="Google Shape;166;p27"/>
-            <p:cNvSpPr/>
-            <p:nvPr/>
-          </p:nvSpPr>
-          <p:spPr>
-            <a:xfrm>
-              <a:off x="4773375" y="1739600"/>
-              <a:ext cx="342625" cy="325850"/>
-            </a:xfrm>
-            <a:custGeom>
-              <a:avLst/>
-              <a:gdLst/>
-              <a:ahLst/>
-              <a:cxnLst/>
-              <a:rect l="l" t="t" r="r" b="b"/>
-              <a:pathLst>
-                <a:path w="13705" h="13034" extrusionOk="0">
-                  <a:moveTo>
-                    <a:pt x="6853" y="0"/>
-                  </a:moveTo>
-                  <a:lnTo>
-                    <a:pt x="5235" y="4979"/>
-                  </a:lnTo>
-                  <a:lnTo>
-                    <a:pt x="1" y="4979"/>
-                  </a:lnTo>
-                  <a:lnTo>
-                    <a:pt x="4236" y="8055"/>
-                  </a:lnTo>
-                  <a:lnTo>
-                    <a:pt x="2618" y="13033"/>
-                  </a:lnTo>
-                  <a:lnTo>
-                    <a:pt x="6853" y="9956"/>
-                  </a:lnTo>
-                  <a:lnTo>
-                    <a:pt x="11087" y="13033"/>
-                  </a:lnTo>
-                  <a:lnTo>
-                    <a:pt x="9469" y="8055"/>
-                  </a:lnTo>
-                  <a:lnTo>
-                    <a:pt x="13704" y="4979"/>
-                  </a:lnTo>
-                  <a:lnTo>
-                    <a:pt x="8470" y="4979"/>
-                  </a:lnTo>
-                  <a:lnTo>
-                    <a:pt x="6853" y="0"/>
-                  </a:lnTo>
-                  <a:close/>
-                </a:path>
-              </a:pathLst>
-            </a:custGeom>
-            <a:solidFill>
-              <a:srgbClr val="DC5641"/>
-            </a:solidFill>
-            <a:ln>
-              <a:noFill/>
-            </a:ln>
-          </p:spPr>
-          <p:txBody>
-            <a:bodyPr spcFirstLastPara="1" wrap="square" lIns="121900" tIns="121900" rIns="121900" bIns="121900" anchor="ctr" anchorCtr="0">
-              <a:noAutofit/>
-            </a:bodyPr>
-            <a:lstStyle/>
-            <a:p>
-              <a:pPr defTabSz="1219170">
-                <a:buClr>
-                  <a:srgbClr val="000000"/>
-                </a:buClr>
-              </a:pPr>
-              <a:endParaRPr sz="1867" kern="0">
-                <a:solidFill>
-                  <a:srgbClr val="000000"/>
-                </a:solidFill>
-                <a:latin typeface="Arial"/>
-                <a:cs typeface="Arial"/>
-                <a:sym typeface="Arial"/>
-              </a:endParaRPr>
-            </a:p>
-          </p:txBody>
-        </p:sp>
-        <p:sp>
-          <p:nvSpPr>
-            <p:cNvPr id="167" name="Google Shape;167;p27"/>
-            <p:cNvSpPr/>
-            <p:nvPr/>
-          </p:nvSpPr>
-          <p:spPr>
-            <a:xfrm>
-              <a:off x="2504550" y="1851400"/>
-              <a:ext cx="2608400" cy="2608350"/>
-            </a:xfrm>
-            <a:custGeom>
-              <a:avLst/>
-              <a:gdLst/>
-              <a:ahLst/>
-              <a:cxnLst/>
-              <a:rect l="l" t="t" r="r" b="b"/>
-              <a:pathLst>
-                <a:path w="104336" h="104334" extrusionOk="0">
-                  <a:moveTo>
-                    <a:pt x="52168" y="1"/>
-                  </a:moveTo>
-                  <a:cubicBezTo>
-                    <a:pt x="38332" y="1"/>
-                    <a:pt x="25064" y="5496"/>
-                    <a:pt x="15281" y="15278"/>
-                  </a:cubicBezTo>
-                  <a:cubicBezTo>
-                    <a:pt x="5498" y="25062"/>
-                    <a:pt x="1" y="38331"/>
-                    <a:pt x="1" y="52167"/>
-                  </a:cubicBezTo>
-                  <a:cubicBezTo>
-                    <a:pt x="1" y="66003"/>
-                    <a:pt x="5498" y="79272"/>
-                    <a:pt x="15281" y="89055"/>
-                  </a:cubicBezTo>
-                  <a:cubicBezTo>
-                    <a:pt x="25064" y="98838"/>
-                    <a:pt x="38332" y="104334"/>
-                    <a:pt x="52168" y="104334"/>
-                  </a:cubicBezTo>
-                  <a:cubicBezTo>
-                    <a:pt x="66003" y="104334"/>
-                    <a:pt x="79273" y="98838"/>
-                    <a:pt x="89056" y="89055"/>
-                  </a:cubicBezTo>
-                  <a:cubicBezTo>
-                    <a:pt x="98839" y="79272"/>
-                    <a:pt x="104335" y="66003"/>
-                    <a:pt x="104335" y="52167"/>
-                  </a:cubicBezTo>
-                  <a:cubicBezTo>
-                    <a:pt x="104335" y="38331"/>
-                    <a:pt x="98839" y="25062"/>
-                    <a:pt x="89056" y="15278"/>
-                  </a:cubicBezTo>
-                  <a:cubicBezTo>
-                    <a:pt x="79273" y="5496"/>
-                    <a:pt x="66003" y="1"/>
-                    <a:pt x="52168" y="1"/>
-                  </a:cubicBezTo>
-                  <a:close/>
-                </a:path>
-              </a:pathLst>
-            </a:custGeom>
-            <a:solidFill>
-              <a:srgbClr val="FFFFFF"/>
-            </a:solidFill>
-            <a:ln>
-              <a:noFill/>
-            </a:ln>
-          </p:spPr>
-          <p:txBody>
-            <a:bodyPr spcFirstLastPara="1" wrap="square" lIns="121900" tIns="121900" rIns="121900" bIns="121900" anchor="ctr" anchorCtr="0">
-              <a:noAutofit/>
-            </a:bodyPr>
-            <a:lstStyle/>
-            <a:p>
-              <a:pPr defTabSz="1219170">
-                <a:buClr>
-                  <a:srgbClr val="000000"/>
-                </a:buClr>
-              </a:pPr>
-              <a:endParaRPr sz="1867" kern="0">
-                <a:solidFill>
-                  <a:srgbClr val="000000"/>
-                </a:solidFill>
-                <a:latin typeface="Arial"/>
-                <a:cs typeface="Arial"/>
-                <a:sym typeface="Arial"/>
-              </a:endParaRPr>
-            </a:p>
-          </p:txBody>
-        </p:sp>
-        <p:sp>
-          <p:nvSpPr>
-            <p:cNvPr id="168" name="Google Shape;168;p27"/>
-            <p:cNvSpPr/>
-            <p:nvPr/>
-          </p:nvSpPr>
-          <p:spPr>
-            <a:xfrm>
-              <a:off x="2680425" y="2027225"/>
-              <a:ext cx="2256650" cy="2256675"/>
-            </a:xfrm>
-            <a:custGeom>
-              <a:avLst/>
-              <a:gdLst/>
-              <a:ahLst/>
-              <a:cxnLst/>
-              <a:rect l="l" t="t" r="r" b="b"/>
-              <a:pathLst>
-                <a:path w="90266" h="90267" extrusionOk="0">
-                  <a:moveTo>
-                    <a:pt x="45133" y="1"/>
-                  </a:moveTo>
-                  <a:cubicBezTo>
-                    <a:pt x="33163" y="1"/>
-                    <a:pt x="21683" y="4756"/>
-                    <a:pt x="13220" y="13219"/>
-                  </a:cubicBezTo>
-                  <a:cubicBezTo>
-                    <a:pt x="4755" y="21683"/>
-                    <a:pt x="0" y="33163"/>
-                    <a:pt x="0" y="45134"/>
-                  </a:cubicBezTo>
-                  <a:cubicBezTo>
-                    <a:pt x="0" y="57104"/>
-                    <a:pt x="4755" y="68584"/>
-                    <a:pt x="13220" y="77048"/>
-                  </a:cubicBezTo>
-                  <a:cubicBezTo>
-                    <a:pt x="21683" y="85512"/>
-                    <a:pt x="33163" y="90267"/>
-                    <a:pt x="45133" y="90267"/>
-                  </a:cubicBezTo>
-                  <a:cubicBezTo>
-                    <a:pt x="57102" y="90267"/>
-                    <a:pt x="68582" y="85512"/>
-                    <a:pt x="77047" y="77048"/>
-                  </a:cubicBezTo>
-                  <a:cubicBezTo>
-                    <a:pt x="85511" y="68584"/>
-                    <a:pt x="90266" y="57104"/>
-                    <a:pt x="90266" y="45134"/>
-                  </a:cubicBezTo>
-                  <a:cubicBezTo>
-                    <a:pt x="90266" y="33163"/>
-                    <a:pt x="85511" y="21683"/>
-                    <a:pt x="77047" y="13219"/>
-                  </a:cubicBezTo>
-                  <a:cubicBezTo>
-                    <a:pt x="68582" y="4756"/>
-                    <a:pt x="57102" y="1"/>
-                    <a:pt x="45133" y="1"/>
-                  </a:cubicBezTo>
-                  <a:close/>
-                </a:path>
-              </a:pathLst>
-            </a:custGeom>
-            <a:solidFill>
-              <a:srgbClr val="00344A"/>
-            </a:solidFill>
-            <a:ln>
-              <a:noFill/>
-            </a:ln>
-          </p:spPr>
-          <p:txBody>
-            <a:bodyPr spcFirstLastPara="1" wrap="square" lIns="121900" tIns="121900" rIns="121900" bIns="121900" anchor="ctr" anchorCtr="0">
-              <a:noAutofit/>
-            </a:bodyPr>
-            <a:lstStyle/>
-            <a:p>
-              <a:pPr defTabSz="1219170">
-                <a:buClr>
-                  <a:srgbClr val="000000"/>
-                </a:buClr>
-              </a:pPr>
-              <a:endParaRPr sz="1867" kern="0">
-                <a:solidFill>
-                  <a:srgbClr val="000000"/>
-                </a:solidFill>
-                <a:latin typeface="Arial"/>
-                <a:cs typeface="Arial"/>
-                <a:sym typeface="Arial"/>
-              </a:endParaRPr>
-            </a:p>
-          </p:txBody>
-        </p:sp>
-        <p:sp>
-          <p:nvSpPr>
-            <p:cNvPr id="169" name="Google Shape;169;p27"/>
-            <p:cNvSpPr/>
-            <p:nvPr/>
-          </p:nvSpPr>
-          <p:spPr>
-            <a:xfrm>
-              <a:off x="2793275" y="2140100"/>
-              <a:ext cx="2030950" cy="2030950"/>
-            </a:xfrm>
-            <a:custGeom>
-              <a:avLst/>
-              <a:gdLst/>
-              <a:ahLst/>
-              <a:cxnLst/>
-              <a:rect l="l" t="t" r="r" b="b"/>
-              <a:pathLst>
-                <a:path w="81238" h="81238" extrusionOk="0">
-                  <a:moveTo>
-                    <a:pt x="40619" y="0"/>
-                  </a:moveTo>
-                  <a:cubicBezTo>
-                    <a:pt x="29846" y="0"/>
-                    <a:pt x="19514" y="4280"/>
-                    <a:pt x="11898" y="11897"/>
-                  </a:cubicBezTo>
-                  <a:cubicBezTo>
-                    <a:pt x="4281" y="19515"/>
-                    <a:pt x="1" y="29846"/>
-                    <a:pt x="1" y="40619"/>
-                  </a:cubicBezTo>
-                  <a:cubicBezTo>
-                    <a:pt x="1" y="51391"/>
-                    <a:pt x="4281" y="61723"/>
-                    <a:pt x="11898" y="69340"/>
-                  </a:cubicBezTo>
-                  <a:cubicBezTo>
-                    <a:pt x="19514" y="76958"/>
-                    <a:pt x="29846" y="81237"/>
-                    <a:pt x="40619" y="81237"/>
-                  </a:cubicBezTo>
-                  <a:cubicBezTo>
-                    <a:pt x="51391" y="81237"/>
-                    <a:pt x="61723" y="76958"/>
-                    <a:pt x="69340" y="69340"/>
-                  </a:cubicBezTo>
-                  <a:cubicBezTo>
-                    <a:pt x="76957" y="61723"/>
-                    <a:pt x="81237" y="51391"/>
-                    <a:pt x="81237" y="40619"/>
-                  </a:cubicBezTo>
-                  <a:cubicBezTo>
-                    <a:pt x="81237" y="29846"/>
-                    <a:pt x="76957" y="19515"/>
-                    <a:pt x="69340" y="11897"/>
-                  </a:cubicBezTo>
-                  <a:cubicBezTo>
-                    <a:pt x="61723" y="4280"/>
-                    <a:pt x="51391" y="0"/>
-                    <a:pt x="40619" y="0"/>
-                  </a:cubicBezTo>
-                  <a:close/>
-                </a:path>
-              </a:pathLst>
-            </a:custGeom>
-            <a:solidFill>
-              <a:srgbClr val="FFFFFF"/>
-            </a:solidFill>
-            <a:ln>
-              <a:noFill/>
-            </a:ln>
-          </p:spPr>
-          <p:txBody>
-            <a:bodyPr spcFirstLastPara="1" wrap="square" lIns="121900" tIns="121900" rIns="121900" bIns="121900" anchor="ctr" anchorCtr="0">
-              <a:noAutofit/>
-            </a:bodyPr>
-            <a:lstStyle/>
-            <a:p>
-              <a:pPr defTabSz="1219170">
-                <a:buClr>
-                  <a:srgbClr val="000000"/>
-                </a:buClr>
-              </a:pPr>
-              <a:endParaRPr sz="1867" kern="0">
-                <a:solidFill>
-                  <a:srgbClr val="000000"/>
-                </a:solidFill>
-                <a:latin typeface="Arial"/>
-                <a:cs typeface="Arial"/>
-                <a:sym typeface="Arial"/>
-              </a:endParaRPr>
-            </a:p>
-          </p:txBody>
-        </p:sp>
-        <p:sp>
-          <p:nvSpPr>
-            <p:cNvPr id="170" name="Google Shape;170;p27"/>
-            <p:cNvSpPr/>
-            <p:nvPr/>
-          </p:nvSpPr>
-          <p:spPr>
-            <a:xfrm>
-              <a:off x="2790825" y="2133025"/>
-              <a:ext cx="2035825" cy="1947625"/>
-            </a:xfrm>
-            <a:custGeom>
-              <a:avLst/>
-              <a:gdLst/>
-              <a:ahLst/>
-              <a:cxnLst/>
-              <a:rect l="l" t="t" r="r" b="b"/>
-              <a:pathLst>
-                <a:path w="81433" h="77905" extrusionOk="0">
-                  <a:moveTo>
-                    <a:pt x="40717" y="1"/>
-                  </a:moveTo>
-                  <a:cubicBezTo>
-                    <a:pt x="36496" y="1"/>
-                    <a:pt x="32426" y="640"/>
-                    <a:pt x="28595" y="1827"/>
-                  </a:cubicBezTo>
-                  <a:lnTo>
-                    <a:pt x="39805" y="9972"/>
-                  </a:lnTo>
-                  <a:lnTo>
-                    <a:pt x="39805" y="25013"/>
-                  </a:lnTo>
-                  <a:lnTo>
-                    <a:pt x="26284" y="34839"/>
-                  </a:lnTo>
-                  <a:lnTo>
-                    <a:pt x="12114" y="28660"/>
-                  </a:lnTo>
-                  <a:lnTo>
-                    <a:pt x="9092" y="14965"/>
-                  </a:lnTo>
-                  <a:cubicBezTo>
-                    <a:pt x="4067" y="21085"/>
-                    <a:pt x="785" y="28690"/>
-                    <a:pt x="1" y="37021"/>
-                  </a:cubicBezTo>
-                  <a:lnTo>
-                    <a:pt x="11385" y="30331"/>
-                  </a:lnTo>
-                  <a:lnTo>
-                    <a:pt x="25583" y="36522"/>
-                  </a:lnTo>
-                  <a:lnTo>
-                    <a:pt x="30687" y="52231"/>
-                  </a:lnTo>
-                  <a:lnTo>
-                    <a:pt x="19734" y="63416"/>
-                  </a:lnTo>
-                  <a:lnTo>
-                    <a:pt x="5245" y="61278"/>
-                  </a:lnTo>
-                  <a:lnTo>
-                    <a:pt x="5245" y="61278"/>
-                  </a:lnTo>
-                  <a:cubicBezTo>
-                    <a:pt x="9403" y="68498"/>
-                    <a:pt x="15701" y="74329"/>
-                    <a:pt x="23273" y="77904"/>
-                  </a:cubicBezTo>
-                  <a:lnTo>
-                    <a:pt x="21037" y="64692"/>
-                  </a:lnTo>
-                  <a:lnTo>
-                    <a:pt x="31776" y="53725"/>
-                  </a:lnTo>
-                  <a:lnTo>
-                    <a:pt x="49659" y="53725"/>
-                  </a:lnTo>
-                  <a:lnTo>
-                    <a:pt x="60397" y="64692"/>
-                  </a:lnTo>
-                  <a:lnTo>
-                    <a:pt x="58161" y="77904"/>
-                  </a:lnTo>
-                  <a:cubicBezTo>
-                    <a:pt x="65733" y="74329"/>
-                    <a:pt x="72031" y="68499"/>
-                    <a:pt x="76188" y="61278"/>
-                  </a:cubicBezTo>
-                  <a:lnTo>
-                    <a:pt x="76188" y="61278"/>
-                  </a:lnTo>
-                  <a:lnTo>
-                    <a:pt x="61698" y="63416"/>
-                  </a:lnTo>
-                  <a:lnTo>
-                    <a:pt x="50746" y="52231"/>
-                  </a:lnTo>
-                  <a:lnTo>
-                    <a:pt x="55849" y="36522"/>
-                  </a:lnTo>
-                  <a:lnTo>
-                    <a:pt x="70048" y="30331"/>
-                  </a:lnTo>
-                  <a:lnTo>
-                    <a:pt x="81432" y="37021"/>
-                  </a:lnTo>
-                  <a:cubicBezTo>
-                    <a:pt x="80648" y="28690"/>
-                    <a:pt x="77366" y="21085"/>
-                    <a:pt x="72341" y="14965"/>
-                  </a:cubicBezTo>
-                  <a:lnTo>
-                    <a:pt x="69319" y="28660"/>
-                  </a:lnTo>
-                  <a:lnTo>
-                    <a:pt x="55148" y="34839"/>
-                  </a:lnTo>
-                  <a:lnTo>
-                    <a:pt x="41626" y="25013"/>
-                  </a:lnTo>
-                  <a:lnTo>
-                    <a:pt x="41626" y="9972"/>
-                  </a:lnTo>
-                  <a:lnTo>
-                    <a:pt x="52839" y="1827"/>
-                  </a:lnTo>
-                  <a:cubicBezTo>
-                    <a:pt x="49008" y="640"/>
-                    <a:pt x="44937" y="1"/>
-                    <a:pt x="40717" y="1"/>
-                  </a:cubicBezTo>
-                  <a:close/>
-                </a:path>
-              </a:pathLst>
-            </a:custGeom>
-            <a:solidFill>
-              <a:srgbClr val="00344A"/>
-            </a:solidFill>
-            <a:ln>
-              <a:noFill/>
-            </a:ln>
-          </p:spPr>
-          <p:txBody>
-            <a:bodyPr spcFirstLastPara="1" wrap="square" lIns="121900" tIns="121900" rIns="121900" bIns="121900" anchor="ctr" anchorCtr="0">
-              <a:noAutofit/>
-            </a:bodyPr>
-            <a:lstStyle/>
-            <a:p>
-              <a:pPr defTabSz="1219170">
-                <a:buClr>
-                  <a:srgbClr val="000000"/>
-                </a:buClr>
-              </a:pPr>
-              <a:endParaRPr sz="1867" kern="0">
-                <a:solidFill>
-                  <a:srgbClr val="000000"/>
-                </a:solidFill>
-                <a:latin typeface="Arial"/>
-                <a:cs typeface="Arial"/>
-                <a:sym typeface="Arial"/>
-              </a:endParaRPr>
-            </a:p>
-          </p:txBody>
-        </p:sp>
-        <p:sp>
-          <p:nvSpPr>
-            <p:cNvPr id="171" name="Google Shape;171;p27"/>
-            <p:cNvSpPr/>
-            <p:nvPr/>
-          </p:nvSpPr>
-          <p:spPr>
-            <a:xfrm>
-              <a:off x="1332450" y="3243850"/>
-              <a:ext cx="4952600" cy="1632875"/>
-            </a:xfrm>
-            <a:custGeom>
-              <a:avLst/>
-              <a:gdLst/>
-              <a:ahLst/>
-              <a:cxnLst/>
-              <a:rect l="l" t="t" r="r" b="b"/>
-              <a:pathLst>
-                <a:path w="198104" h="65315" extrusionOk="0">
-                  <a:moveTo>
-                    <a:pt x="99052" y="1"/>
-                  </a:moveTo>
-                  <a:cubicBezTo>
-                    <a:pt x="74584" y="1"/>
-                    <a:pt x="49761" y="3989"/>
-                    <a:pt x="25273" y="11854"/>
-                  </a:cubicBezTo>
-                  <a:lnTo>
-                    <a:pt x="23718" y="12354"/>
-                  </a:lnTo>
-                  <a:lnTo>
-                    <a:pt x="25345" y="19263"/>
-                  </a:lnTo>
-                  <a:cubicBezTo>
-                    <a:pt x="18909" y="21561"/>
-                    <a:pt x="11578" y="24468"/>
-                    <a:pt x="5363" y="27328"/>
-                  </a:cubicBezTo>
-                  <a:lnTo>
-                    <a:pt x="0" y="29795"/>
-                  </a:lnTo>
-                  <a:lnTo>
-                    <a:pt x="5291" y="32415"/>
-                  </a:lnTo>
-                  <a:cubicBezTo>
-                    <a:pt x="11660" y="35567"/>
-                    <a:pt x="15050" y="37407"/>
-                    <a:pt x="20528" y="40745"/>
-                  </a:cubicBezTo>
-                  <a:cubicBezTo>
-                    <a:pt x="17961" y="46812"/>
-                    <a:pt x="15563" y="53014"/>
-                    <a:pt x="13387" y="59211"/>
-                  </a:cubicBezTo>
-                  <a:lnTo>
-                    <a:pt x="11245" y="65310"/>
-                  </a:lnTo>
-                  <a:lnTo>
-                    <a:pt x="17171" y="62729"/>
-                  </a:lnTo>
-                  <a:cubicBezTo>
-                    <a:pt x="24707" y="59447"/>
-                    <a:pt x="32102" y="56561"/>
-                    <a:pt x="39776" y="53907"/>
-                  </a:cubicBezTo>
-                  <a:lnTo>
-                    <a:pt x="42140" y="53075"/>
-                  </a:lnTo>
-                  <a:lnTo>
-                    <a:pt x="40738" y="46421"/>
-                  </a:lnTo>
-                  <a:cubicBezTo>
-                    <a:pt x="60206" y="40838"/>
-                    <a:pt x="79790" y="38005"/>
-                    <a:pt x="99052" y="38005"/>
-                  </a:cubicBezTo>
-                  <a:cubicBezTo>
-                    <a:pt x="118314" y="38005"/>
-                    <a:pt x="137898" y="40838"/>
-                    <a:pt x="157366" y="46421"/>
-                  </a:cubicBezTo>
-                  <a:lnTo>
-                    <a:pt x="155952" y="53088"/>
-                  </a:lnTo>
-                  <a:lnTo>
-                    <a:pt x="158328" y="53910"/>
-                  </a:lnTo>
-                  <a:cubicBezTo>
-                    <a:pt x="166004" y="56567"/>
-                    <a:pt x="173398" y="59453"/>
-                    <a:pt x="180933" y="62733"/>
-                  </a:cubicBezTo>
-                  <a:lnTo>
-                    <a:pt x="186858" y="65314"/>
-                  </a:lnTo>
-                  <a:lnTo>
-                    <a:pt x="184717" y="59216"/>
-                  </a:lnTo>
-                  <a:cubicBezTo>
-                    <a:pt x="182542" y="53019"/>
-                    <a:pt x="180145" y="46818"/>
-                    <a:pt x="177577" y="40749"/>
-                  </a:cubicBezTo>
-                  <a:cubicBezTo>
-                    <a:pt x="183056" y="37412"/>
-                    <a:pt x="186445" y="35572"/>
-                    <a:pt x="192814" y="32419"/>
-                  </a:cubicBezTo>
-                  <a:lnTo>
-                    <a:pt x="198104" y="29800"/>
-                  </a:lnTo>
-                  <a:lnTo>
-                    <a:pt x="192742" y="27333"/>
-                  </a:lnTo>
-                  <a:cubicBezTo>
-                    <a:pt x="186528" y="24474"/>
-                    <a:pt x="180121" y="21863"/>
-                    <a:pt x="172790" y="19462"/>
-                  </a:cubicBezTo>
-                  <a:lnTo>
-                    <a:pt x="174417" y="12549"/>
-                  </a:lnTo>
-                  <a:lnTo>
-                    <a:pt x="172834" y="11854"/>
-                  </a:lnTo>
-                  <a:cubicBezTo>
-                    <a:pt x="148344" y="3989"/>
-                    <a:pt x="123521" y="1"/>
-                    <a:pt x="99052" y="1"/>
-                  </a:cubicBezTo>
-                  <a:close/>
-                </a:path>
-              </a:pathLst>
-            </a:custGeom>
-            <a:solidFill>
-              <a:srgbClr val="FFFFFF"/>
-            </a:solidFill>
-            <a:ln>
-              <a:noFill/>
-            </a:ln>
-          </p:spPr>
-          <p:txBody>
-            <a:bodyPr spcFirstLastPara="1" wrap="square" lIns="121900" tIns="121900" rIns="121900" bIns="121900" anchor="ctr" anchorCtr="0">
-              <a:noAutofit/>
-            </a:bodyPr>
-            <a:lstStyle/>
-            <a:p>
-              <a:pPr defTabSz="1219170">
-                <a:buClr>
-                  <a:srgbClr val="000000"/>
-                </a:buClr>
-              </a:pPr>
-              <a:endParaRPr sz="1867" kern="0">
-                <a:solidFill>
-                  <a:srgbClr val="000000"/>
-                </a:solidFill>
-                <a:latin typeface="Arial"/>
-                <a:cs typeface="Arial"/>
-                <a:sym typeface="Arial"/>
-              </a:endParaRPr>
-            </a:p>
-          </p:txBody>
-        </p:sp>
-        <p:sp>
-          <p:nvSpPr>
-            <p:cNvPr id="172" name="Google Shape;172;p27"/>
-            <p:cNvSpPr/>
-            <p:nvPr/>
-          </p:nvSpPr>
-          <p:spPr>
-            <a:xfrm>
-              <a:off x="1495975" y="3793600"/>
-              <a:ext cx="807900" cy="953875"/>
-            </a:xfrm>
-            <a:custGeom>
-              <a:avLst/>
-              <a:gdLst/>
-              <a:ahLst/>
-              <a:cxnLst/>
-              <a:rect l="l" t="t" r="r" b="b"/>
-              <a:pathLst>
-                <a:path w="32316" h="38155" extrusionOk="0">
-                  <a:moveTo>
-                    <a:pt x="19448" y="0"/>
-                  </a:moveTo>
-                  <a:cubicBezTo>
-                    <a:pt x="12861" y="2331"/>
-                    <a:pt x="6378" y="4963"/>
-                    <a:pt x="0" y="7898"/>
-                  </a:cubicBezTo>
-                  <a:cubicBezTo>
-                    <a:pt x="7252" y="11487"/>
-                    <a:pt x="10763" y="13443"/>
-                    <a:pt x="17536" y="17626"/>
-                  </a:cubicBezTo>
-                  <a:cubicBezTo>
-                    <a:pt x="14624" y="24361"/>
-                    <a:pt x="11948" y="31204"/>
-                    <a:pt x="9507" y="38155"/>
-                  </a:cubicBezTo>
-                  <a:cubicBezTo>
-                    <a:pt x="17057" y="34866"/>
-                    <a:pt x="24555" y="31937"/>
-                    <a:pt x="32315" y="29251"/>
-                  </a:cubicBezTo>
-                  <a:cubicBezTo>
-                    <a:pt x="32312" y="29239"/>
-                    <a:pt x="32310" y="29228"/>
-                    <a:pt x="32307" y="29216"/>
-                  </a:cubicBezTo>
-                  <a:cubicBezTo>
-                    <a:pt x="29844" y="27834"/>
-                    <a:pt x="28379" y="27052"/>
-                    <a:pt x="25650" y="25661"/>
-                  </a:cubicBezTo>
-                  <a:cubicBezTo>
-                    <a:pt x="23583" y="17107"/>
-                    <a:pt x="21515" y="8554"/>
-                    <a:pt x="19448" y="0"/>
-                  </a:cubicBezTo>
-                  <a:close/>
-                </a:path>
-              </a:pathLst>
-            </a:custGeom>
-            <a:solidFill>
-              <a:srgbClr val="DC5641"/>
-            </a:solidFill>
-            <a:ln>
-              <a:noFill/>
-            </a:ln>
-          </p:spPr>
-          <p:txBody>
-            <a:bodyPr spcFirstLastPara="1" wrap="square" lIns="121900" tIns="121900" rIns="121900" bIns="121900" anchor="ctr" anchorCtr="0">
-              <a:noAutofit/>
-            </a:bodyPr>
-            <a:lstStyle/>
-            <a:p>
-              <a:pPr defTabSz="1219170">
-                <a:buClr>
-                  <a:srgbClr val="000000"/>
-                </a:buClr>
-              </a:pPr>
-              <a:endParaRPr sz="1867" kern="0">
-                <a:solidFill>
-                  <a:srgbClr val="000000"/>
-                </a:solidFill>
-                <a:latin typeface="Arial"/>
-                <a:cs typeface="Arial"/>
-                <a:sym typeface="Arial"/>
-              </a:endParaRPr>
-            </a:p>
-          </p:txBody>
-        </p:sp>
-        <p:sp>
-          <p:nvSpPr>
-            <p:cNvPr id="173" name="Google Shape;173;p27"/>
-            <p:cNvSpPr/>
-            <p:nvPr/>
-          </p:nvSpPr>
-          <p:spPr>
-            <a:xfrm>
-              <a:off x="5313675" y="3793675"/>
-              <a:ext cx="807875" cy="953950"/>
-            </a:xfrm>
-            <a:custGeom>
-              <a:avLst/>
-              <a:gdLst/>
-              <a:ahLst/>
-              <a:cxnLst/>
-              <a:rect l="l" t="t" r="r" b="b"/>
-              <a:pathLst>
-                <a:path w="32315" h="38158" extrusionOk="0">
-                  <a:moveTo>
-                    <a:pt x="12866" y="1"/>
-                  </a:moveTo>
-                  <a:cubicBezTo>
-                    <a:pt x="10799" y="8553"/>
-                    <a:pt x="8732" y="17105"/>
-                    <a:pt x="6665" y="25658"/>
-                  </a:cubicBezTo>
-                  <a:lnTo>
-                    <a:pt x="6633" y="25647"/>
-                  </a:lnTo>
-                  <a:lnTo>
-                    <a:pt x="6658" y="25662"/>
-                  </a:lnTo>
-                  <a:cubicBezTo>
-                    <a:pt x="3932" y="27053"/>
-                    <a:pt x="2468" y="27835"/>
-                    <a:pt x="8" y="29218"/>
-                  </a:cubicBezTo>
-                  <a:cubicBezTo>
-                    <a:pt x="6" y="29231"/>
-                    <a:pt x="3" y="29242"/>
-                    <a:pt x="0" y="29254"/>
-                  </a:cubicBezTo>
-                  <a:cubicBezTo>
-                    <a:pt x="7760" y="31939"/>
-                    <a:pt x="15258" y="34869"/>
-                    <a:pt x="22808" y="38157"/>
-                  </a:cubicBezTo>
-                  <a:cubicBezTo>
-                    <a:pt x="20371" y="31212"/>
-                    <a:pt x="17694" y="24369"/>
-                    <a:pt x="14780" y="17627"/>
-                  </a:cubicBezTo>
-                  <a:cubicBezTo>
-                    <a:pt x="21552" y="13444"/>
-                    <a:pt x="25063" y="11490"/>
-                    <a:pt x="32315" y="7900"/>
-                  </a:cubicBezTo>
-                  <a:cubicBezTo>
-                    <a:pt x="25945" y="4968"/>
-                    <a:pt x="19461" y="2335"/>
-                    <a:pt x="12866" y="1"/>
-                  </a:cubicBezTo>
-                  <a:close/>
-                </a:path>
-              </a:pathLst>
-            </a:custGeom>
-            <a:solidFill>
-              <a:srgbClr val="DC5641"/>
-            </a:solidFill>
-            <a:ln>
-              <a:noFill/>
-            </a:ln>
-          </p:spPr>
-          <p:txBody>
-            <a:bodyPr spcFirstLastPara="1" wrap="square" lIns="121900" tIns="121900" rIns="121900" bIns="121900" anchor="ctr" anchorCtr="0">
-              <a:noAutofit/>
-            </a:bodyPr>
-            <a:lstStyle/>
-            <a:p>
-              <a:pPr defTabSz="1219170">
-                <a:buClr>
-                  <a:srgbClr val="000000"/>
-                </a:buClr>
-              </a:pPr>
-              <a:endParaRPr sz="1867" kern="0">
-                <a:solidFill>
-                  <a:srgbClr val="000000"/>
-                </a:solidFill>
-                <a:latin typeface="Arial"/>
-                <a:cs typeface="Arial"/>
-                <a:sym typeface="Arial"/>
-              </a:endParaRPr>
-            </a:p>
-          </p:txBody>
-        </p:sp>
-        <p:sp>
-          <p:nvSpPr>
-            <p:cNvPr id="174" name="Google Shape;174;p27"/>
-            <p:cNvSpPr/>
-            <p:nvPr/>
-          </p:nvSpPr>
-          <p:spPr>
-            <a:xfrm>
-              <a:off x="2004475" y="3314325"/>
-              <a:ext cx="3608650" cy="1061950"/>
-            </a:xfrm>
-            <a:custGeom>
-              <a:avLst/>
-              <a:gdLst/>
-              <a:ahLst/>
-              <a:cxnLst/>
-              <a:rect l="l" t="t" r="r" b="b"/>
-              <a:pathLst>
-                <a:path w="144346" h="42478" extrusionOk="0">
-                  <a:moveTo>
-                    <a:pt x="72148" y="1"/>
-                  </a:moveTo>
-                  <a:cubicBezTo>
-                    <a:pt x="48090" y="1"/>
-                    <a:pt x="24041" y="3873"/>
-                    <a:pt x="0" y="11618"/>
-                  </a:cubicBezTo>
-                  <a:cubicBezTo>
-                    <a:pt x="2418" y="21904"/>
-                    <a:pt x="4835" y="32191"/>
-                    <a:pt x="7253" y="42477"/>
-                  </a:cubicBezTo>
-                  <a:cubicBezTo>
-                    <a:pt x="28981" y="35549"/>
-                    <a:pt x="50576" y="32085"/>
-                    <a:pt x="72171" y="32085"/>
-                  </a:cubicBezTo>
-                  <a:cubicBezTo>
-                    <a:pt x="93766" y="32085"/>
-                    <a:pt x="115361" y="35549"/>
-                    <a:pt x="137091" y="42477"/>
-                  </a:cubicBezTo>
-                  <a:cubicBezTo>
-                    <a:pt x="139509" y="32191"/>
-                    <a:pt x="141927" y="21904"/>
-                    <a:pt x="144345" y="11618"/>
-                  </a:cubicBezTo>
-                  <a:cubicBezTo>
-                    <a:pt x="120271" y="3873"/>
-                    <a:pt x="96205" y="1"/>
-                    <a:pt x="72148" y="1"/>
-                  </a:cubicBezTo>
-                  <a:close/>
-                </a:path>
-              </a:pathLst>
-            </a:custGeom>
-            <a:solidFill>
-              <a:srgbClr val="DC5641"/>
-            </a:solidFill>
-            <a:ln>
-              <a:noFill/>
-            </a:ln>
-          </p:spPr>
-          <p:txBody>
-            <a:bodyPr spcFirstLastPara="1" wrap="square" lIns="121900" tIns="121900" rIns="121900" bIns="121900" anchor="ctr" anchorCtr="0">
-              <a:noAutofit/>
-            </a:bodyPr>
-            <a:lstStyle/>
-            <a:p>
-              <a:pPr defTabSz="1219170">
-                <a:buClr>
-                  <a:srgbClr val="000000"/>
-                </a:buClr>
-              </a:pPr>
-              <a:endParaRPr sz="1867" kern="0">
-                <a:solidFill>
-                  <a:srgbClr val="000000"/>
-                </a:solidFill>
-                <a:latin typeface="Arial"/>
-                <a:cs typeface="Arial"/>
-                <a:sym typeface="Arial"/>
-              </a:endParaRPr>
-            </a:p>
-          </p:txBody>
-        </p:sp>
-        <p:sp>
-          <p:nvSpPr>
-            <p:cNvPr id="175" name="Google Shape;175;p27"/>
-            <p:cNvSpPr/>
-            <p:nvPr/>
-          </p:nvSpPr>
-          <p:spPr>
-            <a:xfrm>
-              <a:off x="2447375" y="3525925"/>
-              <a:ext cx="450650" cy="619350"/>
-            </a:xfrm>
-            <a:custGeom>
-              <a:avLst/>
-              <a:gdLst/>
-              <a:ahLst/>
-              <a:cxnLst/>
-              <a:rect l="l" t="t" r="r" b="b"/>
-              <a:pathLst>
-                <a:path w="18026" h="24774" extrusionOk="0">
-                  <a:moveTo>
-                    <a:pt x="10631" y="0"/>
-                  </a:moveTo>
-                  <a:cubicBezTo>
-                    <a:pt x="10070" y="0"/>
-                    <a:pt x="9457" y="71"/>
-                    <a:pt x="8794" y="214"/>
-                  </a:cubicBezTo>
-                  <a:cubicBezTo>
-                    <a:pt x="7185" y="564"/>
-                    <a:pt x="6382" y="745"/>
-                    <a:pt x="4778" y="1124"/>
-                  </a:cubicBezTo>
-                  <a:cubicBezTo>
-                    <a:pt x="1448" y="1911"/>
-                    <a:pt x="1" y="3864"/>
-                    <a:pt x="687" y="6601"/>
-                  </a:cubicBezTo>
-                  <a:cubicBezTo>
-                    <a:pt x="1377" y="9350"/>
-                    <a:pt x="1723" y="10725"/>
-                    <a:pt x="2413" y="13474"/>
-                  </a:cubicBezTo>
-                  <a:cubicBezTo>
-                    <a:pt x="2552" y="14027"/>
-                    <a:pt x="2943" y="14296"/>
-                    <a:pt x="3593" y="14315"/>
-                  </a:cubicBezTo>
-                  <a:cubicBezTo>
-                    <a:pt x="7010" y="14402"/>
-                    <a:pt x="8708" y="14483"/>
-                    <a:pt x="12078" y="14717"/>
-                  </a:cubicBezTo>
-                  <a:lnTo>
-                    <a:pt x="12882" y="18631"/>
-                  </a:lnTo>
-                  <a:cubicBezTo>
-                    <a:pt x="13046" y="19425"/>
-                    <a:pt x="12666" y="19904"/>
-                    <a:pt x="11816" y="20094"/>
-                  </a:cubicBezTo>
-                  <a:cubicBezTo>
-                    <a:pt x="11189" y="20233"/>
-                    <a:pt x="10875" y="20304"/>
-                    <a:pt x="10249" y="20448"/>
-                  </a:cubicBezTo>
-                  <a:cubicBezTo>
-                    <a:pt x="10082" y="20487"/>
-                    <a:pt x="9925" y="20507"/>
-                    <a:pt x="9780" y="20507"/>
-                  </a:cubicBezTo>
-                  <a:cubicBezTo>
-                    <a:pt x="9214" y="20507"/>
-                    <a:pt x="8820" y="20211"/>
-                    <a:pt x="8677" y="19582"/>
-                  </a:cubicBezTo>
-                  <a:cubicBezTo>
-                    <a:pt x="8472" y="18681"/>
-                    <a:pt x="8370" y="18229"/>
-                    <a:pt x="8164" y="17328"/>
-                  </a:cubicBezTo>
-                  <a:cubicBezTo>
-                    <a:pt x="8107" y="17077"/>
-                    <a:pt x="7974" y="16957"/>
-                    <a:pt x="7746" y="16957"/>
-                  </a:cubicBezTo>
-                  <a:cubicBezTo>
-                    <a:pt x="7681" y="16957"/>
-                    <a:pt x="7607" y="16967"/>
-                    <a:pt x="7526" y="16986"/>
-                  </a:cubicBezTo>
-                  <a:cubicBezTo>
-                    <a:pt x="6144" y="17318"/>
-                    <a:pt x="5454" y="17491"/>
-                    <a:pt x="4076" y="17849"/>
-                  </a:cubicBezTo>
-                  <a:cubicBezTo>
-                    <a:pt x="3745" y="17934"/>
-                    <a:pt x="3583" y="18133"/>
-                    <a:pt x="3663" y="18453"/>
-                  </a:cubicBezTo>
-                  <a:lnTo>
-                    <a:pt x="4432" y="21510"/>
-                  </a:lnTo>
-                  <a:cubicBezTo>
-                    <a:pt x="4979" y="23687"/>
-                    <a:pt x="6347" y="24774"/>
-                    <a:pt x="8380" y="24774"/>
-                  </a:cubicBezTo>
-                  <a:cubicBezTo>
-                    <a:pt x="8904" y="24774"/>
-                    <a:pt x="9471" y="24702"/>
-                    <a:pt x="10080" y="24558"/>
-                  </a:cubicBezTo>
-                  <a:cubicBezTo>
-                    <a:pt x="11513" y="24218"/>
-                    <a:pt x="12230" y="24056"/>
-                    <a:pt x="13668" y="23745"/>
-                  </a:cubicBezTo>
-                  <a:cubicBezTo>
-                    <a:pt x="16684" y="23093"/>
-                    <a:pt x="18025" y="21325"/>
-                    <a:pt x="17518" y="18547"/>
-                  </a:cubicBezTo>
-                  <a:cubicBezTo>
-                    <a:pt x="17018" y="15816"/>
-                    <a:pt x="16769" y="14451"/>
-                    <a:pt x="16270" y="11720"/>
-                  </a:cubicBezTo>
-                  <a:cubicBezTo>
-                    <a:pt x="16167" y="11159"/>
-                    <a:pt x="15801" y="10891"/>
-                    <a:pt x="15182" y="10799"/>
-                  </a:cubicBezTo>
-                  <a:cubicBezTo>
-                    <a:pt x="11759" y="10513"/>
-                    <a:pt x="10033" y="10406"/>
-                    <a:pt x="6559" y="10270"/>
-                  </a:cubicBezTo>
-                  <a:cubicBezTo>
-                    <a:pt x="6191" y="8654"/>
-                    <a:pt x="6006" y="7845"/>
-                    <a:pt x="5639" y="6229"/>
-                  </a:cubicBezTo>
-                  <a:cubicBezTo>
-                    <a:pt x="5465" y="5468"/>
-                    <a:pt x="5899" y="4930"/>
-                    <a:pt x="6779" y="4728"/>
-                  </a:cubicBezTo>
-                  <a:cubicBezTo>
-                    <a:pt x="7454" y="4572"/>
-                    <a:pt x="7793" y="4495"/>
-                    <a:pt x="8469" y="4345"/>
-                  </a:cubicBezTo>
-                  <a:cubicBezTo>
-                    <a:pt x="8663" y="4302"/>
-                    <a:pt x="8840" y="4281"/>
-                    <a:pt x="9001" y="4281"/>
-                  </a:cubicBezTo>
-                  <a:cubicBezTo>
-                    <a:pt x="9627" y="4281"/>
-                    <a:pt x="9997" y="4604"/>
-                    <a:pt x="10122" y="5213"/>
-                  </a:cubicBezTo>
-                  <a:lnTo>
-                    <a:pt x="10595" y="7508"/>
-                  </a:lnTo>
-                  <a:cubicBezTo>
-                    <a:pt x="10644" y="7748"/>
-                    <a:pt x="10817" y="7880"/>
-                    <a:pt x="11067" y="7880"/>
-                  </a:cubicBezTo>
-                  <a:cubicBezTo>
-                    <a:pt x="11123" y="7880"/>
-                    <a:pt x="11183" y="7874"/>
-                    <a:pt x="11246" y="7861"/>
-                  </a:cubicBezTo>
-                  <a:cubicBezTo>
-                    <a:pt x="12688" y="7555"/>
-                    <a:pt x="13410" y="7408"/>
-                    <a:pt x="14855" y="7127"/>
-                  </a:cubicBezTo>
-                  <a:cubicBezTo>
-                    <a:pt x="15237" y="7054"/>
-                    <a:pt x="15379" y="6844"/>
-                    <a:pt x="15325" y="6548"/>
-                  </a:cubicBezTo>
-                  <a:lnTo>
-                    <a:pt x="14752" y="3415"/>
-                  </a:lnTo>
-                  <a:cubicBezTo>
-                    <a:pt x="14345" y="1183"/>
-                    <a:pt x="12924" y="0"/>
-                    <a:pt x="10631" y="0"/>
-                  </a:cubicBezTo>
-                  <a:close/>
-                </a:path>
-              </a:pathLst>
-            </a:custGeom>
-            <a:solidFill>
-              <a:srgbClr val="FFFFFF"/>
-            </a:solidFill>
-            <a:ln>
-              <a:noFill/>
-            </a:ln>
-          </p:spPr>
-          <p:txBody>
-            <a:bodyPr spcFirstLastPara="1" wrap="square" lIns="121900" tIns="121900" rIns="121900" bIns="121900" anchor="ctr" anchorCtr="0">
-              <a:noAutofit/>
-            </a:bodyPr>
-            <a:lstStyle/>
-            <a:p>
-              <a:pPr defTabSz="1219170">
-                <a:buClr>
-                  <a:srgbClr val="000000"/>
-                </a:buClr>
-              </a:pPr>
-              <a:endParaRPr sz="1867" kern="0">
-                <a:solidFill>
-                  <a:srgbClr val="000000"/>
-                </a:solidFill>
-                <a:latin typeface="Arial"/>
-                <a:cs typeface="Arial"/>
-                <a:sym typeface="Arial"/>
-              </a:endParaRPr>
-            </a:p>
-          </p:txBody>
-        </p:sp>
-        <p:sp>
-          <p:nvSpPr>
-            <p:cNvPr id="176" name="Google Shape;176;p27"/>
-            <p:cNvSpPr/>
-            <p:nvPr/>
-          </p:nvSpPr>
-          <p:spPr>
-            <a:xfrm>
-              <a:off x="2915525" y="3448625"/>
-              <a:ext cx="410350" cy="613225"/>
-            </a:xfrm>
-            <a:custGeom>
-              <a:avLst/>
-              <a:gdLst/>
-              <a:ahLst/>
-              <a:cxnLst/>
-              <a:rect l="l" t="t" r="r" b="b"/>
-              <a:pathLst>
-                <a:path w="16414" h="24529" extrusionOk="0">
-                  <a:moveTo>
-                    <a:pt x="8933" y="4018"/>
-                  </a:moveTo>
-                  <a:cubicBezTo>
-                    <a:pt x="9659" y="4018"/>
-                    <a:pt x="10089" y="4377"/>
-                    <a:pt x="10168" y="5055"/>
-                  </a:cubicBezTo>
-                  <a:cubicBezTo>
-                    <a:pt x="10706" y="9653"/>
-                    <a:pt x="11243" y="14250"/>
-                    <a:pt x="11779" y="18848"/>
-                  </a:cubicBezTo>
-                  <a:cubicBezTo>
-                    <a:pt x="11874" y="19653"/>
-                    <a:pt x="11457" y="20096"/>
-                    <a:pt x="10598" y="20207"/>
-                  </a:cubicBezTo>
-                  <a:cubicBezTo>
-                    <a:pt x="9831" y="20306"/>
-                    <a:pt x="9449" y="20358"/>
-                    <a:pt x="8682" y="20464"/>
-                  </a:cubicBezTo>
-                  <a:cubicBezTo>
-                    <a:pt x="8566" y="20481"/>
-                    <a:pt x="8456" y="20489"/>
-                    <a:pt x="8353" y="20489"/>
-                  </a:cubicBezTo>
-                  <a:cubicBezTo>
-                    <a:pt x="7691" y="20489"/>
-                    <a:pt x="7292" y="20157"/>
-                    <a:pt x="7195" y="19462"/>
-                  </a:cubicBezTo>
-                  <a:cubicBezTo>
-                    <a:pt x="6555" y="14879"/>
-                    <a:pt x="5914" y="10295"/>
-                    <a:pt x="5274" y="5710"/>
-                  </a:cubicBezTo>
-                  <a:cubicBezTo>
-                    <a:pt x="5167" y="4937"/>
-                    <a:pt x="5607" y="4447"/>
-                    <a:pt x="6534" y="4318"/>
-                  </a:cubicBezTo>
-                  <a:cubicBezTo>
-                    <a:pt x="7360" y="4203"/>
-                    <a:pt x="7774" y="4147"/>
-                    <a:pt x="8601" y="4041"/>
-                  </a:cubicBezTo>
-                  <a:cubicBezTo>
-                    <a:pt x="8717" y="4026"/>
-                    <a:pt x="8828" y="4018"/>
-                    <a:pt x="8933" y="4018"/>
-                  </a:cubicBezTo>
-                  <a:close/>
-                  <a:moveTo>
-                    <a:pt x="10219" y="0"/>
-                  </a:moveTo>
-                  <a:cubicBezTo>
-                    <a:pt x="9846" y="0"/>
-                    <a:pt x="9451" y="26"/>
-                    <a:pt x="9034" y="78"/>
-                  </a:cubicBezTo>
-                  <a:cubicBezTo>
-                    <a:pt x="7407" y="280"/>
-                    <a:pt x="6595" y="391"/>
-                    <a:pt x="4971" y="624"/>
-                  </a:cubicBezTo>
-                  <a:cubicBezTo>
-                    <a:pt x="1564" y="1115"/>
-                    <a:pt x="0" y="2923"/>
-                    <a:pt x="451" y="5710"/>
-                  </a:cubicBezTo>
-                  <a:cubicBezTo>
-                    <a:pt x="1270" y="10773"/>
-                    <a:pt x="2089" y="15835"/>
-                    <a:pt x="2907" y="20898"/>
-                  </a:cubicBezTo>
-                  <a:cubicBezTo>
-                    <a:pt x="3298" y="23311"/>
-                    <a:pt x="4738" y="24529"/>
-                    <a:pt x="7091" y="24529"/>
-                  </a:cubicBezTo>
-                  <a:cubicBezTo>
-                    <a:pt x="7456" y="24529"/>
-                    <a:pt x="7844" y="24499"/>
-                    <a:pt x="8254" y="24440"/>
-                  </a:cubicBezTo>
-                  <a:cubicBezTo>
-                    <a:pt x="9704" y="24231"/>
-                    <a:pt x="10430" y="24133"/>
-                    <a:pt x="11882" y="23953"/>
-                  </a:cubicBezTo>
-                  <a:cubicBezTo>
-                    <a:pt x="14931" y="23573"/>
-                    <a:pt x="16414" y="21932"/>
-                    <a:pt x="16145" y="19119"/>
-                  </a:cubicBezTo>
-                  <a:lnTo>
-                    <a:pt x="14678" y="3799"/>
-                  </a:lnTo>
-                  <a:cubicBezTo>
-                    <a:pt x="14442" y="1330"/>
-                    <a:pt x="12900" y="0"/>
-                    <a:pt x="10219" y="0"/>
-                  </a:cubicBezTo>
-                  <a:close/>
-                </a:path>
-              </a:pathLst>
-            </a:custGeom>
-            <a:solidFill>
-              <a:srgbClr val="FFFFFF"/>
-            </a:solidFill>
-            <a:ln>
-              <a:noFill/>
-            </a:ln>
-          </p:spPr>
-          <p:txBody>
-            <a:bodyPr spcFirstLastPara="1" wrap="square" lIns="121900" tIns="121900" rIns="121900" bIns="121900" anchor="ctr" anchorCtr="0">
-              <a:noAutofit/>
-            </a:bodyPr>
-            <a:lstStyle/>
-            <a:p>
-              <a:pPr defTabSz="1219170">
-                <a:buClr>
-                  <a:srgbClr val="000000"/>
-                </a:buClr>
-              </a:pPr>
-              <a:endParaRPr sz="1867" kern="0">
-                <a:solidFill>
-                  <a:srgbClr val="000000"/>
-                </a:solidFill>
-                <a:latin typeface="Arial"/>
-                <a:cs typeface="Arial"/>
-                <a:sym typeface="Arial"/>
-              </a:endParaRPr>
-            </a:p>
-          </p:txBody>
-        </p:sp>
-        <p:sp>
-          <p:nvSpPr>
-            <p:cNvPr id="177" name="Google Shape;177;p27"/>
-            <p:cNvSpPr/>
-            <p:nvPr/>
-          </p:nvSpPr>
-          <p:spPr>
-            <a:xfrm>
-              <a:off x="3388800" y="3412225"/>
-              <a:ext cx="368600" cy="605550"/>
-            </a:xfrm>
-            <a:custGeom>
-              <a:avLst/>
-              <a:gdLst/>
-              <a:ahLst/>
-              <a:cxnLst/>
-              <a:rect l="l" t="t" r="r" b="b"/>
-              <a:pathLst>
-                <a:path w="14744" h="24222" extrusionOk="0">
-                  <a:moveTo>
-                    <a:pt x="9628" y="1"/>
-                  </a:moveTo>
-                  <a:cubicBezTo>
-                    <a:pt x="9508" y="1"/>
-                    <a:pt x="9385" y="3"/>
-                    <a:pt x="9260" y="8"/>
-                  </a:cubicBezTo>
-                  <a:cubicBezTo>
-                    <a:pt x="7624" y="64"/>
-                    <a:pt x="6807" y="101"/>
-                    <a:pt x="5174" y="189"/>
-                  </a:cubicBezTo>
-                  <a:cubicBezTo>
-                    <a:pt x="1744" y="375"/>
-                    <a:pt x="0" y="2039"/>
-                    <a:pt x="212" y="4856"/>
-                  </a:cubicBezTo>
-                  <a:lnTo>
-                    <a:pt x="1368" y="20204"/>
-                  </a:lnTo>
-                  <a:cubicBezTo>
-                    <a:pt x="1568" y="22869"/>
-                    <a:pt x="3163" y="24221"/>
-                    <a:pt x="5925" y="24221"/>
-                  </a:cubicBezTo>
-                  <a:cubicBezTo>
-                    <a:pt x="6084" y="24221"/>
-                    <a:pt x="6246" y="24217"/>
-                    <a:pt x="6413" y="24208"/>
-                  </a:cubicBezTo>
-                  <a:cubicBezTo>
-                    <a:pt x="7872" y="24129"/>
-                    <a:pt x="8603" y="24096"/>
-                    <a:pt x="10063" y="24045"/>
-                  </a:cubicBezTo>
-                  <a:cubicBezTo>
-                    <a:pt x="13096" y="23940"/>
-                    <a:pt x="14743" y="22436"/>
-                    <a:pt x="14714" y="19610"/>
-                  </a:cubicBezTo>
-                  <a:cubicBezTo>
-                    <a:pt x="14702" y="18310"/>
-                    <a:pt x="14695" y="17661"/>
-                    <a:pt x="14682" y="16362"/>
-                  </a:cubicBezTo>
-                  <a:cubicBezTo>
-                    <a:pt x="14679" y="16066"/>
-                    <a:pt x="14479" y="15887"/>
-                    <a:pt x="14147" y="15887"/>
-                  </a:cubicBezTo>
-                  <a:cubicBezTo>
-                    <a:pt x="14143" y="15887"/>
-                    <a:pt x="14139" y="15887"/>
-                    <a:pt x="14135" y="15887"/>
-                  </a:cubicBezTo>
-                  <a:cubicBezTo>
-                    <a:pt x="12777" y="15906"/>
-                    <a:pt x="12100" y="15920"/>
-                    <a:pt x="10744" y="15962"/>
-                  </a:cubicBezTo>
-                  <a:cubicBezTo>
-                    <a:pt x="10370" y="15973"/>
-                    <a:pt x="10206" y="16159"/>
-                    <a:pt x="10215" y="16459"/>
-                  </a:cubicBezTo>
-                  <a:lnTo>
-                    <a:pt x="10292" y="18863"/>
-                  </a:lnTo>
-                  <a:cubicBezTo>
-                    <a:pt x="10318" y="19674"/>
-                    <a:pt x="9864" y="20079"/>
-                    <a:pt x="8999" y="20114"/>
-                  </a:cubicBezTo>
-                  <a:cubicBezTo>
-                    <a:pt x="8309" y="20142"/>
-                    <a:pt x="7963" y="20157"/>
-                    <a:pt x="7272" y="20190"/>
-                  </a:cubicBezTo>
-                  <a:cubicBezTo>
-                    <a:pt x="7228" y="20193"/>
-                    <a:pt x="7185" y="20194"/>
-                    <a:pt x="7143" y="20194"/>
-                  </a:cubicBezTo>
-                  <a:cubicBezTo>
-                    <a:pt x="6359" y="20194"/>
-                    <a:pt x="5920" y="19828"/>
-                    <a:pt x="5879" y="19058"/>
-                  </a:cubicBezTo>
-                  <a:cubicBezTo>
-                    <a:pt x="5637" y="14496"/>
-                    <a:pt x="5396" y="9932"/>
-                    <a:pt x="5155" y="5369"/>
-                  </a:cubicBezTo>
-                  <a:cubicBezTo>
-                    <a:pt x="5113" y="4588"/>
-                    <a:pt x="5556" y="4140"/>
-                    <a:pt x="6524" y="4094"/>
-                  </a:cubicBezTo>
-                  <a:cubicBezTo>
-                    <a:pt x="7269" y="4057"/>
-                    <a:pt x="7642" y="4040"/>
-                    <a:pt x="8388" y="4011"/>
-                  </a:cubicBezTo>
-                  <a:cubicBezTo>
-                    <a:pt x="8427" y="4010"/>
-                    <a:pt x="8466" y="4009"/>
-                    <a:pt x="8505" y="4009"/>
-                  </a:cubicBezTo>
-                  <a:cubicBezTo>
-                    <a:pt x="9363" y="4009"/>
-                    <a:pt x="9836" y="4413"/>
-                    <a:pt x="9859" y="5161"/>
-                  </a:cubicBezTo>
-                  <a:lnTo>
-                    <a:pt x="9935" y="7565"/>
-                  </a:lnTo>
-                  <a:cubicBezTo>
-                    <a:pt x="9945" y="7855"/>
-                    <a:pt x="10115" y="8028"/>
-                    <a:pt x="10476" y="8028"/>
-                  </a:cubicBezTo>
-                  <a:cubicBezTo>
-                    <a:pt x="10488" y="8028"/>
-                    <a:pt x="10501" y="8028"/>
-                    <a:pt x="10514" y="8028"/>
-                  </a:cubicBezTo>
-                  <a:cubicBezTo>
-                    <a:pt x="11921" y="7985"/>
-                    <a:pt x="12625" y="7970"/>
-                    <a:pt x="14033" y="7952"/>
-                  </a:cubicBezTo>
-                  <a:cubicBezTo>
-                    <a:pt x="14385" y="7946"/>
-                    <a:pt x="14594" y="7765"/>
-                    <a:pt x="14592" y="7464"/>
-                  </a:cubicBezTo>
-                  <a:cubicBezTo>
-                    <a:pt x="14579" y="6165"/>
-                    <a:pt x="14572" y="5516"/>
-                    <a:pt x="14560" y="4217"/>
-                  </a:cubicBezTo>
-                  <a:cubicBezTo>
-                    <a:pt x="14532" y="1496"/>
-                    <a:pt x="12789" y="1"/>
-                    <a:pt x="9628" y="1"/>
-                  </a:cubicBezTo>
-                  <a:close/>
-                </a:path>
-              </a:pathLst>
-            </a:custGeom>
-            <a:solidFill>
-              <a:srgbClr val="FFFFFF"/>
-            </a:solidFill>
-            <a:ln>
-              <a:noFill/>
-            </a:ln>
-          </p:spPr>
-          <p:txBody>
-            <a:bodyPr spcFirstLastPara="1" wrap="square" lIns="121900" tIns="121900" rIns="121900" bIns="121900" anchor="ctr" anchorCtr="0">
-              <a:noAutofit/>
-            </a:bodyPr>
-            <a:lstStyle/>
-            <a:p>
-              <a:pPr defTabSz="1219170">
-                <a:buClr>
-                  <a:srgbClr val="000000"/>
-                </a:buClr>
-              </a:pPr>
-              <a:endParaRPr sz="1867" kern="0">
-                <a:solidFill>
-                  <a:srgbClr val="000000"/>
-                </a:solidFill>
-                <a:latin typeface="Arial"/>
-                <a:cs typeface="Arial"/>
-                <a:sym typeface="Arial"/>
-              </a:endParaRPr>
-            </a:p>
-          </p:txBody>
-        </p:sp>
-        <p:sp>
-          <p:nvSpPr>
-            <p:cNvPr id="178" name="Google Shape;178;p27"/>
-            <p:cNvSpPr/>
-            <p:nvPr/>
-          </p:nvSpPr>
-          <p:spPr>
-            <a:xfrm>
-              <a:off x="3860075" y="3412275"/>
-              <a:ext cx="368600" cy="605550"/>
-            </a:xfrm>
-            <a:custGeom>
-              <a:avLst/>
-              <a:gdLst/>
-              <a:ahLst/>
-              <a:cxnLst/>
-              <a:rect l="l" t="t" r="r" b="b"/>
-              <a:pathLst>
-                <a:path w="14744" h="24222" extrusionOk="0">
-                  <a:moveTo>
-                    <a:pt x="5142" y="1"/>
-                  </a:moveTo>
-                  <a:cubicBezTo>
-                    <a:pt x="1953" y="1"/>
-                    <a:pt x="212" y="1495"/>
-                    <a:pt x="184" y="4215"/>
-                  </a:cubicBezTo>
-                  <a:lnTo>
-                    <a:pt x="28" y="19608"/>
-                  </a:lnTo>
-                  <a:cubicBezTo>
-                    <a:pt x="1" y="22434"/>
-                    <a:pt x="1648" y="23938"/>
-                    <a:pt x="4713" y="24046"/>
-                  </a:cubicBezTo>
-                  <a:cubicBezTo>
-                    <a:pt x="6173" y="24097"/>
-                    <a:pt x="6903" y="24129"/>
-                    <a:pt x="8363" y="24208"/>
-                  </a:cubicBezTo>
-                  <a:cubicBezTo>
-                    <a:pt x="8528" y="24217"/>
-                    <a:pt x="8689" y="24221"/>
-                    <a:pt x="8846" y="24221"/>
-                  </a:cubicBezTo>
-                  <a:cubicBezTo>
-                    <a:pt x="11581" y="24221"/>
-                    <a:pt x="13176" y="22868"/>
-                    <a:pt x="13376" y="20203"/>
-                  </a:cubicBezTo>
-                  <a:cubicBezTo>
-                    <a:pt x="13474" y="18908"/>
-                    <a:pt x="13523" y="18261"/>
-                    <a:pt x="13620" y="16966"/>
-                  </a:cubicBezTo>
-                  <a:cubicBezTo>
-                    <a:pt x="13643" y="16666"/>
-                    <a:pt x="13453" y="16471"/>
-                    <a:pt x="13115" y="16445"/>
-                  </a:cubicBezTo>
-                  <a:cubicBezTo>
-                    <a:pt x="11761" y="16341"/>
-                    <a:pt x="11083" y="16296"/>
-                    <a:pt x="9728" y="16216"/>
-                  </a:cubicBezTo>
-                  <a:cubicBezTo>
-                    <a:pt x="9708" y="16215"/>
-                    <a:pt x="9687" y="16214"/>
-                    <a:pt x="9668" y="16214"/>
-                  </a:cubicBezTo>
-                  <a:cubicBezTo>
-                    <a:pt x="9336" y="16214"/>
-                    <a:pt x="9176" y="16382"/>
-                    <a:pt x="9161" y="16665"/>
-                  </a:cubicBezTo>
-                  <a:cubicBezTo>
-                    <a:pt x="9109" y="17625"/>
-                    <a:pt x="9083" y="18106"/>
-                    <a:pt x="9032" y="19067"/>
-                  </a:cubicBezTo>
-                  <a:cubicBezTo>
-                    <a:pt x="8990" y="19836"/>
-                    <a:pt x="8552" y="20201"/>
-                    <a:pt x="7770" y="20201"/>
-                  </a:cubicBezTo>
-                  <a:cubicBezTo>
-                    <a:pt x="7727" y="20201"/>
-                    <a:pt x="7683" y="20200"/>
-                    <a:pt x="7638" y="20197"/>
-                  </a:cubicBezTo>
-                  <a:cubicBezTo>
-                    <a:pt x="6947" y="20163"/>
-                    <a:pt x="6601" y="20147"/>
-                    <a:pt x="5910" y="20120"/>
-                  </a:cubicBezTo>
-                  <a:cubicBezTo>
-                    <a:pt x="5046" y="20084"/>
-                    <a:pt x="4593" y="19680"/>
-                    <a:pt x="4620" y="18868"/>
-                  </a:cubicBezTo>
-                  <a:cubicBezTo>
-                    <a:pt x="4767" y="14301"/>
-                    <a:pt x="4915" y="9733"/>
-                    <a:pt x="5063" y="5166"/>
-                  </a:cubicBezTo>
-                  <a:cubicBezTo>
-                    <a:pt x="5087" y="4420"/>
-                    <a:pt x="5526" y="4015"/>
-                    <a:pt x="6411" y="4015"/>
-                  </a:cubicBezTo>
-                  <a:cubicBezTo>
-                    <a:pt x="6452" y="4015"/>
-                    <a:pt x="6493" y="4016"/>
-                    <a:pt x="6535" y="4017"/>
-                  </a:cubicBezTo>
-                  <a:cubicBezTo>
-                    <a:pt x="7281" y="4047"/>
-                    <a:pt x="7654" y="4064"/>
-                    <a:pt x="8399" y="4101"/>
-                  </a:cubicBezTo>
-                  <a:cubicBezTo>
-                    <a:pt x="9330" y="4147"/>
-                    <a:pt x="9810" y="4597"/>
-                    <a:pt x="9767" y="5378"/>
-                  </a:cubicBezTo>
-                  <a:cubicBezTo>
-                    <a:pt x="9716" y="6338"/>
-                    <a:pt x="9689" y="6818"/>
-                    <a:pt x="9638" y="7779"/>
-                  </a:cubicBezTo>
-                  <a:cubicBezTo>
-                    <a:pt x="9622" y="8079"/>
-                    <a:pt x="9788" y="8269"/>
-                    <a:pt x="10174" y="8291"/>
-                  </a:cubicBezTo>
-                  <a:cubicBezTo>
-                    <a:pt x="11582" y="8374"/>
-                    <a:pt x="12284" y="8422"/>
-                    <a:pt x="13690" y="8528"/>
-                  </a:cubicBezTo>
-                  <a:cubicBezTo>
-                    <a:pt x="13715" y="8530"/>
-                    <a:pt x="13739" y="8531"/>
-                    <a:pt x="13763" y="8531"/>
-                  </a:cubicBezTo>
-                  <a:cubicBezTo>
-                    <a:pt x="14071" y="8531"/>
-                    <a:pt x="14267" y="8370"/>
-                    <a:pt x="14287" y="8092"/>
-                  </a:cubicBezTo>
-                  <a:cubicBezTo>
-                    <a:pt x="14385" y="6797"/>
-                    <a:pt x="14433" y="6149"/>
-                    <a:pt x="14532" y="4855"/>
-                  </a:cubicBezTo>
-                  <a:cubicBezTo>
-                    <a:pt x="14743" y="2037"/>
-                    <a:pt x="12999" y="374"/>
-                    <a:pt x="9607" y="190"/>
-                  </a:cubicBezTo>
-                  <a:cubicBezTo>
-                    <a:pt x="7974" y="101"/>
-                    <a:pt x="7156" y="65"/>
-                    <a:pt x="5521" y="8"/>
-                  </a:cubicBezTo>
-                  <a:cubicBezTo>
-                    <a:pt x="5392" y="3"/>
-                    <a:pt x="5266" y="1"/>
-                    <a:pt x="5142" y="1"/>
-                  </a:cubicBezTo>
-                  <a:close/>
-                </a:path>
-              </a:pathLst>
-            </a:custGeom>
-            <a:solidFill>
-              <a:srgbClr val="FFFFFF"/>
-            </a:solidFill>
-            <a:ln>
-              <a:noFill/>
-            </a:ln>
-          </p:spPr>
-          <p:txBody>
-            <a:bodyPr spcFirstLastPara="1" wrap="square" lIns="121900" tIns="121900" rIns="121900" bIns="121900" anchor="ctr" anchorCtr="0">
-              <a:noAutofit/>
-            </a:bodyPr>
-            <a:lstStyle/>
-            <a:p>
-              <a:pPr defTabSz="1219170">
-                <a:buClr>
-                  <a:srgbClr val="000000"/>
-                </a:buClr>
-              </a:pPr>
-              <a:endParaRPr sz="1867" kern="0">
-                <a:solidFill>
-                  <a:srgbClr val="000000"/>
-                </a:solidFill>
-                <a:latin typeface="Arial"/>
-                <a:cs typeface="Arial"/>
-                <a:sym typeface="Arial"/>
-              </a:endParaRPr>
-            </a:p>
-          </p:txBody>
-        </p:sp>
-        <p:sp>
-          <p:nvSpPr>
-            <p:cNvPr id="179" name="Google Shape;179;p27"/>
-            <p:cNvSpPr/>
-            <p:nvPr/>
-          </p:nvSpPr>
-          <p:spPr>
-            <a:xfrm>
-              <a:off x="4288400" y="3437100"/>
-              <a:ext cx="417925" cy="638825"/>
-            </a:xfrm>
-            <a:custGeom>
-              <a:avLst/>
-              <a:gdLst/>
-              <a:ahLst/>
-              <a:cxnLst/>
-              <a:rect l="l" t="t" r="r" b="b"/>
-              <a:pathLst>
-                <a:path w="16717" h="25553" extrusionOk="0">
-                  <a:moveTo>
-                    <a:pt x="2735" y="1"/>
-                  </a:moveTo>
-                  <a:cubicBezTo>
-                    <a:pt x="2451" y="1"/>
-                    <a:pt x="2254" y="156"/>
-                    <a:pt x="2227" y="429"/>
-                  </a:cubicBezTo>
-                  <a:cubicBezTo>
-                    <a:pt x="1494" y="8089"/>
-                    <a:pt x="761" y="15749"/>
-                    <a:pt x="28" y="23410"/>
-                  </a:cubicBezTo>
-                  <a:cubicBezTo>
-                    <a:pt x="0" y="23709"/>
-                    <a:pt x="178" y="23908"/>
-                    <a:pt x="470" y="23938"/>
-                  </a:cubicBezTo>
-                  <a:cubicBezTo>
-                    <a:pt x="4461" y="24347"/>
-                    <a:pt x="8436" y="24881"/>
-                    <a:pt x="12392" y="25538"/>
-                  </a:cubicBezTo>
-                  <a:cubicBezTo>
-                    <a:pt x="12451" y="25548"/>
-                    <a:pt x="12504" y="25552"/>
-                    <a:pt x="12552" y="25552"/>
-                  </a:cubicBezTo>
-                  <a:cubicBezTo>
-                    <a:pt x="12825" y="25552"/>
-                    <a:pt x="12946" y="25402"/>
-                    <a:pt x="12986" y="25150"/>
-                  </a:cubicBezTo>
-                  <a:cubicBezTo>
-                    <a:pt x="13178" y="23964"/>
-                    <a:pt x="13273" y="23371"/>
-                    <a:pt x="13466" y="22184"/>
-                  </a:cubicBezTo>
-                  <a:cubicBezTo>
-                    <a:pt x="13518" y="21858"/>
-                    <a:pt x="13410" y="21686"/>
-                    <a:pt x="13015" y="21621"/>
-                  </a:cubicBezTo>
-                  <a:cubicBezTo>
-                    <a:pt x="9722" y="21074"/>
-                    <a:pt x="8071" y="20835"/>
-                    <a:pt x="4764" y="20429"/>
-                  </a:cubicBezTo>
-                  <a:cubicBezTo>
-                    <a:pt x="5047" y="18017"/>
-                    <a:pt x="5189" y="16811"/>
-                    <a:pt x="5472" y="14400"/>
-                  </a:cubicBezTo>
-                  <a:cubicBezTo>
-                    <a:pt x="8075" y="14720"/>
-                    <a:pt x="9373" y="14900"/>
-                    <a:pt x="11967" y="15304"/>
-                  </a:cubicBezTo>
-                  <a:cubicBezTo>
-                    <a:pt x="12013" y="15311"/>
-                    <a:pt x="12057" y="15315"/>
-                    <a:pt x="12098" y="15315"/>
-                  </a:cubicBezTo>
-                  <a:cubicBezTo>
-                    <a:pt x="12365" y="15315"/>
-                    <a:pt x="12544" y="15168"/>
-                    <a:pt x="12587" y="14885"/>
-                  </a:cubicBezTo>
-                  <a:cubicBezTo>
-                    <a:pt x="12765" y="13709"/>
-                    <a:pt x="12854" y="13120"/>
-                    <a:pt x="13033" y="11943"/>
-                  </a:cubicBezTo>
-                  <a:cubicBezTo>
-                    <a:pt x="13082" y="11617"/>
-                    <a:pt x="12902" y="11406"/>
-                    <a:pt x="12556" y="11351"/>
-                  </a:cubicBezTo>
-                  <a:cubicBezTo>
-                    <a:pt x="9914" y="10940"/>
-                    <a:pt x="8590" y="10755"/>
-                    <a:pt x="5939" y="10430"/>
-                  </a:cubicBezTo>
-                  <a:cubicBezTo>
-                    <a:pt x="6220" y="8042"/>
-                    <a:pt x="6360" y="6848"/>
-                    <a:pt x="6641" y="4459"/>
-                  </a:cubicBezTo>
-                  <a:cubicBezTo>
-                    <a:pt x="10207" y="4898"/>
-                    <a:pt x="11988" y="5155"/>
-                    <a:pt x="15539" y="5744"/>
-                  </a:cubicBezTo>
-                  <a:cubicBezTo>
-                    <a:pt x="15601" y="5755"/>
-                    <a:pt x="15658" y="5760"/>
-                    <a:pt x="15710" y="5760"/>
-                  </a:cubicBezTo>
-                  <a:cubicBezTo>
-                    <a:pt x="16014" y="5760"/>
-                    <a:pt x="16148" y="5589"/>
-                    <a:pt x="16189" y="5336"/>
-                  </a:cubicBezTo>
-                  <a:cubicBezTo>
-                    <a:pt x="16380" y="4149"/>
-                    <a:pt x="16476" y="3556"/>
-                    <a:pt x="16669" y="2368"/>
-                  </a:cubicBezTo>
-                  <a:cubicBezTo>
-                    <a:pt x="16716" y="2072"/>
-                    <a:pt x="16601" y="1868"/>
-                    <a:pt x="16167" y="1797"/>
-                  </a:cubicBezTo>
-                  <a:cubicBezTo>
-                    <a:pt x="11720" y="1107"/>
-                    <a:pt x="7288" y="513"/>
-                    <a:pt x="2819" y="5"/>
-                  </a:cubicBezTo>
-                  <a:cubicBezTo>
-                    <a:pt x="2790" y="2"/>
-                    <a:pt x="2762" y="1"/>
-                    <a:pt x="2735" y="1"/>
-                  </a:cubicBezTo>
-                  <a:close/>
-                </a:path>
-              </a:pathLst>
-            </a:custGeom>
-            <a:solidFill>
-              <a:srgbClr val="FFFFFF"/>
-            </a:solidFill>
-            <a:ln>
-              <a:noFill/>
-            </a:ln>
-          </p:spPr>
-          <p:txBody>
-            <a:bodyPr spcFirstLastPara="1" wrap="square" lIns="121900" tIns="121900" rIns="121900" bIns="121900" anchor="ctr" anchorCtr="0">
-              <a:noAutofit/>
-            </a:bodyPr>
-            <a:lstStyle/>
-            <a:p>
-              <a:pPr defTabSz="1219170">
-                <a:buClr>
-                  <a:srgbClr val="000000"/>
-                </a:buClr>
-              </a:pPr>
-              <a:endParaRPr sz="1867" kern="0">
-                <a:solidFill>
-                  <a:srgbClr val="000000"/>
-                </a:solidFill>
-                <a:latin typeface="Arial"/>
-                <a:cs typeface="Arial"/>
-                <a:sym typeface="Arial"/>
-              </a:endParaRPr>
-            </a:p>
-          </p:txBody>
-        </p:sp>
-        <p:sp>
-          <p:nvSpPr>
-            <p:cNvPr id="180" name="Google Shape;180;p27"/>
-            <p:cNvSpPr/>
-            <p:nvPr/>
-          </p:nvSpPr>
-          <p:spPr>
-            <a:xfrm>
-              <a:off x="4704650" y="3505325"/>
-              <a:ext cx="465475" cy="660175"/>
-            </a:xfrm>
-            <a:custGeom>
-              <a:avLst/>
-              <a:gdLst/>
-              <a:ahLst/>
-              <a:cxnLst/>
-              <a:rect l="l" t="t" r="r" b="b"/>
-              <a:pathLst>
-                <a:path w="18619" h="26407" extrusionOk="0">
-                  <a:moveTo>
-                    <a:pt x="8349" y="4777"/>
-                  </a:moveTo>
-                  <a:cubicBezTo>
-                    <a:pt x="9747" y="5075"/>
-                    <a:pt x="10445" y="5230"/>
-                    <a:pt x="11839" y="5552"/>
-                  </a:cubicBezTo>
-                  <a:cubicBezTo>
-                    <a:pt x="12754" y="5763"/>
-                    <a:pt x="13153" y="6292"/>
-                    <a:pt x="12979" y="7053"/>
-                  </a:cubicBezTo>
-                  <a:cubicBezTo>
-                    <a:pt x="12478" y="9254"/>
-                    <a:pt x="12227" y="10356"/>
-                    <a:pt x="11726" y="12558"/>
-                  </a:cubicBezTo>
-                  <a:cubicBezTo>
-                    <a:pt x="11589" y="13163"/>
-                    <a:pt x="11202" y="13474"/>
-                    <a:pt x="10606" y="13474"/>
-                  </a:cubicBezTo>
-                  <a:cubicBezTo>
-                    <a:pt x="10452" y="13474"/>
-                    <a:pt x="10284" y="13453"/>
-                    <a:pt x="10103" y="13412"/>
-                  </a:cubicBezTo>
-                  <a:cubicBezTo>
-                    <a:pt x="8759" y="13101"/>
-                    <a:pt x="8087" y="12952"/>
-                    <a:pt x="6740" y="12665"/>
-                  </a:cubicBezTo>
-                  <a:lnTo>
-                    <a:pt x="8349" y="4777"/>
-                  </a:lnTo>
-                  <a:close/>
-                  <a:moveTo>
-                    <a:pt x="4649" y="1"/>
-                  </a:moveTo>
-                  <a:cubicBezTo>
-                    <a:pt x="4384" y="1"/>
-                    <a:pt x="4206" y="137"/>
-                    <a:pt x="4161" y="382"/>
-                  </a:cubicBezTo>
-                  <a:lnTo>
-                    <a:pt x="54" y="23086"/>
-                  </a:lnTo>
-                  <a:cubicBezTo>
-                    <a:pt x="1" y="23382"/>
-                    <a:pt x="161" y="23595"/>
-                    <a:pt x="484" y="23658"/>
-                  </a:cubicBezTo>
-                  <a:cubicBezTo>
-                    <a:pt x="1823" y="23915"/>
-                    <a:pt x="2492" y="24049"/>
-                    <a:pt x="3827" y="24330"/>
-                  </a:cubicBezTo>
-                  <a:cubicBezTo>
-                    <a:pt x="3881" y="24341"/>
-                    <a:pt x="3933" y="24347"/>
-                    <a:pt x="3982" y="24347"/>
-                  </a:cubicBezTo>
-                  <a:cubicBezTo>
-                    <a:pt x="4221" y="24347"/>
-                    <a:pt x="4386" y="24212"/>
-                    <a:pt x="4436" y="23967"/>
-                  </a:cubicBezTo>
-                  <a:cubicBezTo>
-                    <a:pt x="5041" y="21001"/>
-                    <a:pt x="5344" y="19517"/>
-                    <a:pt x="5949" y="16551"/>
-                  </a:cubicBezTo>
-                  <a:cubicBezTo>
-                    <a:pt x="6870" y="16747"/>
-                    <a:pt x="7330" y="16848"/>
-                    <a:pt x="8250" y="17055"/>
-                  </a:cubicBezTo>
-                  <a:cubicBezTo>
-                    <a:pt x="8499" y="20239"/>
-                    <a:pt x="8607" y="21830"/>
-                    <a:pt x="8791" y="25009"/>
-                  </a:cubicBezTo>
-                  <a:cubicBezTo>
-                    <a:pt x="8795" y="25287"/>
-                    <a:pt x="8921" y="25472"/>
-                    <a:pt x="9241" y="25549"/>
-                  </a:cubicBezTo>
-                  <a:cubicBezTo>
-                    <a:pt x="10571" y="25868"/>
-                    <a:pt x="11234" y="26035"/>
-                    <a:pt x="12560" y="26378"/>
-                  </a:cubicBezTo>
-                  <a:cubicBezTo>
-                    <a:pt x="12632" y="26397"/>
-                    <a:pt x="12700" y="26406"/>
-                    <a:pt x="12762" y="26406"/>
-                  </a:cubicBezTo>
-                  <a:cubicBezTo>
-                    <a:pt x="12997" y="26406"/>
-                    <a:pt x="13143" y="26266"/>
-                    <a:pt x="13137" y="25969"/>
-                  </a:cubicBezTo>
-                  <a:cubicBezTo>
-                    <a:pt x="13020" y="22686"/>
-                    <a:pt x="12944" y="21043"/>
-                    <a:pt x="12757" y="17754"/>
-                  </a:cubicBezTo>
-                  <a:cubicBezTo>
-                    <a:pt x="14499" y="17538"/>
-                    <a:pt x="15656" y="16481"/>
-                    <a:pt x="16146" y="14530"/>
-                  </a:cubicBezTo>
-                  <a:cubicBezTo>
-                    <a:pt x="16859" y="11688"/>
-                    <a:pt x="17217" y="10267"/>
-                    <a:pt x="17931" y="7424"/>
-                  </a:cubicBezTo>
-                  <a:cubicBezTo>
-                    <a:pt x="18618" y="4687"/>
-                    <a:pt x="17205" y="2744"/>
-                    <a:pt x="13840" y="1948"/>
-                  </a:cubicBezTo>
-                  <a:cubicBezTo>
-                    <a:pt x="10246" y="1098"/>
-                    <a:pt x="8441" y="712"/>
-                    <a:pt x="4823" y="18"/>
-                  </a:cubicBezTo>
-                  <a:cubicBezTo>
-                    <a:pt x="4762" y="6"/>
-                    <a:pt x="4704" y="1"/>
-                    <a:pt x="4649" y="1"/>
-                  </a:cubicBezTo>
-                  <a:close/>
-                </a:path>
-              </a:pathLst>
-            </a:custGeom>
-            <a:solidFill>
-              <a:srgbClr val="FFFFFF"/>
-            </a:solidFill>
-            <a:ln>
-              <a:noFill/>
-            </a:ln>
-          </p:spPr>
-          <p:txBody>
-            <a:bodyPr spcFirstLastPara="1" wrap="square" lIns="121900" tIns="121900" rIns="121900" bIns="121900" anchor="ctr" anchorCtr="0">
-              <a:noAutofit/>
-            </a:bodyPr>
-            <a:lstStyle/>
-            <a:p>
-              <a:pPr defTabSz="1219170">
-                <a:buClr>
-                  <a:srgbClr val="000000"/>
-                </a:buClr>
-              </a:pPr>
-              <a:endParaRPr sz="1867" kern="0">
-                <a:solidFill>
-                  <a:srgbClr val="000000"/>
-                </a:solidFill>
-                <a:latin typeface="Arial"/>
-                <a:cs typeface="Arial"/>
-                <a:sym typeface="Arial"/>
-              </a:endParaRPr>
-            </a:p>
-          </p:txBody>
-        </p:sp>
-        <p:sp>
-          <p:nvSpPr>
-            <p:cNvPr id="181" name="Google Shape;181;p27"/>
-            <p:cNvSpPr/>
-            <p:nvPr/>
-          </p:nvSpPr>
-          <p:spPr>
-            <a:xfrm>
-              <a:off x="3501475" y="1350475"/>
-              <a:ext cx="631225" cy="221550"/>
-            </a:xfrm>
-            <a:custGeom>
-              <a:avLst/>
-              <a:gdLst/>
-              <a:ahLst/>
-              <a:cxnLst/>
-              <a:rect l="l" t="t" r="r" b="b"/>
-              <a:pathLst>
-                <a:path w="25249" h="8862" extrusionOk="0">
-                  <a:moveTo>
-                    <a:pt x="12618" y="0"/>
-                  </a:moveTo>
-                  <a:cubicBezTo>
-                    <a:pt x="7746" y="0"/>
-                    <a:pt x="3318" y="816"/>
-                    <a:pt x="25" y="2147"/>
-                  </a:cubicBezTo>
-                  <a:cubicBezTo>
-                    <a:pt x="0" y="2547"/>
-                    <a:pt x="80" y="3528"/>
-                    <a:pt x="1431" y="3653"/>
-                  </a:cubicBezTo>
-                  <a:lnTo>
-                    <a:pt x="1431" y="8857"/>
-                  </a:lnTo>
-                  <a:cubicBezTo>
-                    <a:pt x="4532" y="7833"/>
-                    <a:pt x="8410" y="7225"/>
-                    <a:pt x="12618" y="7225"/>
-                  </a:cubicBezTo>
-                  <a:cubicBezTo>
-                    <a:pt x="16833" y="7225"/>
-                    <a:pt x="20716" y="7835"/>
-                    <a:pt x="23820" y="8861"/>
-                  </a:cubicBezTo>
-                  <a:lnTo>
-                    <a:pt x="23820" y="3653"/>
-                  </a:lnTo>
-                  <a:cubicBezTo>
-                    <a:pt x="25163" y="3528"/>
-                    <a:pt x="25248" y="2556"/>
-                    <a:pt x="25226" y="2152"/>
-                  </a:cubicBezTo>
-                  <a:cubicBezTo>
-                    <a:pt x="21932" y="817"/>
-                    <a:pt x="17497" y="0"/>
-                    <a:pt x="12618" y="0"/>
-                  </a:cubicBezTo>
-                  <a:close/>
-                </a:path>
-              </a:pathLst>
-            </a:custGeom>
-            <a:solidFill>
-              <a:srgbClr val="FFFFFF"/>
-            </a:solidFill>
-            <a:ln>
-              <a:noFill/>
-            </a:ln>
-          </p:spPr>
-          <p:txBody>
-            <a:bodyPr spcFirstLastPara="1" wrap="square" lIns="121900" tIns="121900" rIns="121900" bIns="121900" anchor="ctr" anchorCtr="0">
-              <a:noAutofit/>
-            </a:bodyPr>
-            <a:lstStyle/>
-            <a:p>
-              <a:pPr defTabSz="1219170">
-                <a:buClr>
-                  <a:srgbClr val="000000"/>
-                </a:buClr>
-              </a:pPr>
-              <a:endParaRPr sz="1867" kern="0">
-                <a:solidFill>
-                  <a:srgbClr val="000000"/>
-                </a:solidFill>
-                <a:latin typeface="Arial"/>
-                <a:cs typeface="Arial"/>
-                <a:sym typeface="Arial"/>
-              </a:endParaRPr>
-            </a:p>
-          </p:txBody>
-        </p:sp>
-        <p:sp>
-          <p:nvSpPr>
-            <p:cNvPr id="182" name="Google Shape;182;p27"/>
-            <p:cNvSpPr/>
-            <p:nvPr/>
-          </p:nvSpPr>
-          <p:spPr>
-            <a:xfrm>
-              <a:off x="3333275" y="872075"/>
-              <a:ext cx="967575" cy="493650"/>
-            </a:xfrm>
-            <a:custGeom>
-              <a:avLst/>
-              <a:gdLst/>
-              <a:ahLst/>
-              <a:cxnLst/>
-              <a:rect l="l" t="t" r="r" b="b"/>
-              <a:pathLst>
-                <a:path w="38703" h="19746" extrusionOk="0">
-                  <a:moveTo>
-                    <a:pt x="19352" y="0"/>
-                  </a:moveTo>
-                  <a:cubicBezTo>
-                    <a:pt x="18801" y="4113"/>
-                    <a:pt x="14241" y="5319"/>
-                    <a:pt x="14241" y="5319"/>
-                  </a:cubicBezTo>
-                  <a:cubicBezTo>
-                    <a:pt x="14241" y="5319"/>
-                    <a:pt x="17360" y="6384"/>
-                    <a:pt x="17736" y="11630"/>
-                  </a:cubicBezTo>
-                  <a:cubicBezTo>
-                    <a:pt x="17929" y="14307"/>
-                    <a:pt x="16981" y="16016"/>
-                    <a:pt x="15609" y="16016"/>
-                  </a:cubicBezTo>
-                  <a:cubicBezTo>
-                    <a:pt x="14238" y="16016"/>
-                    <a:pt x="12997" y="15038"/>
-                    <a:pt x="12723" y="13172"/>
-                  </a:cubicBezTo>
-                  <a:cubicBezTo>
-                    <a:pt x="12363" y="10708"/>
-                    <a:pt x="13761" y="8728"/>
-                    <a:pt x="13761" y="8728"/>
-                  </a:cubicBezTo>
-                  <a:cubicBezTo>
-                    <a:pt x="10597" y="7855"/>
-                    <a:pt x="9297" y="3877"/>
-                    <a:pt x="9297" y="3876"/>
-                  </a:cubicBezTo>
-                  <a:lnTo>
-                    <a:pt x="9297" y="3876"/>
-                  </a:lnTo>
-                  <a:cubicBezTo>
-                    <a:pt x="9812" y="8546"/>
-                    <a:pt x="7327" y="10216"/>
-                    <a:pt x="7327" y="10216"/>
-                  </a:cubicBezTo>
-                  <a:cubicBezTo>
-                    <a:pt x="7327" y="10216"/>
-                    <a:pt x="9143" y="10602"/>
-                    <a:pt x="9940" y="12744"/>
-                  </a:cubicBezTo>
-                  <a:cubicBezTo>
-                    <a:pt x="10791" y="15037"/>
-                    <a:pt x="10248" y="16706"/>
-                    <a:pt x="9083" y="17157"/>
-                  </a:cubicBezTo>
-                  <a:cubicBezTo>
-                    <a:pt x="8860" y="17243"/>
-                    <a:pt x="8610" y="17290"/>
-                    <a:pt x="8348" y="17290"/>
-                  </a:cubicBezTo>
-                  <a:cubicBezTo>
-                    <a:pt x="7390" y="17290"/>
-                    <a:pt x="6286" y="16660"/>
-                    <a:pt x="5869" y="15016"/>
-                  </a:cubicBezTo>
-                  <a:cubicBezTo>
-                    <a:pt x="5414" y="13212"/>
-                    <a:pt x="6384" y="11202"/>
-                    <a:pt x="6384" y="11202"/>
-                  </a:cubicBezTo>
-                  <a:cubicBezTo>
-                    <a:pt x="2315" y="9789"/>
-                    <a:pt x="1" y="6661"/>
-                    <a:pt x="1" y="6661"/>
-                  </a:cubicBezTo>
-                  <a:lnTo>
-                    <a:pt x="1" y="6661"/>
-                  </a:lnTo>
-                  <a:lnTo>
-                    <a:pt x="6819" y="19746"/>
-                  </a:lnTo>
-                  <a:cubicBezTo>
-                    <a:pt x="10103" y="18428"/>
-                    <a:pt x="14509" y="17620"/>
-                    <a:pt x="19352" y="17618"/>
-                  </a:cubicBezTo>
-                  <a:cubicBezTo>
-                    <a:pt x="24195" y="17620"/>
-                    <a:pt x="28600" y="18428"/>
-                    <a:pt x="31885" y="19746"/>
-                  </a:cubicBezTo>
-                  <a:lnTo>
-                    <a:pt x="38702" y="6661"/>
-                  </a:lnTo>
-                  <a:lnTo>
-                    <a:pt x="38702" y="6661"/>
-                  </a:lnTo>
-                  <a:cubicBezTo>
-                    <a:pt x="38702" y="6661"/>
-                    <a:pt x="36389" y="9788"/>
-                    <a:pt x="32320" y="11202"/>
-                  </a:cubicBezTo>
-                  <a:cubicBezTo>
-                    <a:pt x="32320" y="11202"/>
-                    <a:pt x="33290" y="13211"/>
-                    <a:pt x="32834" y="15015"/>
-                  </a:cubicBezTo>
-                  <a:cubicBezTo>
-                    <a:pt x="32418" y="16660"/>
-                    <a:pt x="31315" y="17289"/>
-                    <a:pt x="30357" y="17289"/>
-                  </a:cubicBezTo>
-                  <a:cubicBezTo>
-                    <a:pt x="30095" y="17289"/>
-                    <a:pt x="29844" y="17242"/>
-                    <a:pt x="29621" y="17156"/>
-                  </a:cubicBezTo>
-                  <a:cubicBezTo>
-                    <a:pt x="28456" y="16706"/>
-                    <a:pt x="27913" y="15036"/>
-                    <a:pt x="28764" y="12743"/>
-                  </a:cubicBezTo>
-                  <a:cubicBezTo>
-                    <a:pt x="29560" y="10601"/>
-                    <a:pt x="31378" y="10215"/>
-                    <a:pt x="31378" y="10215"/>
-                  </a:cubicBezTo>
-                  <a:cubicBezTo>
-                    <a:pt x="31378" y="10215"/>
-                    <a:pt x="28893" y="8545"/>
-                    <a:pt x="29406" y="3876"/>
-                  </a:cubicBezTo>
-                  <a:lnTo>
-                    <a:pt x="29406" y="3876"/>
-                  </a:lnTo>
-                  <a:cubicBezTo>
-                    <a:pt x="29406" y="3877"/>
-                    <a:pt x="28107" y="7853"/>
-                    <a:pt x="24943" y="8728"/>
-                  </a:cubicBezTo>
-                  <a:cubicBezTo>
-                    <a:pt x="24943" y="8728"/>
-                    <a:pt x="26340" y="10708"/>
-                    <a:pt x="25980" y="13172"/>
-                  </a:cubicBezTo>
-                  <a:cubicBezTo>
-                    <a:pt x="25706" y="15038"/>
-                    <a:pt x="24466" y="16016"/>
-                    <a:pt x="23094" y="16016"/>
-                  </a:cubicBezTo>
-                  <a:cubicBezTo>
-                    <a:pt x="21723" y="16016"/>
-                    <a:pt x="20776" y="14307"/>
-                    <a:pt x="20967" y="11630"/>
-                  </a:cubicBezTo>
-                  <a:cubicBezTo>
-                    <a:pt x="21342" y="6384"/>
-                    <a:pt x="24462" y="5319"/>
-                    <a:pt x="24462" y="5319"/>
-                  </a:cubicBezTo>
-                  <a:cubicBezTo>
-                    <a:pt x="24462" y="5319"/>
-                    <a:pt x="19902" y="4113"/>
-                    <a:pt x="19352" y="0"/>
-                  </a:cubicBezTo>
-                  <a:close/>
-                </a:path>
-              </a:pathLst>
-            </a:custGeom>
-            <a:solidFill>
-              <a:srgbClr val="FFFFFF"/>
-            </a:solidFill>
-            <a:ln>
-              <a:noFill/>
-            </a:ln>
-          </p:spPr>
-          <p:txBody>
-            <a:bodyPr spcFirstLastPara="1" wrap="square" lIns="121900" tIns="121900" rIns="121900" bIns="121900" anchor="ctr" anchorCtr="0">
-              <a:noAutofit/>
-            </a:bodyPr>
-            <a:lstStyle/>
-            <a:p>
-              <a:pPr defTabSz="1219170">
-                <a:buClr>
-                  <a:srgbClr val="000000"/>
-                </a:buClr>
-              </a:pPr>
-              <a:endParaRPr sz="1867" kern="0">
-                <a:solidFill>
-                  <a:srgbClr val="000000"/>
-                </a:solidFill>
-                <a:latin typeface="Arial"/>
-                <a:cs typeface="Arial"/>
-                <a:sym typeface="Arial"/>
-              </a:endParaRPr>
-            </a:p>
-          </p:txBody>
-        </p:sp>
-        <p:sp>
-          <p:nvSpPr>
-            <p:cNvPr id="183" name="Google Shape;183;p27"/>
-            <p:cNvSpPr/>
-            <p:nvPr/>
-          </p:nvSpPr>
-          <p:spPr>
-            <a:xfrm>
-              <a:off x="3667400" y="1422050"/>
-              <a:ext cx="58725" cy="56525"/>
-            </a:xfrm>
-            <a:custGeom>
-              <a:avLst/>
-              <a:gdLst/>
-              <a:ahLst/>
-              <a:cxnLst/>
-              <a:rect l="l" t="t" r="r" b="b"/>
-              <a:pathLst>
-                <a:path w="2349" h="2261" extrusionOk="0">
-                  <a:moveTo>
-                    <a:pt x="1218" y="1"/>
-                  </a:moveTo>
-                  <a:cubicBezTo>
-                    <a:pt x="761" y="1"/>
-                    <a:pt x="350" y="277"/>
-                    <a:pt x="175" y="698"/>
-                  </a:cubicBezTo>
-                  <a:cubicBezTo>
-                    <a:pt x="0" y="1121"/>
-                    <a:pt x="97" y="1606"/>
-                    <a:pt x="420" y="1930"/>
-                  </a:cubicBezTo>
-                  <a:cubicBezTo>
-                    <a:pt x="636" y="2146"/>
-                    <a:pt x="925" y="2261"/>
-                    <a:pt x="1219" y="2261"/>
-                  </a:cubicBezTo>
-                  <a:cubicBezTo>
-                    <a:pt x="1365" y="2261"/>
-                    <a:pt x="1511" y="2233"/>
-                    <a:pt x="1651" y="2175"/>
-                  </a:cubicBezTo>
-                  <a:cubicBezTo>
-                    <a:pt x="2073" y="2000"/>
-                    <a:pt x="2349" y="1587"/>
-                    <a:pt x="2349" y="1131"/>
-                  </a:cubicBezTo>
-                  <a:cubicBezTo>
-                    <a:pt x="2349" y="507"/>
-                    <a:pt x="1843" y="1"/>
-                    <a:pt x="1218" y="1"/>
-                  </a:cubicBezTo>
-                  <a:close/>
-                </a:path>
-              </a:pathLst>
-            </a:custGeom>
-            <a:solidFill>
-              <a:srgbClr val="00344A"/>
-            </a:solidFill>
-            <a:ln>
-              <a:noFill/>
-            </a:ln>
-          </p:spPr>
-          <p:txBody>
-            <a:bodyPr spcFirstLastPara="1" wrap="square" lIns="121900" tIns="121900" rIns="121900" bIns="121900" anchor="ctr" anchorCtr="0">
-              <a:noAutofit/>
-            </a:bodyPr>
-            <a:lstStyle/>
-            <a:p>
-              <a:pPr defTabSz="1219170">
-                <a:buClr>
-                  <a:srgbClr val="000000"/>
-                </a:buClr>
-              </a:pPr>
-              <a:endParaRPr sz="1867" kern="0">
-                <a:solidFill>
-                  <a:srgbClr val="000000"/>
-                </a:solidFill>
-                <a:latin typeface="Arial"/>
-                <a:cs typeface="Arial"/>
-                <a:sym typeface="Arial"/>
-              </a:endParaRPr>
-            </a:p>
-          </p:txBody>
-        </p:sp>
-        <p:sp>
-          <p:nvSpPr>
-            <p:cNvPr id="184" name="Google Shape;184;p27"/>
-            <p:cNvSpPr/>
-            <p:nvPr/>
-          </p:nvSpPr>
-          <p:spPr>
-            <a:xfrm>
-              <a:off x="3590550" y="1436900"/>
-              <a:ext cx="47925" cy="47925"/>
-            </a:xfrm>
-            <a:custGeom>
-              <a:avLst/>
-              <a:gdLst/>
-              <a:ahLst/>
-              <a:cxnLst/>
-              <a:rect l="l" t="t" r="r" b="b"/>
-              <a:pathLst>
-                <a:path w="1917" h="1917" extrusionOk="0">
-                  <a:moveTo>
-                    <a:pt x="958" y="1"/>
-                  </a:moveTo>
-                  <a:cubicBezTo>
-                    <a:pt x="430" y="1"/>
-                    <a:pt x="0" y="429"/>
-                    <a:pt x="0" y="959"/>
-                  </a:cubicBezTo>
-                  <a:cubicBezTo>
-                    <a:pt x="0" y="1487"/>
-                    <a:pt x="430" y="1917"/>
-                    <a:pt x="958" y="1917"/>
-                  </a:cubicBezTo>
-                  <a:cubicBezTo>
-                    <a:pt x="1488" y="1917"/>
-                    <a:pt x="1916" y="1487"/>
-                    <a:pt x="1916" y="959"/>
-                  </a:cubicBezTo>
-                  <a:cubicBezTo>
-                    <a:pt x="1916" y="429"/>
-                    <a:pt x="1488" y="1"/>
-                    <a:pt x="958" y="1"/>
-                  </a:cubicBezTo>
-                  <a:close/>
-                </a:path>
-              </a:pathLst>
-            </a:custGeom>
-            <a:solidFill>
-              <a:srgbClr val="00344A"/>
-            </a:solidFill>
-            <a:ln>
-              <a:noFill/>
-            </a:ln>
-          </p:spPr>
-          <p:txBody>
-            <a:bodyPr spcFirstLastPara="1" wrap="square" lIns="121900" tIns="121900" rIns="121900" bIns="121900" anchor="ctr" anchorCtr="0">
-              <a:noAutofit/>
-            </a:bodyPr>
-            <a:lstStyle/>
-            <a:p>
-              <a:pPr defTabSz="1219170">
-                <a:buClr>
-                  <a:srgbClr val="000000"/>
-                </a:buClr>
-              </a:pPr>
-              <a:endParaRPr sz="1867" kern="0">
-                <a:solidFill>
-                  <a:srgbClr val="000000"/>
-                </a:solidFill>
-                <a:latin typeface="Arial"/>
-                <a:cs typeface="Arial"/>
-                <a:sym typeface="Arial"/>
-              </a:endParaRPr>
-            </a:p>
-          </p:txBody>
-        </p:sp>
-        <p:sp>
-          <p:nvSpPr>
-            <p:cNvPr id="185" name="Google Shape;185;p27"/>
-            <p:cNvSpPr/>
-            <p:nvPr/>
-          </p:nvSpPr>
-          <p:spPr>
-            <a:xfrm>
-              <a:off x="3908050" y="1422050"/>
-              <a:ext cx="58725" cy="56525"/>
-            </a:xfrm>
-            <a:custGeom>
-              <a:avLst/>
-              <a:gdLst/>
-              <a:ahLst/>
-              <a:cxnLst/>
-              <a:rect l="l" t="t" r="r" b="b"/>
-              <a:pathLst>
-                <a:path w="2349" h="2261" extrusionOk="0">
-                  <a:moveTo>
-                    <a:pt x="1130" y="1"/>
-                  </a:moveTo>
-                  <a:cubicBezTo>
-                    <a:pt x="506" y="1"/>
-                    <a:pt x="1" y="507"/>
-                    <a:pt x="1" y="1131"/>
-                  </a:cubicBezTo>
-                  <a:cubicBezTo>
-                    <a:pt x="1" y="1587"/>
-                    <a:pt x="276" y="1999"/>
-                    <a:pt x="698" y="2175"/>
-                  </a:cubicBezTo>
-                  <a:cubicBezTo>
-                    <a:pt x="838" y="2232"/>
-                    <a:pt x="984" y="2261"/>
-                    <a:pt x="1129" y="2261"/>
-                  </a:cubicBezTo>
-                  <a:cubicBezTo>
-                    <a:pt x="1424" y="2261"/>
-                    <a:pt x="1713" y="2146"/>
-                    <a:pt x="1929" y="1929"/>
-                  </a:cubicBezTo>
-                  <a:cubicBezTo>
-                    <a:pt x="2252" y="1606"/>
-                    <a:pt x="2348" y="1120"/>
-                    <a:pt x="2173" y="698"/>
-                  </a:cubicBezTo>
-                  <a:cubicBezTo>
-                    <a:pt x="1999" y="277"/>
-                    <a:pt x="1587" y="1"/>
-                    <a:pt x="1130" y="1"/>
-                  </a:cubicBezTo>
-                  <a:close/>
-                </a:path>
-              </a:pathLst>
-            </a:custGeom>
-            <a:solidFill>
-              <a:srgbClr val="00344A"/>
-            </a:solidFill>
-            <a:ln>
-              <a:noFill/>
-            </a:ln>
-          </p:spPr>
-          <p:txBody>
-            <a:bodyPr spcFirstLastPara="1" wrap="square" lIns="121900" tIns="121900" rIns="121900" bIns="121900" anchor="ctr" anchorCtr="0">
-              <a:noAutofit/>
-            </a:bodyPr>
-            <a:lstStyle/>
-            <a:p>
-              <a:pPr defTabSz="1219170">
-                <a:buClr>
-                  <a:srgbClr val="000000"/>
-                </a:buClr>
-              </a:pPr>
-              <a:endParaRPr sz="1867" kern="0">
-                <a:solidFill>
-                  <a:srgbClr val="000000"/>
-                </a:solidFill>
-                <a:latin typeface="Arial"/>
-                <a:cs typeface="Arial"/>
-                <a:sym typeface="Arial"/>
-              </a:endParaRPr>
-            </a:p>
-          </p:txBody>
-        </p:sp>
-        <p:sp>
-          <p:nvSpPr>
-            <p:cNvPr id="186" name="Google Shape;186;p27"/>
-            <p:cNvSpPr/>
-            <p:nvPr/>
-          </p:nvSpPr>
-          <p:spPr>
-            <a:xfrm>
-              <a:off x="3995700" y="1436900"/>
-              <a:ext cx="47900" cy="47925"/>
-            </a:xfrm>
-            <a:custGeom>
-              <a:avLst/>
-              <a:gdLst/>
-              <a:ahLst/>
-              <a:cxnLst/>
-              <a:rect l="l" t="t" r="r" b="b"/>
-              <a:pathLst>
-                <a:path w="1916" h="1917" extrusionOk="0">
-                  <a:moveTo>
-                    <a:pt x="958" y="1"/>
-                  </a:moveTo>
-                  <a:cubicBezTo>
-                    <a:pt x="430" y="1"/>
-                    <a:pt x="0" y="429"/>
-                    <a:pt x="0" y="959"/>
-                  </a:cubicBezTo>
-                  <a:cubicBezTo>
-                    <a:pt x="0" y="1487"/>
-                    <a:pt x="430" y="1917"/>
-                    <a:pt x="958" y="1917"/>
-                  </a:cubicBezTo>
-                  <a:cubicBezTo>
-                    <a:pt x="1488" y="1917"/>
-                    <a:pt x="1916" y="1487"/>
-                    <a:pt x="1916" y="959"/>
-                  </a:cubicBezTo>
-                  <a:cubicBezTo>
-                    <a:pt x="1916" y="429"/>
-                    <a:pt x="1488" y="1"/>
-                    <a:pt x="958" y="1"/>
-                  </a:cubicBezTo>
-                  <a:close/>
-                </a:path>
-              </a:pathLst>
-            </a:custGeom>
-            <a:solidFill>
-              <a:srgbClr val="00344A"/>
-            </a:solidFill>
-            <a:ln>
-              <a:noFill/>
-            </a:ln>
-          </p:spPr>
-          <p:txBody>
-            <a:bodyPr spcFirstLastPara="1" wrap="square" lIns="121900" tIns="121900" rIns="121900" bIns="121900" anchor="ctr" anchorCtr="0">
-              <a:noAutofit/>
-            </a:bodyPr>
-            <a:lstStyle/>
-            <a:p>
-              <a:pPr defTabSz="1219170">
-                <a:buClr>
-                  <a:srgbClr val="000000"/>
-                </a:buClr>
-              </a:pPr>
-              <a:endParaRPr sz="1867" kern="0">
-                <a:solidFill>
-                  <a:srgbClr val="000000"/>
-                </a:solidFill>
-                <a:latin typeface="Arial"/>
-                <a:cs typeface="Arial"/>
-                <a:sym typeface="Arial"/>
-              </a:endParaRPr>
-            </a:p>
-          </p:txBody>
-        </p:sp>
-        <p:sp>
-          <p:nvSpPr>
-            <p:cNvPr id="187" name="Google Shape;187;p27"/>
-            <p:cNvSpPr/>
-            <p:nvPr/>
-          </p:nvSpPr>
-          <p:spPr>
-            <a:xfrm>
-              <a:off x="3764200" y="1395425"/>
-              <a:ext cx="105750" cy="105725"/>
-            </a:xfrm>
-            <a:custGeom>
-              <a:avLst/>
-              <a:gdLst/>
-              <a:ahLst/>
-              <a:cxnLst/>
-              <a:rect l="l" t="t" r="r" b="b"/>
-              <a:pathLst>
-                <a:path w="4230" h="4229" extrusionOk="0">
-                  <a:moveTo>
-                    <a:pt x="2116" y="0"/>
-                  </a:moveTo>
-                  <a:lnTo>
-                    <a:pt x="1" y="2115"/>
-                  </a:lnTo>
-                  <a:lnTo>
-                    <a:pt x="2116" y="4229"/>
-                  </a:lnTo>
-                  <a:lnTo>
-                    <a:pt x="4229" y="2115"/>
-                  </a:lnTo>
-                  <a:lnTo>
-                    <a:pt x="2116" y="0"/>
-                  </a:lnTo>
-                  <a:close/>
-                </a:path>
-              </a:pathLst>
-            </a:custGeom>
-            <a:solidFill>
-              <a:srgbClr val="00344A"/>
-            </a:solidFill>
-            <a:ln>
-              <a:noFill/>
-            </a:ln>
-          </p:spPr>
-          <p:txBody>
-            <a:bodyPr spcFirstLastPara="1" wrap="square" lIns="121900" tIns="121900" rIns="121900" bIns="121900" anchor="ctr" anchorCtr="0">
-              <a:noAutofit/>
-            </a:bodyPr>
-            <a:lstStyle/>
-            <a:p>
-              <a:pPr defTabSz="1219170">
-                <a:buClr>
-                  <a:srgbClr val="000000"/>
-                </a:buClr>
-              </a:pPr>
-              <a:endParaRPr sz="1867" kern="0">
-                <a:solidFill>
-                  <a:srgbClr val="000000"/>
-                </a:solidFill>
-                <a:latin typeface="Arial"/>
-                <a:cs typeface="Arial"/>
-                <a:sym typeface="Arial"/>
-              </a:endParaRPr>
-            </a:p>
-          </p:txBody>
-        </p:sp>
-        <p:sp>
-          <p:nvSpPr>
-            <p:cNvPr id="188" name="Google Shape;188;p27"/>
-            <p:cNvSpPr/>
-            <p:nvPr/>
-          </p:nvSpPr>
-          <p:spPr>
-            <a:xfrm>
-              <a:off x="3314175" y="1018975"/>
-              <a:ext cx="48175" cy="48200"/>
-            </a:xfrm>
-            <a:custGeom>
-              <a:avLst/>
-              <a:gdLst/>
-              <a:ahLst/>
-              <a:cxnLst/>
-              <a:rect l="l" t="t" r="r" b="b"/>
-              <a:pathLst>
-                <a:path w="1927" h="1928" extrusionOk="0">
-                  <a:moveTo>
-                    <a:pt x="964" y="0"/>
-                  </a:moveTo>
-                  <a:cubicBezTo>
-                    <a:pt x="431" y="0"/>
-                    <a:pt x="1" y="432"/>
-                    <a:pt x="1" y="964"/>
-                  </a:cubicBezTo>
-                  <a:cubicBezTo>
-                    <a:pt x="1" y="1496"/>
-                    <a:pt x="431" y="1927"/>
-                    <a:pt x="964" y="1927"/>
-                  </a:cubicBezTo>
-                  <a:cubicBezTo>
-                    <a:pt x="1496" y="1927"/>
-                    <a:pt x="1926" y="1496"/>
-                    <a:pt x="1926" y="964"/>
-                  </a:cubicBezTo>
-                  <a:cubicBezTo>
-                    <a:pt x="1926" y="432"/>
-                    <a:pt x="1496" y="0"/>
-                    <a:pt x="964" y="0"/>
-                  </a:cubicBezTo>
-                  <a:close/>
-                </a:path>
-              </a:pathLst>
-            </a:custGeom>
-            <a:solidFill>
-              <a:srgbClr val="FFFFFF"/>
-            </a:solidFill>
-            <a:ln>
-              <a:noFill/>
-            </a:ln>
-          </p:spPr>
-          <p:txBody>
-            <a:bodyPr spcFirstLastPara="1" wrap="square" lIns="121900" tIns="121900" rIns="121900" bIns="121900" anchor="ctr" anchorCtr="0">
-              <a:noAutofit/>
-            </a:bodyPr>
-            <a:lstStyle/>
-            <a:p>
-              <a:pPr defTabSz="1219170">
-                <a:buClr>
-                  <a:srgbClr val="000000"/>
-                </a:buClr>
-              </a:pPr>
-              <a:endParaRPr sz="1867" kern="0">
-                <a:solidFill>
-                  <a:srgbClr val="000000"/>
-                </a:solidFill>
-                <a:latin typeface="Arial"/>
-                <a:cs typeface="Arial"/>
-                <a:sym typeface="Arial"/>
-              </a:endParaRPr>
-            </a:p>
-          </p:txBody>
-        </p:sp>
-        <p:sp>
-          <p:nvSpPr>
-            <p:cNvPr id="189" name="Google Shape;189;p27"/>
-            <p:cNvSpPr/>
-            <p:nvPr/>
-          </p:nvSpPr>
-          <p:spPr>
-            <a:xfrm>
-              <a:off x="3539125" y="945500"/>
-              <a:ext cx="50075" cy="48200"/>
-            </a:xfrm>
-            <a:custGeom>
-              <a:avLst/>
-              <a:gdLst/>
-              <a:ahLst/>
-              <a:cxnLst/>
-              <a:rect l="l" t="t" r="r" b="b"/>
-              <a:pathLst>
-                <a:path w="2003" h="1928" extrusionOk="0">
-                  <a:moveTo>
-                    <a:pt x="1040" y="0"/>
-                  </a:moveTo>
-                  <a:cubicBezTo>
-                    <a:pt x="650" y="0"/>
-                    <a:pt x="299" y="235"/>
-                    <a:pt x="150" y="595"/>
-                  </a:cubicBezTo>
-                  <a:cubicBezTo>
-                    <a:pt x="0" y="955"/>
-                    <a:pt x="83" y="1370"/>
-                    <a:pt x="359" y="1645"/>
-                  </a:cubicBezTo>
-                  <a:cubicBezTo>
-                    <a:pt x="543" y="1829"/>
-                    <a:pt x="789" y="1927"/>
-                    <a:pt x="1040" y="1927"/>
-                  </a:cubicBezTo>
-                  <a:cubicBezTo>
-                    <a:pt x="1164" y="1927"/>
-                    <a:pt x="1289" y="1903"/>
-                    <a:pt x="1408" y="1854"/>
-                  </a:cubicBezTo>
-                  <a:cubicBezTo>
-                    <a:pt x="1768" y="1705"/>
-                    <a:pt x="2003" y="1353"/>
-                    <a:pt x="2003" y="964"/>
-                  </a:cubicBezTo>
-                  <a:cubicBezTo>
-                    <a:pt x="2003" y="432"/>
-                    <a:pt x="1571" y="0"/>
-                    <a:pt x="1040" y="0"/>
-                  </a:cubicBezTo>
-                  <a:close/>
-                </a:path>
-              </a:pathLst>
-            </a:custGeom>
-            <a:solidFill>
-              <a:srgbClr val="FFFFFF"/>
-            </a:solidFill>
-            <a:ln>
-              <a:noFill/>
-            </a:ln>
-          </p:spPr>
-          <p:txBody>
-            <a:bodyPr spcFirstLastPara="1" wrap="square" lIns="121900" tIns="121900" rIns="121900" bIns="121900" anchor="ctr" anchorCtr="0">
-              <a:noAutofit/>
-            </a:bodyPr>
-            <a:lstStyle/>
-            <a:p>
-              <a:pPr defTabSz="1219170">
-                <a:buClr>
-                  <a:srgbClr val="000000"/>
-                </a:buClr>
-              </a:pPr>
-              <a:endParaRPr sz="1867" kern="0">
-                <a:solidFill>
-                  <a:srgbClr val="000000"/>
-                </a:solidFill>
-                <a:latin typeface="Arial"/>
-                <a:cs typeface="Arial"/>
-                <a:sym typeface="Arial"/>
-              </a:endParaRPr>
-            </a:p>
-          </p:txBody>
-        </p:sp>
-        <p:sp>
-          <p:nvSpPr>
-            <p:cNvPr id="190" name="Google Shape;190;p27"/>
-            <p:cNvSpPr/>
-            <p:nvPr/>
-          </p:nvSpPr>
-          <p:spPr>
-            <a:xfrm>
-              <a:off x="4271825" y="1018975"/>
-              <a:ext cx="48150" cy="48200"/>
-            </a:xfrm>
-            <a:custGeom>
-              <a:avLst/>
-              <a:gdLst/>
-              <a:ahLst/>
-              <a:cxnLst/>
-              <a:rect l="l" t="t" r="r" b="b"/>
-              <a:pathLst>
-                <a:path w="1926" h="1928" extrusionOk="0">
-                  <a:moveTo>
-                    <a:pt x="963" y="0"/>
-                  </a:moveTo>
-                  <a:cubicBezTo>
-                    <a:pt x="432" y="0"/>
-                    <a:pt x="0" y="432"/>
-                    <a:pt x="0" y="964"/>
-                  </a:cubicBezTo>
-                  <a:cubicBezTo>
-                    <a:pt x="0" y="1496"/>
-                    <a:pt x="432" y="1927"/>
-                    <a:pt x="963" y="1927"/>
-                  </a:cubicBezTo>
-                  <a:cubicBezTo>
-                    <a:pt x="1495" y="1927"/>
-                    <a:pt x="1926" y="1496"/>
-                    <a:pt x="1926" y="964"/>
-                  </a:cubicBezTo>
-                  <a:cubicBezTo>
-                    <a:pt x="1926" y="432"/>
-                    <a:pt x="1495" y="0"/>
-                    <a:pt x="963" y="0"/>
-                  </a:cubicBezTo>
-                  <a:close/>
-                </a:path>
-              </a:pathLst>
-            </a:custGeom>
-            <a:solidFill>
-              <a:srgbClr val="FFFFFF"/>
-            </a:solidFill>
-            <a:ln>
-              <a:noFill/>
-            </a:ln>
-          </p:spPr>
-          <p:txBody>
-            <a:bodyPr spcFirstLastPara="1" wrap="square" lIns="121900" tIns="121900" rIns="121900" bIns="121900" anchor="ctr" anchorCtr="0">
-              <a:noAutofit/>
-            </a:bodyPr>
-            <a:lstStyle/>
-            <a:p>
-              <a:pPr defTabSz="1219170">
-                <a:buClr>
-                  <a:srgbClr val="000000"/>
-                </a:buClr>
-              </a:pPr>
-              <a:endParaRPr sz="1867" kern="0">
-                <a:solidFill>
-                  <a:srgbClr val="000000"/>
-                </a:solidFill>
-                <a:latin typeface="Arial"/>
-                <a:cs typeface="Arial"/>
-                <a:sym typeface="Arial"/>
-              </a:endParaRPr>
-            </a:p>
-          </p:txBody>
-        </p:sp>
-        <p:sp>
-          <p:nvSpPr>
-            <p:cNvPr id="191" name="Google Shape;191;p27"/>
-            <p:cNvSpPr/>
-            <p:nvPr/>
-          </p:nvSpPr>
-          <p:spPr>
-            <a:xfrm>
-              <a:off x="4044950" y="945500"/>
-              <a:ext cx="50075" cy="48200"/>
-            </a:xfrm>
-            <a:custGeom>
-              <a:avLst/>
-              <a:gdLst/>
-              <a:ahLst/>
-              <a:cxnLst/>
-              <a:rect l="l" t="t" r="r" b="b"/>
-              <a:pathLst>
-                <a:path w="2003" h="1928" extrusionOk="0">
-                  <a:moveTo>
-                    <a:pt x="964" y="0"/>
-                  </a:moveTo>
-                  <a:cubicBezTo>
-                    <a:pt x="432" y="0"/>
-                    <a:pt x="0" y="432"/>
-                    <a:pt x="0" y="964"/>
-                  </a:cubicBezTo>
-                  <a:cubicBezTo>
-                    <a:pt x="0" y="1353"/>
-                    <a:pt x="235" y="1705"/>
-                    <a:pt x="596" y="1854"/>
-                  </a:cubicBezTo>
-                  <a:cubicBezTo>
-                    <a:pt x="715" y="1903"/>
-                    <a:pt x="840" y="1927"/>
-                    <a:pt x="964" y="1927"/>
-                  </a:cubicBezTo>
-                  <a:cubicBezTo>
-                    <a:pt x="1214" y="1927"/>
-                    <a:pt x="1461" y="1829"/>
-                    <a:pt x="1645" y="1645"/>
-                  </a:cubicBezTo>
-                  <a:cubicBezTo>
-                    <a:pt x="1921" y="1370"/>
-                    <a:pt x="2003" y="955"/>
-                    <a:pt x="1854" y="595"/>
-                  </a:cubicBezTo>
-                  <a:cubicBezTo>
-                    <a:pt x="1705" y="235"/>
-                    <a:pt x="1353" y="0"/>
-                    <a:pt x="964" y="0"/>
-                  </a:cubicBezTo>
-                  <a:close/>
-                </a:path>
-              </a:pathLst>
-            </a:custGeom>
-            <a:solidFill>
-              <a:srgbClr val="FFFFFF"/>
-            </a:solidFill>
-            <a:ln>
-              <a:noFill/>
-            </a:ln>
-          </p:spPr>
-          <p:txBody>
-            <a:bodyPr spcFirstLastPara="1" wrap="square" lIns="121900" tIns="121900" rIns="121900" bIns="121900" anchor="ctr" anchorCtr="0">
-              <a:noAutofit/>
-            </a:bodyPr>
-            <a:lstStyle/>
-            <a:p>
-              <a:pPr defTabSz="1219170">
-                <a:buClr>
-                  <a:srgbClr val="000000"/>
-                </a:buClr>
-              </a:pPr>
-              <a:endParaRPr sz="1867" kern="0">
-                <a:solidFill>
-                  <a:srgbClr val="000000"/>
-                </a:solidFill>
-                <a:latin typeface="Arial"/>
-                <a:cs typeface="Arial"/>
-                <a:sym typeface="Arial"/>
-              </a:endParaRPr>
-            </a:p>
-          </p:txBody>
-        </p:sp>
-        <p:sp>
-          <p:nvSpPr>
-            <p:cNvPr id="192" name="Google Shape;192;p27"/>
-            <p:cNvSpPr/>
-            <p:nvPr/>
-          </p:nvSpPr>
-          <p:spPr>
-            <a:xfrm>
-              <a:off x="3782950" y="837950"/>
-              <a:ext cx="68275" cy="68275"/>
-            </a:xfrm>
-            <a:custGeom>
-              <a:avLst/>
-              <a:gdLst/>
-              <a:ahLst/>
-              <a:cxnLst/>
-              <a:rect l="l" t="t" r="r" b="b"/>
-              <a:pathLst>
-                <a:path w="2731" h="2731" extrusionOk="0">
-                  <a:moveTo>
-                    <a:pt x="1366" y="0"/>
-                  </a:moveTo>
-                  <a:cubicBezTo>
-                    <a:pt x="611" y="0"/>
-                    <a:pt x="1" y="611"/>
-                    <a:pt x="1" y="1365"/>
-                  </a:cubicBezTo>
-                  <a:cubicBezTo>
-                    <a:pt x="1" y="2120"/>
-                    <a:pt x="611" y="2730"/>
-                    <a:pt x="1366" y="2730"/>
-                  </a:cubicBezTo>
-                  <a:cubicBezTo>
-                    <a:pt x="2119" y="2730"/>
-                    <a:pt x="2731" y="2120"/>
-                    <a:pt x="2731" y="1365"/>
-                  </a:cubicBezTo>
-                  <a:cubicBezTo>
-                    <a:pt x="2731" y="611"/>
-                    <a:pt x="2119" y="0"/>
-                    <a:pt x="1366" y="0"/>
-                  </a:cubicBezTo>
-                  <a:close/>
-                </a:path>
-              </a:pathLst>
-            </a:custGeom>
-            <a:solidFill>
-              <a:srgbClr val="FFFFFF"/>
-            </a:solidFill>
-            <a:ln>
-              <a:noFill/>
-            </a:ln>
-          </p:spPr>
-          <p:txBody>
-            <a:bodyPr spcFirstLastPara="1" wrap="square" lIns="121900" tIns="121900" rIns="121900" bIns="121900" anchor="ctr" anchorCtr="0">
-              <a:noAutofit/>
-            </a:bodyPr>
-            <a:lstStyle/>
-            <a:p>
-              <a:pPr defTabSz="1219170">
-                <a:buClr>
-                  <a:srgbClr val="000000"/>
-                </a:buClr>
-              </a:pPr>
-              <a:endParaRPr sz="1867" kern="0">
-                <a:solidFill>
-                  <a:srgbClr val="000000"/>
-                </a:solidFill>
-                <a:latin typeface="Arial"/>
-                <a:cs typeface="Arial"/>
-                <a:sym typeface="Arial"/>
-              </a:endParaRPr>
-            </a:p>
-          </p:txBody>
-        </p:sp>
-        <p:sp>
-          <p:nvSpPr>
-            <p:cNvPr id="193" name="Google Shape;193;p27"/>
-            <p:cNvSpPr/>
-            <p:nvPr/>
-          </p:nvSpPr>
-          <p:spPr>
-            <a:xfrm>
-              <a:off x="3481825" y="4582475"/>
-              <a:ext cx="131525" cy="194050"/>
-            </a:xfrm>
-            <a:custGeom>
-              <a:avLst/>
-              <a:gdLst/>
-              <a:ahLst/>
-              <a:cxnLst/>
-              <a:rect l="l" t="t" r="r" b="b"/>
-              <a:pathLst>
-                <a:path w="5261" h="7762" extrusionOk="0">
-                  <a:moveTo>
-                    <a:pt x="1779" y="0"/>
-                  </a:moveTo>
-                  <a:cubicBezTo>
-                    <a:pt x="485" y="0"/>
-                    <a:pt x="1" y="592"/>
-                    <a:pt x="1" y="1499"/>
-                  </a:cubicBezTo>
-                  <a:lnTo>
-                    <a:pt x="1" y="6261"/>
-                  </a:lnTo>
-                  <a:cubicBezTo>
-                    <a:pt x="1" y="7168"/>
-                    <a:pt x="485" y="7761"/>
-                    <a:pt x="1779" y="7761"/>
-                  </a:cubicBezTo>
-                  <a:lnTo>
-                    <a:pt x="3483" y="7761"/>
-                  </a:lnTo>
-                  <a:cubicBezTo>
-                    <a:pt x="4777" y="7761"/>
-                    <a:pt x="5261" y="7168"/>
-                    <a:pt x="5261" y="6261"/>
-                  </a:cubicBezTo>
-                  <a:lnTo>
-                    <a:pt x="5261" y="4908"/>
-                  </a:lnTo>
-                  <a:lnTo>
-                    <a:pt x="3145" y="4908"/>
-                  </a:lnTo>
-                  <a:lnTo>
-                    <a:pt x="3145" y="6105"/>
-                  </a:lnTo>
-                  <a:cubicBezTo>
-                    <a:pt x="3145" y="6286"/>
-                    <a:pt x="3048" y="6370"/>
-                    <a:pt x="2843" y="6370"/>
-                  </a:cubicBezTo>
-                  <a:lnTo>
-                    <a:pt x="2419" y="6370"/>
-                  </a:lnTo>
-                  <a:cubicBezTo>
-                    <a:pt x="2214" y="6370"/>
-                    <a:pt x="2117" y="6286"/>
-                    <a:pt x="2117" y="6105"/>
-                  </a:cubicBezTo>
-                  <a:lnTo>
-                    <a:pt x="2117" y="1656"/>
-                  </a:lnTo>
-                  <a:cubicBezTo>
-                    <a:pt x="2117" y="1474"/>
-                    <a:pt x="2214" y="1390"/>
-                    <a:pt x="2419" y="1390"/>
-                  </a:cubicBezTo>
-                  <a:lnTo>
-                    <a:pt x="2842" y="1390"/>
-                  </a:lnTo>
-                  <a:cubicBezTo>
-                    <a:pt x="3047" y="1390"/>
-                    <a:pt x="3145" y="1474"/>
-                    <a:pt x="3145" y="1656"/>
-                  </a:cubicBezTo>
-                  <a:lnTo>
-                    <a:pt x="3145" y="2901"/>
-                  </a:lnTo>
-                  <a:lnTo>
-                    <a:pt x="5260" y="2901"/>
-                  </a:lnTo>
-                  <a:lnTo>
-                    <a:pt x="5260" y="1499"/>
-                  </a:lnTo>
-                  <a:cubicBezTo>
-                    <a:pt x="5260" y="592"/>
-                    <a:pt x="4776" y="0"/>
-                    <a:pt x="3483" y="0"/>
-                  </a:cubicBezTo>
-                  <a:close/>
-                </a:path>
-              </a:pathLst>
-            </a:custGeom>
-            <a:solidFill>
-              <a:srgbClr val="FFFFFF"/>
-            </a:solidFill>
-            <a:ln>
-              <a:noFill/>
-            </a:ln>
-          </p:spPr>
-          <p:txBody>
-            <a:bodyPr spcFirstLastPara="1" wrap="square" lIns="121900" tIns="121900" rIns="121900" bIns="121900" anchor="ctr" anchorCtr="0">
-              <a:noAutofit/>
-            </a:bodyPr>
-            <a:lstStyle/>
-            <a:p>
-              <a:pPr defTabSz="1219170">
-                <a:buClr>
-                  <a:srgbClr val="000000"/>
-                </a:buClr>
-              </a:pPr>
-              <a:endParaRPr sz="1867" kern="0">
-                <a:solidFill>
-                  <a:srgbClr val="000000"/>
-                </a:solidFill>
-                <a:latin typeface="Arial"/>
-                <a:cs typeface="Arial"/>
-                <a:sym typeface="Arial"/>
-              </a:endParaRPr>
-            </a:p>
-          </p:txBody>
-        </p:sp>
-        <p:sp>
-          <p:nvSpPr>
-            <p:cNvPr id="194" name="Google Shape;194;p27"/>
-            <p:cNvSpPr/>
-            <p:nvPr/>
-          </p:nvSpPr>
-          <p:spPr>
-            <a:xfrm>
-              <a:off x="3667350" y="4582450"/>
-              <a:ext cx="113050" cy="194075"/>
-            </a:xfrm>
-            <a:custGeom>
-              <a:avLst/>
-              <a:gdLst/>
-              <a:ahLst/>
-              <a:cxnLst/>
-              <a:rect l="l" t="t" r="r" b="b"/>
-              <a:pathLst>
-                <a:path w="4522" h="7763" extrusionOk="0">
-                  <a:moveTo>
-                    <a:pt x="0" y="0"/>
-                  </a:moveTo>
-                  <a:lnTo>
-                    <a:pt x="0" y="7762"/>
-                  </a:lnTo>
-                  <a:lnTo>
-                    <a:pt x="4521" y="7762"/>
-                  </a:lnTo>
-                  <a:lnTo>
-                    <a:pt x="4521" y="6250"/>
-                  </a:lnTo>
-                  <a:lnTo>
-                    <a:pt x="2116" y="6250"/>
-                  </a:lnTo>
-                  <a:lnTo>
-                    <a:pt x="2116" y="0"/>
-                  </a:lnTo>
-                  <a:close/>
-                </a:path>
-              </a:pathLst>
-            </a:custGeom>
-            <a:solidFill>
-              <a:srgbClr val="FFFFFF"/>
-            </a:solidFill>
-            <a:ln>
-              <a:noFill/>
-            </a:ln>
-          </p:spPr>
-          <p:txBody>
-            <a:bodyPr spcFirstLastPara="1" wrap="square" lIns="121900" tIns="121900" rIns="121900" bIns="121900" anchor="ctr" anchorCtr="0">
-              <a:noAutofit/>
-            </a:bodyPr>
-            <a:lstStyle/>
-            <a:p>
-              <a:pPr defTabSz="1219170">
-                <a:buClr>
-                  <a:srgbClr val="000000"/>
-                </a:buClr>
-              </a:pPr>
-              <a:endParaRPr sz="1867" kern="0">
-                <a:solidFill>
-                  <a:srgbClr val="000000"/>
-                </a:solidFill>
-                <a:latin typeface="Arial"/>
-                <a:cs typeface="Arial"/>
-                <a:sym typeface="Arial"/>
-              </a:endParaRPr>
-            </a:p>
-          </p:txBody>
-        </p:sp>
-        <p:sp>
-          <p:nvSpPr>
-            <p:cNvPr id="195" name="Google Shape;195;p27"/>
-            <p:cNvSpPr/>
-            <p:nvPr/>
-          </p:nvSpPr>
-          <p:spPr>
-            <a:xfrm>
-              <a:off x="3826875" y="4582450"/>
-              <a:ext cx="133600" cy="194075"/>
-            </a:xfrm>
-            <a:custGeom>
-              <a:avLst/>
-              <a:gdLst/>
-              <a:ahLst/>
-              <a:cxnLst/>
-              <a:rect l="l" t="t" r="r" b="b"/>
-              <a:pathLst>
-                <a:path w="5344" h="7763" extrusionOk="0">
-                  <a:moveTo>
-                    <a:pt x="0" y="0"/>
-                  </a:moveTo>
-                  <a:lnTo>
-                    <a:pt x="0" y="6262"/>
-                  </a:lnTo>
-                  <a:cubicBezTo>
-                    <a:pt x="0" y="7169"/>
-                    <a:pt x="484" y="7762"/>
-                    <a:pt x="1777" y="7762"/>
-                  </a:cubicBezTo>
-                  <a:lnTo>
-                    <a:pt x="3567" y="7762"/>
-                  </a:lnTo>
-                  <a:cubicBezTo>
-                    <a:pt x="4860" y="7762"/>
-                    <a:pt x="5344" y="7169"/>
-                    <a:pt x="5344" y="6262"/>
-                  </a:cubicBezTo>
-                  <a:lnTo>
-                    <a:pt x="5344" y="0"/>
-                  </a:lnTo>
-                  <a:lnTo>
-                    <a:pt x="3228" y="0"/>
-                  </a:lnTo>
-                  <a:lnTo>
-                    <a:pt x="3228" y="5984"/>
-                  </a:lnTo>
-                  <a:cubicBezTo>
-                    <a:pt x="3228" y="6166"/>
-                    <a:pt x="3131" y="6250"/>
-                    <a:pt x="2926" y="6250"/>
-                  </a:cubicBezTo>
-                  <a:lnTo>
-                    <a:pt x="2418" y="6250"/>
-                  </a:lnTo>
-                  <a:cubicBezTo>
-                    <a:pt x="2213" y="6250"/>
-                    <a:pt x="2116" y="6166"/>
-                    <a:pt x="2116" y="5984"/>
-                  </a:cubicBezTo>
-                  <a:lnTo>
-                    <a:pt x="2116" y="0"/>
-                  </a:lnTo>
-                  <a:close/>
-                </a:path>
-              </a:pathLst>
-            </a:custGeom>
-            <a:solidFill>
-              <a:srgbClr val="FFFFFF"/>
-            </a:solidFill>
-            <a:ln>
-              <a:noFill/>
-            </a:ln>
-          </p:spPr>
-          <p:txBody>
-            <a:bodyPr spcFirstLastPara="1" wrap="square" lIns="121900" tIns="121900" rIns="121900" bIns="121900" anchor="ctr" anchorCtr="0">
-              <a:noAutofit/>
-            </a:bodyPr>
-            <a:lstStyle/>
-            <a:p>
-              <a:pPr defTabSz="1219170">
-                <a:buClr>
-                  <a:srgbClr val="000000"/>
-                </a:buClr>
-              </a:pPr>
-              <a:endParaRPr sz="1867" kern="0">
-                <a:solidFill>
-                  <a:srgbClr val="000000"/>
-                </a:solidFill>
-                <a:latin typeface="Arial"/>
-                <a:cs typeface="Arial"/>
-                <a:sym typeface="Arial"/>
-              </a:endParaRPr>
-            </a:p>
-          </p:txBody>
-        </p:sp>
-        <p:sp>
-          <p:nvSpPr>
-            <p:cNvPr id="196" name="Google Shape;196;p27"/>
-            <p:cNvSpPr/>
-            <p:nvPr/>
-          </p:nvSpPr>
-          <p:spPr>
-            <a:xfrm>
-              <a:off x="4019025" y="4582450"/>
-              <a:ext cx="133300" cy="194075"/>
-            </a:xfrm>
-            <a:custGeom>
-              <a:avLst/>
-              <a:gdLst/>
-              <a:ahLst/>
-              <a:cxnLst/>
-              <a:rect l="l" t="t" r="r" b="b"/>
-              <a:pathLst>
-                <a:path w="5332" h="7763" extrusionOk="0">
-                  <a:moveTo>
-                    <a:pt x="2950" y="1391"/>
-                  </a:moveTo>
-                  <a:cubicBezTo>
-                    <a:pt x="3156" y="1391"/>
-                    <a:pt x="3252" y="1475"/>
-                    <a:pt x="3252" y="1657"/>
-                  </a:cubicBezTo>
-                  <a:lnTo>
-                    <a:pt x="3252" y="2914"/>
-                  </a:lnTo>
-                  <a:cubicBezTo>
-                    <a:pt x="3252" y="3095"/>
-                    <a:pt x="3156" y="3180"/>
-                    <a:pt x="2950" y="3180"/>
-                  </a:cubicBezTo>
-                  <a:lnTo>
-                    <a:pt x="2080" y="3180"/>
-                  </a:lnTo>
-                  <a:lnTo>
-                    <a:pt x="2080" y="1391"/>
-                  </a:lnTo>
-                  <a:close/>
-                  <a:moveTo>
-                    <a:pt x="2950" y="4570"/>
-                  </a:moveTo>
-                  <a:cubicBezTo>
-                    <a:pt x="3156" y="4570"/>
-                    <a:pt x="3252" y="4655"/>
-                    <a:pt x="3252" y="4836"/>
-                  </a:cubicBezTo>
-                  <a:lnTo>
-                    <a:pt x="3252" y="6106"/>
-                  </a:lnTo>
-                  <a:cubicBezTo>
-                    <a:pt x="3252" y="6287"/>
-                    <a:pt x="3156" y="6371"/>
-                    <a:pt x="2950" y="6371"/>
-                  </a:cubicBezTo>
-                  <a:lnTo>
-                    <a:pt x="2080" y="6371"/>
-                  </a:lnTo>
-                  <a:lnTo>
-                    <a:pt x="2080" y="4570"/>
-                  </a:lnTo>
-                  <a:close/>
-                  <a:moveTo>
-                    <a:pt x="1" y="0"/>
-                  </a:moveTo>
-                  <a:lnTo>
-                    <a:pt x="1" y="7762"/>
-                  </a:lnTo>
-                  <a:lnTo>
-                    <a:pt x="3555" y="7762"/>
-                  </a:lnTo>
-                  <a:cubicBezTo>
-                    <a:pt x="4848" y="7762"/>
-                    <a:pt x="5332" y="7169"/>
-                    <a:pt x="5332" y="6262"/>
-                  </a:cubicBezTo>
-                  <a:lnTo>
-                    <a:pt x="5332" y="5102"/>
-                  </a:lnTo>
-                  <a:cubicBezTo>
-                    <a:pt x="5332" y="4486"/>
-                    <a:pt x="5223" y="4062"/>
-                    <a:pt x="4752" y="3857"/>
-                  </a:cubicBezTo>
-                  <a:cubicBezTo>
-                    <a:pt x="5223" y="3604"/>
-                    <a:pt x="5332" y="3120"/>
-                    <a:pt x="5332" y="2491"/>
-                  </a:cubicBezTo>
-                  <a:lnTo>
-                    <a:pt x="5332" y="1500"/>
-                  </a:lnTo>
-                  <a:cubicBezTo>
-                    <a:pt x="5332" y="593"/>
-                    <a:pt x="4848" y="0"/>
-                    <a:pt x="3555" y="0"/>
-                  </a:cubicBezTo>
-                  <a:close/>
-                </a:path>
-              </a:pathLst>
-            </a:custGeom>
-            <a:solidFill>
-              <a:srgbClr val="FFFFFF"/>
-            </a:solidFill>
-            <a:ln>
-              <a:noFill/>
-            </a:ln>
-          </p:spPr>
-          <p:txBody>
-            <a:bodyPr spcFirstLastPara="1" wrap="square" lIns="121900" tIns="121900" rIns="121900" bIns="121900" anchor="ctr" anchorCtr="0">
-              <a:noAutofit/>
-            </a:bodyPr>
-            <a:lstStyle/>
-            <a:p>
-              <a:pPr defTabSz="1219170">
-                <a:buClr>
-                  <a:srgbClr val="000000"/>
-                </a:buClr>
-              </a:pPr>
-              <a:endParaRPr sz="1867" kern="0">
-                <a:solidFill>
-                  <a:srgbClr val="000000"/>
-                </a:solidFill>
-                <a:latin typeface="Arial"/>
-                <a:cs typeface="Arial"/>
-                <a:sym typeface="Arial"/>
-              </a:endParaRPr>
-            </a:p>
-          </p:txBody>
-        </p:sp>
-      </p:grpSp>
       <p:pic>
         <p:nvPicPr>
           <p:cNvPr id="2" name="Immagine 1">
@@ -29893,7 +25638,7 @@
         </p:blipFill>
         <p:spPr>
           <a:xfrm>
-            <a:off x="3038729" y="1370334"/>
+            <a:off x="4733253" y="1246933"/>
             <a:ext cx="2725488" cy="2528859"/>
           </a:xfrm>
           <a:prstGeom prst="rect">
@@ -29956,6 +25701,42 @@
           <a:chExt cx="0" cy="0"/>
         </a:xfrm>
       </p:grpSpPr>
+      <p:pic>
+        <p:nvPicPr>
+          <p:cNvPr id="6" name="Immagine 5">
+            <a:extLst>
+              <a:ext uri="{FF2B5EF4-FFF2-40B4-BE49-F238E27FC236}">
+                <a16:creationId xmlns:a16="http://schemas.microsoft.com/office/drawing/2014/main" id="{B3BE1E6A-EE5C-82B6-EE5C-65BCC18A4607}"/>
+              </a:ext>
+            </a:extLst>
+          </p:cNvPr>
+          <p:cNvPicPr>
+            <a:picLocks noChangeAspect="1"/>
+          </p:cNvPicPr>
+          <p:nvPr/>
+        </p:nvPicPr>
+        <p:blipFill>
+          <a:blip r:embed="rId3">
+            <a:extLst>
+              <a:ext uri="{28A0092B-C50C-407E-A947-70E740481C1C}">
+                <a14:useLocalDpi xmlns:a14="http://schemas.microsoft.com/office/drawing/2010/main" val="0"/>
+              </a:ext>
+            </a:extLst>
+          </a:blip>
+          <a:stretch>
+            <a:fillRect/>
+          </a:stretch>
+        </p:blipFill>
+        <p:spPr>
+          <a:xfrm>
+            <a:off x="674479" y="477139"/>
+            <a:ext cx="10527381" cy="6152262"/>
+          </a:xfrm>
+          <a:prstGeom prst="rect">
+            <a:avLst/>
+          </a:prstGeom>
+        </p:spPr>
+      </p:pic>
       <p:sp>
         <p:nvSpPr>
           <p:cNvPr id="527" name="Google Shape;527;p38"/>
@@ -29968,8 +25749,8 @@
         </p:nvSpPr>
         <p:spPr>
           <a:xfrm>
-            <a:off x="858833" y="826067"/>
-            <a:ext cx="10754400" cy="520000"/>
+            <a:off x="560180" y="400938"/>
+            <a:ext cx="3697669" cy="520000"/>
           </a:xfrm>
           <a:prstGeom prst="rect">
             <a:avLst/>
@@ -29986,81 +25767,6 @@
               <a:t>UML Class Diagram</a:t>
             </a:r>
             <a:endParaRPr dirty="0"/>
-          </a:p>
-        </p:txBody>
-      </p:sp>
-      <p:sp>
-        <p:nvSpPr>
-          <p:cNvPr id="3" name="Sottotitolo 2">
-            <a:extLst>
-              <a:ext uri="{FF2B5EF4-FFF2-40B4-BE49-F238E27FC236}">
-                <a16:creationId xmlns:a16="http://schemas.microsoft.com/office/drawing/2014/main" id="{06008D38-EF8F-435A-B2CB-6214EA6F52FA}"/>
-              </a:ext>
-            </a:extLst>
-          </p:cNvPr>
-          <p:cNvSpPr>
-            <a:spLocks noGrp="1"/>
-          </p:cNvSpPr>
-          <p:nvPr>
-            <p:ph type="subTitle" idx="1"/>
-          </p:nvPr>
-        </p:nvSpPr>
-        <p:spPr/>
-        <p:txBody>
-          <a:bodyPr/>
-          <a:lstStyle/>
-          <a:p>
-            <a:endParaRPr lang="en-US"/>
-          </a:p>
-        </p:txBody>
-      </p:sp>
-      <p:sp>
-        <p:nvSpPr>
-          <p:cNvPr id="5" name="Sottotitolo 4">
-            <a:extLst>
-              <a:ext uri="{FF2B5EF4-FFF2-40B4-BE49-F238E27FC236}">
-                <a16:creationId xmlns:a16="http://schemas.microsoft.com/office/drawing/2014/main" id="{DDB89CEB-FAF5-344D-23CC-9390F35E77D6}"/>
-              </a:ext>
-            </a:extLst>
-          </p:cNvPr>
-          <p:cNvSpPr>
-            <a:spLocks noGrp="1"/>
-          </p:cNvSpPr>
-          <p:nvPr>
-            <p:ph type="subTitle" idx="1"/>
-          </p:nvPr>
-        </p:nvSpPr>
-        <p:spPr/>
-        <p:txBody>
-          <a:bodyPr/>
-          <a:lstStyle/>
-          <a:p>
-            <a:endParaRPr lang="en-US" dirty="0"/>
-          </a:p>
-        </p:txBody>
-      </p:sp>
-      <p:sp>
-        <p:nvSpPr>
-          <p:cNvPr id="7" name="Sottotitolo 6">
-            <a:extLst>
-              <a:ext uri="{FF2B5EF4-FFF2-40B4-BE49-F238E27FC236}">
-                <a16:creationId xmlns:a16="http://schemas.microsoft.com/office/drawing/2014/main" id="{85ACAFA2-3A80-EDFA-BDAD-23F94DD805EE}"/>
-              </a:ext>
-            </a:extLst>
-          </p:cNvPr>
-          <p:cNvSpPr>
-            <a:spLocks noGrp="1"/>
-          </p:cNvSpPr>
-          <p:nvPr>
-            <p:ph type="subTitle" idx="1"/>
-          </p:nvPr>
-        </p:nvSpPr>
-        <p:spPr/>
-        <p:txBody>
-          <a:bodyPr/>
-          <a:lstStyle/>
-          <a:p>
-            <a:endParaRPr lang="en-US" dirty="0"/>
           </a:p>
         </p:txBody>
       </p:sp>
@@ -30101,7 +25807,7 @@
         </p:nvSpPr>
         <p:spPr>
           <a:xfrm>
-            <a:off x="858833" y="826067"/>
+            <a:off x="496883" y="826067"/>
             <a:ext cx="10754400" cy="520000"/>
           </a:xfrm>
           <a:prstGeom prst="rect">
@@ -30124,31 +25830,6 @@
       </p:sp>
       <p:sp>
         <p:nvSpPr>
-          <p:cNvPr id="3" name="Sottotitolo 2">
-            <a:extLst>
-              <a:ext uri="{FF2B5EF4-FFF2-40B4-BE49-F238E27FC236}">
-                <a16:creationId xmlns:a16="http://schemas.microsoft.com/office/drawing/2014/main" id="{95DD079E-FF77-937A-9656-49EF90BCC624}"/>
-              </a:ext>
-            </a:extLst>
-          </p:cNvPr>
-          <p:cNvSpPr>
-            <a:spLocks noGrp="1"/>
-          </p:cNvSpPr>
-          <p:nvPr>
-            <p:ph type="subTitle" idx="1"/>
-          </p:nvPr>
-        </p:nvSpPr>
-        <p:spPr/>
-        <p:txBody>
-          <a:bodyPr/>
-          <a:lstStyle/>
-          <a:p>
-            <a:endParaRPr lang="en-US"/>
-          </a:p>
-        </p:txBody>
-      </p:sp>
-      <p:sp>
-        <p:nvSpPr>
           <p:cNvPr id="5" name="CasellaDiTesto 4">
             <a:extLst>
               <a:ext uri="{FF2B5EF4-FFF2-40B4-BE49-F238E27FC236}">
@@ -30161,7 +25842,7 @@
         </p:nvSpPr>
         <p:spPr>
           <a:xfrm>
-            <a:off x="858833" y="1630728"/>
+            <a:off x="496883" y="1630728"/>
             <a:ext cx="9943503" cy="4401205"/>
           </a:xfrm>
           <a:prstGeom prst="rect">
@@ -30755,7 +26436,7 @@
         </p:nvSpPr>
         <p:spPr>
           <a:xfrm>
-            <a:off x="858833" y="826067"/>
+            <a:off x="858833" y="835592"/>
             <a:ext cx="10754400" cy="520000"/>
           </a:xfrm>
           <a:prstGeom prst="rect">
@@ -30791,7 +26472,7 @@
         <p:spPr>
           <a:xfrm>
             <a:off x="858833" y="1522764"/>
-            <a:ext cx="9632704" cy="4349589"/>
+            <a:ext cx="9632704" cy="5008230"/>
           </a:xfrm>
           <a:prstGeom prst="rect">
             <a:avLst/>
@@ -31190,7 +26871,157 @@
                 <a:latin typeface="Arial"/>
                 <a:ea typeface="Calibri" panose="020F0502020204030204" pitchFamily="34" charset="0"/>
               </a:rPr>
-              <a:t>triangle</a:t>
+              <a:t>Triangle</a:t>
+            </a:r>
+            <a:r>
+              <a:rPr lang="it-IT" sz="2000" i="1" dirty="0">
+                <a:solidFill>
+                  <a:srgbClr val="005375"/>
+                </a:solidFill>
+                <a:latin typeface="Arial"/>
+                <a:ea typeface="Calibri" panose="020F0502020204030204" pitchFamily="34" charset="0"/>
+              </a:rPr>
+              <a:t> </a:t>
+            </a:r>
+            <a:r>
+              <a:rPr lang="it-IT" sz="2000" dirty="0">
+                <a:solidFill>
+                  <a:srgbClr val="005375"/>
+                </a:solidFill>
+                <a:latin typeface="Arial"/>
+                <a:ea typeface="Calibri" panose="020F0502020204030204" pitchFamily="34" charset="0"/>
+              </a:rPr>
+              <a:t>for</a:t>
+            </a:r>
+            <a:r>
+              <a:rPr lang="it-IT" sz="2000" i="1" dirty="0">
+                <a:solidFill>
+                  <a:srgbClr val="005375"/>
+                </a:solidFill>
+                <a:latin typeface="Arial"/>
+                <a:ea typeface="Calibri" panose="020F0502020204030204" pitchFamily="34" charset="0"/>
+              </a:rPr>
+              <a:t> Users and Trades </a:t>
+            </a:r>
+            <a:r>
+              <a:rPr lang="it-IT" sz="2000" dirty="0" err="1">
+                <a:solidFill>
+                  <a:srgbClr val="005375"/>
+                </a:solidFill>
+                <a:latin typeface="Arial"/>
+                <a:ea typeface="Calibri" panose="020F0502020204030204" pitchFamily="34" charset="0"/>
+              </a:rPr>
+              <a:t>collection</a:t>
+            </a:r>
+            <a:r>
+              <a:rPr lang="it-IT" sz="2000" i="1" dirty="0">
+                <a:solidFill>
+                  <a:srgbClr val="005375"/>
+                </a:solidFill>
+                <a:latin typeface="Arial"/>
+                <a:ea typeface="Calibri" panose="020F0502020204030204" pitchFamily="34" charset="0"/>
+              </a:rPr>
+              <a:t>, </a:t>
+            </a:r>
+            <a:r>
+              <a:rPr lang="it-IT" sz="2000" dirty="0" err="1">
+                <a:solidFill>
+                  <a:srgbClr val="005375"/>
+                </a:solidFill>
+                <a:latin typeface="Arial"/>
+                <a:ea typeface="Calibri" panose="020F0502020204030204" pitchFamily="34" charset="0"/>
+              </a:rPr>
+              <a:t>meanwhile</a:t>
+            </a:r>
+            <a:r>
+              <a:rPr lang="it-IT" sz="2000" i="1" dirty="0">
+                <a:solidFill>
+                  <a:srgbClr val="005375"/>
+                </a:solidFill>
+                <a:latin typeface="Arial"/>
+                <a:ea typeface="Calibri" panose="020F0502020204030204" pitchFamily="34" charset="0"/>
+              </a:rPr>
+              <a:t> </a:t>
+            </a:r>
+            <a:r>
+              <a:rPr lang="it-IT" sz="2000" b="1" i="1" dirty="0" err="1">
+                <a:solidFill>
+                  <a:srgbClr val="DC5641"/>
+                </a:solidFill>
+                <a:latin typeface="Arial"/>
+                <a:ea typeface="Calibri" panose="020F0502020204030204" pitchFamily="34" charset="0"/>
+              </a:rPr>
+              <a:t>Availability</a:t>
+            </a:r>
+            <a:r>
+              <a:rPr lang="it-IT" sz="2000" dirty="0">
+                <a:solidFill>
+                  <a:srgbClr val="DC5641"/>
+                </a:solidFill>
+                <a:latin typeface="Arial"/>
+                <a:ea typeface="Calibri" panose="020F0502020204030204" pitchFamily="34" charset="0"/>
+              </a:rPr>
+              <a:t> </a:t>
+            </a:r>
+            <a:r>
+              <a:rPr lang="it-IT" sz="2000" dirty="0">
+                <a:solidFill>
+                  <a:srgbClr val="005375"/>
+                </a:solidFill>
+                <a:latin typeface="Arial"/>
+                <a:ea typeface="Calibri" panose="020F0502020204030204" pitchFamily="34" charset="0"/>
+              </a:rPr>
+              <a:t>and</a:t>
+            </a:r>
+            <a:r>
+              <a:rPr lang="it-IT" sz="2000" dirty="0">
+                <a:solidFill>
+                  <a:srgbClr val="DC5641"/>
+                </a:solidFill>
+                <a:latin typeface="Arial"/>
+                <a:ea typeface="Calibri" panose="020F0502020204030204" pitchFamily="34" charset="0"/>
+              </a:rPr>
+              <a:t> </a:t>
+            </a:r>
+            <a:r>
+              <a:rPr lang="it-IT" sz="2000" b="1" dirty="0" err="1">
+                <a:solidFill>
+                  <a:srgbClr val="DC5641"/>
+                </a:solidFill>
+                <a:latin typeface="Arial"/>
+                <a:ea typeface="Calibri" panose="020F0502020204030204" pitchFamily="34" charset="0"/>
+              </a:rPr>
+              <a:t>Partitioning</a:t>
+            </a:r>
+            <a:r>
+              <a:rPr lang="it-IT" sz="2000" b="1" dirty="0">
+                <a:solidFill>
+                  <a:srgbClr val="DC5641"/>
+                </a:solidFill>
+                <a:latin typeface="Arial"/>
+                <a:ea typeface="Calibri" panose="020F0502020204030204" pitchFamily="34" charset="0"/>
+              </a:rPr>
+              <a:t> </a:t>
+            </a:r>
+            <a:r>
+              <a:rPr lang="it-IT" sz="2000" dirty="0">
+                <a:solidFill>
+                  <a:srgbClr val="005375"/>
+                </a:solidFill>
+                <a:latin typeface="Arial"/>
+                <a:ea typeface="Calibri" panose="020F0502020204030204" pitchFamily="34" charset="0"/>
+              </a:rPr>
+              <a:t>for the Cards </a:t>
+            </a:r>
+            <a:r>
+              <a:rPr lang="it-IT" sz="2000" dirty="0" err="1">
+                <a:solidFill>
+                  <a:srgbClr val="005375"/>
+                </a:solidFill>
+                <a:latin typeface="Arial"/>
+                <a:ea typeface="Calibri" panose="020F0502020204030204" pitchFamily="34" charset="0"/>
+              </a:rPr>
+              <a:t>collection</a:t>
             </a:r>
             <a:r>
               <a:rPr lang="it-IT" sz="2000" b="1" dirty="0">
@@ -32965,7 +28796,7 @@
         </p:blipFill>
         <p:spPr>
           <a:xfrm>
-            <a:off x="8566681" y="1232503"/>
+            <a:off x="8566681" y="1086791"/>
             <a:ext cx="3073468" cy="5598104"/>
           </a:xfrm>
           <a:prstGeom prst="rect">
@@ -33076,7 +28907,7 @@
         </p:nvSpPr>
         <p:spPr>
           <a:xfrm>
-            <a:off x="6310029" y="1679390"/>
+            <a:off x="6545375" y="1447987"/>
             <a:ext cx="2021306" cy="1015663"/>
           </a:xfrm>
           <a:prstGeom prst="rect">
@@ -34904,7 +30735,7 @@
         </p:blipFill>
         <p:spPr>
           <a:xfrm>
-            <a:off x="3585836" y="1492783"/>
+            <a:off x="3392764" y="1476967"/>
             <a:ext cx="2381582" cy="5219225"/>
           </a:xfrm>
           <a:prstGeom prst="rect">
@@ -35076,7 +30907,7 @@
         </p:nvSpPr>
         <p:spPr>
           <a:xfrm>
-            <a:off x="1063182" y="3529124"/>
+            <a:off x="1198195" y="3578747"/>
             <a:ext cx="2021306" cy="1015663"/>
           </a:xfrm>
           <a:prstGeom prst="rect">
@@ -35236,7 +31067,7 @@
         </p:nvSpPr>
         <p:spPr>
           <a:xfrm>
-            <a:off x="139959" y="1019496"/>
+            <a:off x="69979" y="1019496"/>
             <a:ext cx="12052041" cy="7218066"/>
           </a:xfrm>
           <a:prstGeom prst="rect">
@@ -36419,25 +32250,8 @@
                 <a:effectLst/>
                 <a:latin typeface="Consolas" panose="020B0609020204030204" pitchFamily="49" charset="0"/>
               </a:rPr>
-              <a:t>:-</a:t>
+              <a:t>:-1}});</a:t>
             </a:r>
-            <a:r>
-              <a:rPr lang="it-IT" sz="1400" b="0">
-                <a:solidFill>
-                  <a:schemeClr val="accent2"/>
-                </a:solidFill>
-                <a:effectLst/>
-                <a:latin typeface="Consolas" panose="020B0609020204030204" pitchFamily="49" charset="0"/>
-              </a:rPr>
-              <a:t>1}});</a:t>
-            </a:r>
-            <a:endParaRPr lang="it-IT" sz="1400" b="0" dirty="0">
-              <a:solidFill>
-                <a:schemeClr val="accent2"/>
-              </a:solidFill>
-              <a:effectLst/>
-              <a:latin typeface="Consolas" panose="020B0609020204030204" pitchFamily="49" charset="0"/>
-            </a:endParaRPr>
           </a:p>
           <a:p>
             <a:pPr marR="0" lvl="0" algn="l" defTabSz="914400" rtl="0" eaLnBrk="1" fontAlgn="auto" latinLnBrk="0" hangingPunct="1">
@@ -36555,6 +32369,86 @@
     <p:extLst>
       <p:ext uri="{BB962C8B-B14F-4D97-AF65-F5344CB8AC3E}">
         <p14:creationId xmlns:p14="http://schemas.microsoft.com/office/powerpoint/2010/main" val="2029053212"/>
+      </p:ext>
+    </p:extLst>
+  </p:cSld>
+  <p:clrMapOvr>
+    <a:masterClrMapping/>
+  </p:clrMapOvr>
+</p:sld>
+</file>
+
+<file path=ppt/slides/slide9.xml><?xml version="1.0" encoding="utf-8"?>
+<p:sld xmlns:a="http://schemas.openxmlformats.org/drawingml/2006/main" xmlns:r="http://schemas.openxmlformats.org/officeDocument/2006/relationships" xmlns:p="http://schemas.openxmlformats.org/presentationml/2006/main">
+  <p:cSld>
+    <p:spTree>
+      <p:nvGrpSpPr>
+        <p:cNvPr id="1" name=""/>
+        <p:cNvGrpSpPr/>
+        <p:nvPr/>
+      </p:nvGrpSpPr>
+      <p:grpSpPr>
+        <a:xfrm>
+          <a:off x="0" y="0"/>
+          <a:ext cx="0" cy="0"/>
+          <a:chOff x="0" y="0"/>
+          <a:chExt cx="0" cy="0"/>
+        </a:xfrm>
+      </p:grpSpPr>
+      <p:sp>
+        <p:nvSpPr>
+          <p:cNvPr id="2" name="Titolo 1">
+            <a:extLst>
+              <a:ext uri="{FF2B5EF4-FFF2-40B4-BE49-F238E27FC236}">
+                <a16:creationId xmlns:a16="http://schemas.microsoft.com/office/drawing/2014/main" id="{B754B1E9-F6A2-BC74-1D2A-400A3FF4FDC4}"/>
+              </a:ext>
+            </a:extLst>
+          </p:cNvPr>
+          <p:cNvSpPr>
+            <a:spLocks noGrp="1"/>
+          </p:cNvSpPr>
+          <p:nvPr>
+            <p:ph type="ctrTitle"/>
+          </p:nvPr>
+        </p:nvSpPr>
+        <p:spPr/>
+        <p:txBody>
+          <a:bodyPr/>
+          <a:lstStyle/>
+          <a:p>
+            <a:endParaRPr lang="en-US"/>
+          </a:p>
+        </p:txBody>
+      </p:sp>
+      <p:sp>
+        <p:nvSpPr>
+          <p:cNvPr id="3" name="Segnaposto testo 2">
+            <a:extLst>
+              <a:ext uri="{FF2B5EF4-FFF2-40B4-BE49-F238E27FC236}">
+                <a16:creationId xmlns:a16="http://schemas.microsoft.com/office/drawing/2014/main" id="{B3ACD193-4F80-C179-55BD-4E5E799BE566}"/>
+              </a:ext>
+            </a:extLst>
+          </p:cNvPr>
+          <p:cNvSpPr>
+            <a:spLocks noGrp="1"/>
+          </p:cNvSpPr>
+          <p:nvPr>
+            <p:ph type="body" idx="1"/>
+          </p:nvPr>
+        </p:nvSpPr>
+        <p:spPr/>
+        <p:txBody>
+          <a:bodyPr/>
+          <a:lstStyle/>
+          <a:p>
+            <a:endParaRPr lang="en-US"/>
+          </a:p>
+        </p:txBody>
+      </p:sp>
+    </p:spTree>
+    <p:extLst>
+      <p:ext uri="{BB962C8B-B14F-4D97-AF65-F5344CB8AC3E}">
+        <p14:creationId xmlns:p14="http://schemas.microsoft.com/office/powerpoint/2010/main" val="2738208361"/>
       </p:ext>
     </p:extLst>
   </p:cSld>
